--- a/California Wildfires (1).pptx
+++ b/California Wildfires (1).pptx
@@ -1,6 +1,6 @@
 
 <file path=ppt/presentation.xml><?xml version="1.0" encoding="utf-8"?>
-<p:presentation xmlns:a="http://schemas.openxmlformats.org/drawingml/2006/main" xmlns:r="http://schemas.openxmlformats.org/officeDocument/2006/relationships" xmlns:mc="http://schemas.openxmlformats.org/markup-compatibility/2006" xmlns:mv="urn:schemas-microsoft-com:mac:vml" xmlns:p="http://schemas.openxmlformats.org/presentationml/2006/main" xmlns:c="http://schemas.openxmlformats.org/drawingml/2006/chart" xmlns:dgm="http://schemas.openxmlformats.org/drawingml/2006/diagram" xmlns:o="urn:schemas-microsoft-com:office:office" xmlns:v="urn:schemas-microsoft-com:vml" xmlns:pvml="urn:schemas-microsoft-com:office:powerpoint" xmlns:com="http://schemas.openxmlformats.org/drawingml/2006/compatibility" xmlns:p14="http://schemas.microsoft.com/office/powerpoint/2010/main" xmlns:p15="http://schemas.microsoft.com/office/powerpoint/2012/main" xmlns:ahyp="http://schemas.microsoft.com/office/drawing/2018/hyperlinkcolor" autoCompressPictures="0" strictFirstAndLastChars="0" saveSubsetFonts="1">
+<p:presentation xmlns:a="http://schemas.openxmlformats.org/drawingml/2006/main" xmlns:r="http://schemas.openxmlformats.org/officeDocument/2006/relationships" xmlns:mc="http://schemas.openxmlformats.org/markup-compatibility/2006" xmlns:mv="urn:schemas-microsoft-com:mac:vml" xmlns:p="http://schemas.openxmlformats.org/presentationml/2006/main" xmlns:c="http://schemas.openxmlformats.org/drawingml/2006/chart" xmlns:dgm="http://schemas.openxmlformats.org/drawingml/2006/diagram" xmlns:o="urn:schemas-microsoft-com:office:office" xmlns:v="urn:schemas-microsoft-com:vml" xmlns:pvml="urn:schemas-microsoft-com:office:powerpoint" xmlns:com="http://schemas.openxmlformats.org/drawingml/2006/compatibility" xmlns:p14="http://schemas.microsoft.com/office/powerpoint/2010/main" xmlns:p15="http://schemas.microsoft.com/office/powerpoint/2012/main" xmlns:ahyp="http://schemas.microsoft.com/office/drawing/2018/hyperlinkcolor" autoCompressPictures="0" embedTrueTypeFonts="1" strictFirstAndLastChars="0" saveSubsetFonts="1">
   <p:sldMasterIdLst>
     <p:sldMasterId id="2147483659" r:id="rId4"/>
   </p:sldMasterIdLst>
@@ -25,10 +25,18 @@
     <p:sldId id="270" r:id="rId20"/>
     <p:sldId id="271" r:id="rId21"/>
     <p:sldId id="272" r:id="rId22"/>
-    <p:sldId id="273" r:id="rId23"/>
   </p:sldIdLst>
   <p:sldSz cy="5143500" cx="9144000"/>
   <p:notesSz cx="6858000" cy="9144000"/>
+  <p:embeddedFontLst>
+    <p:embeddedFont>
+      <p:font typeface="Roboto"/>
+      <p:regular r:id="rId23"/>
+      <p:bold r:id="rId24"/>
+      <p:italic r:id="rId25"/>
+      <p:boldItalic r:id="rId26"/>
+    </p:embeddedFont>
+  </p:embeddedFontLst>
   <p:defaultTextStyle>
     <a:defPPr lvl="0" marR="0" rtl="0" algn="l">
       <a:lnSpc>
@@ -807,7 +815,7 @@
   <p:cSld>
     <p:spTree>
       <p:nvGrpSpPr>
-        <p:cNvPr id="119" name="Shape 119"/>
+        <p:cNvPr id="124" name="Shape 124"/>
         <p:cNvGrpSpPr/>
         <p:nvPr/>
       </p:nvGrpSpPr>
@@ -821,7 +829,7 @@
       </p:grpSpPr>
       <p:sp>
         <p:nvSpPr>
-          <p:cNvPr id="120" name="Google Shape;120;geea1b2d734_1_9:notes"/>
+          <p:cNvPr id="125" name="Google Shape;125;gf046332b08_4_0:notes"/>
           <p:cNvSpPr/>
           <p:nvPr>
             <p:ph idx="2" type="sldImg"/>
@@ -856,7 +864,7 @@
       </p:sp>
       <p:sp>
         <p:nvSpPr>
-          <p:cNvPr id="121" name="Google Shape;121;geea1b2d734_1_9:notes"/>
+          <p:cNvPr id="126" name="Google Shape;126;gf046332b08_4_0:notes"/>
           <p:cNvSpPr txBox="1"/>
           <p:nvPr>
             <p:ph idx="1" type="body"/>
@@ -906,7 +914,7 @@
   <p:cSld>
     <p:spTree>
       <p:nvGrpSpPr>
-        <p:cNvPr id="131" name="Shape 131"/>
+        <p:cNvPr id="135" name="Shape 135"/>
         <p:cNvGrpSpPr/>
         <p:nvPr/>
       </p:nvGrpSpPr>
@@ -920,7 +928,7 @@
       </p:grpSpPr>
       <p:sp>
         <p:nvSpPr>
-          <p:cNvPr id="132" name="Google Shape;132;gf046332b08_4_0:notes"/>
+          <p:cNvPr id="136" name="Google Shape;136;gf5591f9276_4_71:notes"/>
           <p:cNvSpPr/>
           <p:nvPr>
             <p:ph idx="2" type="sldImg"/>
@@ -955,7 +963,7 @@
       </p:sp>
       <p:sp>
         <p:nvSpPr>
-          <p:cNvPr id="133" name="Google Shape;133;gf046332b08_4_0:notes"/>
+          <p:cNvPr id="137" name="Google Shape;137;gf5591f9276_4_71:notes"/>
           <p:cNvSpPr txBox="1"/>
           <p:nvPr>
             <p:ph idx="1" type="body"/>
@@ -1005,7 +1013,7 @@
   <p:cSld>
     <p:spTree>
       <p:nvGrpSpPr>
-        <p:cNvPr id="142" name="Shape 142"/>
+        <p:cNvPr id="146" name="Shape 146"/>
         <p:cNvGrpSpPr/>
         <p:nvPr/>
       </p:nvGrpSpPr>
@@ -1019,7 +1027,7 @@
       </p:grpSpPr>
       <p:sp>
         <p:nvSpPr>
-          <p:cNvPr id="143" name="Google Shape;143;gf5591f9276_4_71:notes"/>
+          <p:cNvPr id="147" name="Google Shape;147;gf5591f9276_4_38:notes"/>
           <p:cNvSpPr/>
           <p:nvPr>
             <p:ph idx="2" type="sldImg"/>
@@ -1054,7 +1062,7 @@
       </p:sp>
       <p:sp>
         <p:nvSpPr>
-          <p:cNvPr id="144" name="Google Shape;144;gf5591f9276_4_71:notes"/>
+          <p:cNvPr id="148" name="Google Shape;148;gf5591f9276_4_38:notes"/>
           <p:cNvSpPr txBox="1"/>
           <p:nvPr>
             <p:ph idx="1" type="body"/>
@@ -1104,7 +1112,7 @@
   <p:cSld>
     <p:spTree>
       <p:nvGrpSpPr>
-        <p:cNvPr id="153" name="Shape 153"/>
+        <p:cNvPr id="152" name="Shape 152"/>
         <p:cNvGrpSpPr/>
         <p:nvPr/>
       </p:nvGrpSpPr>
@@ -1118,7 +1126,7 @@
       </p:grpSpPr>
       <p:sp>
         <p:nvSpPr>
-          <p:cNvPr id="154" name="Google Shape;154;gf5591f9276_4_38:notes"/>
+          <p:cNvPr id="153" name="Google Shape;153;gf046332b08_1_19:notes"/>
           <p:cNvSpPr/>
           <p:nvPr>
             <p:ph idx="2" type="sldImg"/>
@@ -1153,7 +1161,7 @@
       </p:sp>
       <p:sp>
         <p:nvSpPr>
-          <p:cNvPr id="155" name="Google Shape;155;gf5591f9276_4_38:notes"/>
+          <p:cNvPr id="154" name="Google Shape;154;gf046332b08_1_19:notes"/>
           <p:cNvSpPr txBox="1"/>
           <p:nvPr>
             <p:ph idx="1" type="body"/>
@@ -1203,7 +1211,7 @@
   <p:cSld>
     <p:spTree>
       <p:nvGrpSpPr>
-        <p:cNvPr id="159" name="Shape 159"/>
+        <p:cNvPr id="161" name="Shape 161"/>
         <p:cNvGrpSpPr/>
         <p:nvPr/>
       </p:nvGrpSpPr>
@@ -1217,7 +1225,7 @@
       </p:grpSpPr>
       <p:sp>
         <p:nvSpPr>
-          <p:cNvPr id="160" name="Google Shape;160;gf046332b08_1_19:notes"/>
+          <p:cNvPr id="162" name="Google Shape;162;gf5591f9276_1_0:notes"/>
           <p:cNvSpPr/>
           <p:nvPr>
             <p:ph idx="2" type="sldImg"/>
@@ -1252,7 +1260,7 @@
       </p:sp>
       <p:sp>
         <p:nvSpPr>
-          <p:cNvPr id="161" name="Google Shape;161;gf046332b08_1_19:notes"/>
+          <p:cNvPr id="163" name="Google Shape;163;gf5591f9276_1_0:notes"/>
           <p:cNvSpPr txBox="1"/>
           <p:nvPr>
             <p:ph idx="1" type="body"/>
@@ -1280,12 +1288,58 @@
               <a:spcAft>
                 <a:spcPts val="0"/>
               </a:spcAft>
-              <a:buNone/>
-            </a:pPr>
-            <a:r>
-              <a:t/>
-            </a:r>
-            <a:endParaRPr/>
+              <a:buClr>
+                <a:schemeClr val="dk1"/>
+              </a:buClr>
+              <a:buSzPts val="1100"/>
+              <a:buFont typeface="Arial"/>
+              <a:buNone/>
+            </a:pPr>
+            <a:r>
+              <a:rPr lang="zh-CN" sz="1200">
+                <a:solidFill>
+                  <a:srgbClr val="202124"/>
+                </a:solidFill>
+                <a:highlight>
+                  <a:srgbClr val="FFFFFF"/>
+                </a:highlight>
+                <a:latin typeface="Roboto"/>
+                <a:ea typeface="Roboto"/>
+                <a:cs typeface="Roboto"/>
+                <a:sym typeface="Roboto"/>
+              </a:rPr>
+              <a:t>Softmax converts a vector of values to a probability distribution. Used bc good for multiclass classification</a:t>
+            </a:r>
+            <a:endParaRPr>
+              <a:solidFill>
+                <a:srgbClr val="595959"/>
+              </a:solidFill>
+            </a:endParaRPr>
+          </a:p>
+          <a:p>
+            <a:pPr indent="0" lvl="0" marL="0" rtl="0" algn="l">
+              <a:spcBef>
+                <a:spcPts val="0"/>
+              </a:spcBef>
+              <a:spcAft>
+                <a:spcPts val="0"/>
+              </a:spcAft>
+              <a:buClr>
+                <a:schemeClr val="dk1"/>
+              </a:buClr>
+              <a:buSzPts val="1100"/>
+              <a:buFont typeface="Arial"/>
+              <a:buNone/>
+            </a:pPr>
+            <a:r>
+              <a:rPr lang="zh-CN" sz="1150">
+                <a:solidFill>
+                  <a:srgbClr val="595959"/>
+                </a:solidFill>
+              </a:rPr>
+              <a:t>Initial analysis shows that with the dataset provided, and with varying inclement challenges, it’s difficult to provide an absolute prediction.  To some extent fires are started accidentally and can spread quite quickly due to it’s surrounding environment.  Based on past data, our model shows that we can predict at 88% accuracy.  </a:t>
+            </a:r>
+            <a:endParaRPr sz="100"/>
           </a:p>
         </p:txBody>
       </p:sp>
@@ -1302,7 +1356,7 @@
   <p:cSld>
     <p:spTree>
       <p:nvGrpSpPr>
-        <p:cNvPr id="168" name="Shape 168"/>
+        <p:cNvPr id="170" name="Shape 170"/>
         <p:cNvGrpSpPr/>
         <p:nvPr/>
       </p:nvGrpSpPr>
@@ -1316,7 +1370,7 @@
       </p:grpSpPr>
       <p:sp>
         <p:nvSpPr>
-          <p:cNvPr id="169" name="Google Shape;169;gf5591f9276_1_0:notes"/>
+          <p:cNvPr id="171" name="Google Shape;171;gf5591f9276_6_3:notes"/>
           <p:cNvSpPr/>
           <p:nvPr>
             <p:ph idx="2" type="sldImg"/>
@@ -1351,7 +1405,7 @@
       </p:sp>
       <p:sp>
         <p:nvSpPr>
-          <p:cNvPr id="170" name="Google Shape;170;gf5591f9276_1_0:notes"/>
+          <p:cNvPr id="172" name="Google Shape;172;gf5591f9276_6_3:notes"/>
           <p:cNvSpPr txBox="1"/>
           <p:nvPr>
             <p:ph idx="1" type="body"/>
@@ -1372,7 +1426,7 @@
           </a:bodyPr>
           <a:lstStyle/>
           <a:p>
-            <a:pPr indent="0" lvl="0" marL="0" rtl="0" algn="l">
+            <a:pPr indent="0" lvl="0" marL="0" rtl="0" algn="ctr">
               <a:spcBef>
                 <a:spcPts val="0"/>
               </a:spcBef>
@@ -1387,36 +1441,20 @@
               <a:buNone/>
             </a:pPr>
             <a:r>
-              <a:t/>
-            </a:r>
-            <a:endParaRPr sz="2100">
-              <a:solidFill>
-                <a:srgbClr val="595959"/>
-              </a:solidFill>
-            </a:endParaRPr>
-          </a:p>
-          <a:p>
-            <a:pPr indent="0" lvl="0" marL="0" rtl="0" algn="l">
-              <a:spcBef>
-                <a:spcPts val="0"/>
-              </a:spcBef>
-              <a:spcAft>
-                <a:spcPts val="0"/>
-              </a:spcAft>
-              <a:buClr>
-                <a:schemeClr val="dk1"/>
-              </a:buClr>
-              <a:buSzPts val="1100"/>
-              <a:buFont typeface="Arial"/>
-              <a:buNone/>
-            </a:pPr>
-            <a:r>
-              <a:rPr lang="zh-CN" sz="2150">
+              <a:rPr lang="zh-CN" sz="1200">
                 <a:solidFill>
                   <a:srgbClr val="595959"/>
                 </a:solidFill>
               </a:rPr>
-              <a:t>Initial analysis shows that with the dataset provided, and with varying inclement challenges, it’s difficult to provide an absolute prediction.  To some extent fires are started accidentally and can spread quite quickly due to it’s surrounding environment.  Based on past data, our model shows that we can predict at 88% accuracy.  </a:t>
+              <a:t>Due to our insufficient amount of data, we were not able to predict when and where the next wildfire would be. We determined that more environmental data would increase the accuracy of our model.</a:t>
+            </a:r>
+            <a:r>
+              <a:rPr lang="zh-CN" sz="2800">
+                <a:solidFill>
+                  <a:srgbClr val="595959"/>
+                </a:solidFill>
+              </a:rPr>
+              <a:t> </a:t>
             </a:r>
             <a:endParaRPr/>
           </a:p>
@@ -1435,7 +1473,7 @@
   <p:cSld>
     <p:spTree>
       <p:nvGrpSpPr>
-        <p:cNvPr id="177" name="Shape 177"/>
+        <p:cNvPr id="176" name="Shape 176"/>
         <p:cNvGrpSpPr/>
         <p:nvPr/>
       </p:nvGrpSpPr>
@@ -1449,7 +1487,7 @@
       </p:grpSpPr>
       <p:sp>
         <p:nvSpPr>
-          <p:cNvPr id="178" name="Google Shape;178;gf5591f9276_6_3:notes"/>
+          <p:cNvPr id="177" name="Google Shape;177;geea1b2d734_1_0:notes"/>
           <p:cNvSpPr/>
           <p:nvPr>
             <p:ph idx="2" type="sldImg"/>
@@ -1484,7 +1522,7 @@
       </p:sp>
       <p:sp>
         <p:nvSpPr>
-          <p:cNvPr id="179" name="Google Shape;179;gf5591f9276_6_3:notes"/>
+          <p:cNvPr id="178" name="Google Shape;178;geea1b2d734_1_0:notes"/>
           <p:cNvSpPr txBox="1"/>
           <p:nvPr>
             <p:ph idx="1" type="body"/>
@@ -1505,35 +1543,17 @@
           </a:bodyPr>
           <a:lstStyle/>
           <a:p>
-            <a:pPr indent="0" lvl="0" marL="0" rtl="0" algn="ctr">
-              <a:spcBef>
-                <a:spcPts val="0"/>
-              </a:spcBef>
-              <a:spcAft>
-                <a:spcPts val="0"/>
-              </a:spcAft>
-              <a:buClr>
-                <a:schemeClr val="dk1"/>
-              </a:buClr>
-              <a:buSzPts val="1100"/>
-              <a:buFont typeface="Arial"/>
-              <a:buNone/>
-            </a:pPr>
-            <a:r>
-              <a:rPr lang="zh-CN" sz="1200">
-                <a:solidFill>
-                  <a:srgbClr val="595959"/>
-                </a:solidFill>
-              </a:rPr>
-              <a:t>Due to our insufficient amount of data, we were not able to predict when and where the next wildfire would be. We determined that more environmental data would increase the accuracy of our model.</a:t>
-            </a:r>
-            <a:r>
-              <a:rPr lang="zh-CN" sz="2800">
-                <a:solidFill>
-                  <a:srgbClr val="595959"/>
-                </a:solidFill>
-              </a:rPr>
-              <a:t> </a:t>
+            <a:pPr indent="0" lvl="0" marL="0" rtl="0" algn="l">
+              <a:spcBef>
+                <a:spcPts val="0"/>
+              </a:spcBef>
+              <a:spcAft>
+                <a:spcPts val="0"/>
+              </a:spcAft>
+              <a:buNone/>
+            </a:pPr>
+            <a:r>
+              <a:t/>
             </a:r>
             <a:endParaRPr/>
           </a:p>
@@ -1566,7 +1586,7 @@
       </p:grpSpPr>
       <p:sp>
         <p:nvSpPr>
-          <p:cNvPr id="184" name="Google Shape;184;geea1b2d734_1_0:notes"/>
+          <p:cNvPr id="184" name="Google Shape;184;gf5591f9276_5_19:notes"/>
           <p:cNvSpPr/>
           <p:nvPr>
             <p:ph idx="2" type="sldImg"/>
@@ -1601,106 +1621,7 @@
       </p:sp>
       <p:sp>
         <p:nvSpPr>
-          <p:cNvPr id="185" name="Google Shape;185;geea1b2d734_1_0:notes"/>
-          <p:cNvSpPr txBox="1"/>
-          <p:nvPr>
-            <p:ph idx="1" type="body"/>
-          </p:nvPr>
-        </p:nvSpPr>
-        <p:spPr>
-          <a:xfrm>
-            <a:off x="685800" y="4343400"/>
-            <a:ext cx="5486400" cy="4114800"/>
-          </a:xfrm>
-          <a:prstGeom prst="rect">
-            <a:avLst/>
-          </a:prstGeom>
-        </p:spPr>
-        <p:txBody>
-          <a:bodyPr anchorCtr="0" anchor="t" bIns="91425" lIns="91425" spcFirstLastPara="1" rIns="91425" wrap="square" tIns="91425">
-            <a:noAutofit/>
-          </a:bodyPr>
-          <a:lstStyle/>
-          <a:p>
-            <a:pPr indent="0" lvl="0" marL="0" rtl="0" algn="l">
-              <a:spcBef>
-                <a:spcPts val="0"/>
-              </a:spcBef>
-              <a:spcAft>
-                <a:spcPts val="0"/>
-              </a:spcAft>
-              <a:buNone/>
-            </a:pPr>
-            <a:r>
-              <a:t/>
-            </a:r>
-            <a:endParaRPr/>
-          </a:p>
-        </p:txBody>
-      </p:sp>
-    </p:spTree>
-  </p:cSld>
-  <p:clrMapOvr>
-    <a:masterClrMapping/>
-  </p:clrMapOvr>
-</p:notes>
-</file>
-
-<file path=ppt/notesSlides/notesSlide18.xml><?xml version="1.0" encoding="utf-8"?>
-<p:notes xmlns:a="http://schemas.openxmlformats.org/drawingml/2006/main" xmlns:r="http://schemas.openxmlformats.org/officeDocument/2006/relationships" xmlns:mc="http://schemas.openxmlformats.org/markup-compatibility/2006" xmlns:mv="urn:schemas-microsoft-com:mac:vml" xmlns:p="http://schemas.openxmlformats.org/presentationml/2006/main" xmlns:c="http://schemas.openxmlformats.org/drawingml/2006/chart" xmlns:dgm="http://schemas.openxmlformats.org/drawingml/2006/diagram" xmlns:o="urn:schemas-microsoft-com:office:office" xmlns:v="urn:schemas-microsoft-com:vml" xmlns:pvml="urn:schemas-microsoft-com:office:powerpoint" xmlns:com="http://schemas.openxmlformats.org/drawingml/2006/compatibility" xmlns:p14="http://schemas.microsoft.com/office/powerpoint/2010/main" xmlns:p15="http://schemas.microsoft.com/office/powerpoint/2012/main" xmlns:ahyp="http://schemas.microsoft.com/office/drawing/2018/hyperlinkcolor" showMasterPhAnim="0" showMasterSp="0">
-  <p:cSld>
-    <p:spTree>
-      <p:nvGrpSpPr>
-        <p:cNvPr id="190" name="Shape 190"/>
-        <p:cNvGrpSpPr/>
-        <p:nvPr/>
-      </p:nvGrpSpPr>
-      <p:grpSpPr>
-        <a:xfrm>
-          <a:off x="0" y="0"/>
-          <a:ext cx="0" cy="0"/>
-          <a:chOff x="0" y="0"/>
-          <a:chExt cx="0" cy="0"/>
-        </a:xfrm>
-      </p:grpSpPr>
-      <p:sp>
-        <p:nvSpPr>
-          <p:cNvPr id="191" name="Google Shape;191;gf5591f9276_5_19:notes"/>
-          <p:cNvSpPr/>
-          <p:nvPr>
-            <p:ph idx="2" type="sldImg"/>
-          </p:nvPr>
-        </p:nvSpPr>
-        <p:spPr>
-          <a:xfrm>
-            <a:off x="381300" y="685800"/>
-            <a:ext cx="6096000" cy="3429000"/>
-          </a:xfrm>
-          <a:custGeom>
-            <a:rect b="b" l="l" r="r" t="t"/>
-            <a:pathLst>
-              <a:path extrusionOk="0" h="120000" w="120000">
-                <a:moveTo>
-                  <a:pt x="0" y="0"/>
-                </a:moveTo>
-                <a:lnTo>
-                  <a:pt x="120000" y="0"/>
-                </a:lnTo>
-                <a:lnTo>
-                  <a:pt x="120000" y="120000"/>
-                </a:lnTo>
-                <a:lnTo>
-                  <a:pt x="0" y="120000"/>
-                </a:lnTo>
-                <a:close/>
-              </a:path>
-            </a:pathLst>
-          </a:custGeom>
-        </p:spPr>
-      </p:sp>
-      <p:sp>
-        <p:nvSpPr>
-          <p:cNvPr id="192" name="Google Shape;192;gf5591f9276_5_19:notes"/>
+          <p:cNvPr id="185" name="Google Shape;185;gf5591f9276_5_19:notes"/>
           <p:cNvSpPr txBox="1"/>
           <p:nvPr>
             <p:ph idx="1" type="body"/>
@@ -1764,7 +1685,7 @@
       </p:grpSpPr>
       <p:sp>
         <p:nvSpPr>
-          <p:cNvPr id="58" name="Google Shape;58;gf5591f9276_5_7:notes"/>
+          <p:cNvPr id="58" name="Google Shape;58;gf5591f9276_4_1:notes"/>
           <p:cNvSpPr/>
           <p:nvPr>
             <p:ph idx="2" type="sldImg"/>
@@ -1799,7 +1720,7 @@
       </p:sp>
       <p:sp>
         <p:nvSpPr>
-          <p:cNvPr id="59" name="Google Shape;59;gf5591f9276_5_7:notes"/>
+          <p:cNvPr id="59" name="Google Shape;59;gf5591f9276_4_1:notes"/>
           <p:cNvSpPr txBox="1"/>
           <p:nvPr>
             <p:ph idx="1" type="body"/>
@@ -1849,7 +1770,7 @@
   <p:cSld>
     <p:spTree>
       <p:nvGrpSpPr>
-        <p:cNvPr id="63" name="Shape 63"/>
+        <p:cNvPr id="64" name="Shape 64"/>
         <p:cNvGrpSpPr/>
         <p:nvPr/>
       </p:nvGrpSpPr>
@@ -1863,7 +1784,7 @@
       </p:grpSpPr>
       <p:sp>
         <p:nvSpPr>
-          <p:cNvPr id="64" name="Google Shape;64;gf5591f9276_4_1:notes"/>
+          <p:cNvPr id="65" name="Google Shape;65;gf046332b08_1_11:notes"/>
           <p:cNvSpPr/>
           <p:nvPr>
             <p:ph idx="2" type="sldImg"/>
@@ -1898,7 +1819,7 @@
       </p:sp>
       <p:sp>
         <p:nvSpPr>
-          <p:cNvPr id="65" name="Google Shape;65;gf5591f9276_4_1:notes"/>
+          <p:cNvPr id="66" name="Google Shape;66;gf046332b08_1_11:notes"/>
           <p:cNvSpPr txBox="1"/>
           <p:nvPr>
             <p:ph idx="1" type="body"/>
@@ -1962,7 +1883,7 @@
       </p:grpSpPr>
       <p:sp>
         <p:nvSpPr>
-          <p:cNvPr id="72" name="Google Shape;72;gf046332b08_1_11:notes"/>
+          <p:cNvPr id="72" name="Google Shape;72;gf5591f9276_4_28:notes"/>
           <p:cNvSpPr/>
           <p:nvPr>
             <p:ph idx="2" type="sldImg"/>
@@ -1997,7 +1918,7 @@
       </p:sp>
       <p:sp>
         <p:nvSpPr>
-          <p:cNvPr id="73" name="Google Shape;73;gf046332b08_1_11:notes"/>
+          <p:cNvPr id="73" name="Google Shape;73;gf5591f9276_4_28:notes"/>
           <p:cNvSpPr txBox="1"/>
           <p:nvPr>
             <p:ph idx="1" type="body"/>
@@ -2047,7 +1968,7 @@
   <p:cSld>
     <p:spTree>
       <p:nvGrpSpPr>
-        <p:cNvPr id="78" name="Shape 78"/>
+        <p:cNvPr id="77" name="Shape 77"/>
         <p:cNvGrpSpPr/>
         <p:nvPr/>
       </p:nvGrpSpPr>
@@ -2061,7 +1982,7 @@
       </p:grpSpPr>
       <p:sp>
         <p:nvSpPr>
-          <p:cNvPr id="79" name="Google Shape;79;gf5591f9276_4_28:notes"/>
+          <p:cNvPr id="78" name="Google Shape;78;gf046332b08_1_6:notes"/>
           <p:cNvSpPr/>
           <p:nvPr>
             <p:ph idx="2" type="sldImg"/>
@@ -2096,7 +2017,7 @@
       </p:sp>
       <p:sp>
         <p:nvSpPr>
-          <p:cNvPr id="80" name="Google Shape;80;gf5591f9276_4_28:notes"/>
+          <p:cNvPr id="79" name="Google Shape;79;gf046332b08_1_6:notes"/>
           <p:cNvSpPr txBox="1"/>
           <p:nvPr>
             <p:ph idx="1" type="body"/>
@@ -2160,7 +2081,7 @@
       </p:grpSpPr>
       <p:sp>
         <p:nvSpPr>
-          <p:cNvPr id="85" name="Google Shape;85;gf046332b08_1_6:notes"/>
+          <p:cNvPr id="85" name="Google Shape;85;gf5591f9276_5_25:notes"/>
           <p:cNvSpPr/>
           <p:nvPr>
             <p:ph idx="2" type="sldImg"/>
@@ -2195,7 +2116,7 @@
       </p:sp>
       <p:sp>
         <p:nvSpPr>
-          <p:cNvPr id="86" name="Google Shape;86;gf046332b08_1_6:notes"/>
+          <p:cNvPr id="86" name="Google Shape;86;gf5591f9276_5_25:notes"/>
           <p:cNvSpPr txBox="1"/>
           <p:nvPr>
             <p:ph idx="1" type="body"/>
@@ -2259,7 +2180,7 @@
       </p:grpSpPr>
       <p:sp>
         <p:nvSpPr>
-          <p:cNvPr id="92" name="Google Shape;92;gf5591f9276_5_25:notes"/>
+          <p:cNvPr id="92" name="Google Shape;92;gf5591f9276_4_33:notes"/>
           <p:cNvSpPr/>
           <p:nvPr>
             <p:ph idx="2" type="sldImg"/>
@@ -2294,7 +2215,7 @@
       </p:sp>
       <p:sp>
         <p:nvSpPr>
-          <p:cNvPr id="93" name="Google Shape;93;gf5591f9276_5_25:notes"/>
+          <p:cNvPr id="93" name="Google Shape;93;gf5591f9276_4_33:notes"/>
           <p:cNvSpPr txBox="1"/>
           <p:nvPr>
             <p:ph idx="1" type="body"/>
@@ -2344,7 +2265,7 @@
   <p:cSld>
     <p:spTree>
       <p:nvGrpSpPr>
-        <p:cNvPr id="98" name="Shape 98"/>
+        <p:cNvPr id="97" name="Shape 97"/>
         <p:cNvGrpSpPr/>
         <p:nvPr/>
       </p:nvGrpSpPr>
@@ -2358,7 +2279,7 @@
       </p:grpSpPr>
       <p:sp>
         <p:nvSpPr>
-          <p:cNvPr id="99" name="Google Shape;99;gf5591f9276_4_33:notes"/>
+          <p:cNvPr id="98" name="Google Shape;98;gf046332b08_1_15:notes"/>
           <p:cNvSpPr/>
           <p:nvPr>
             <p:ph idx="2" type="sldImg"/>
@@ -2393,7 +2314,7 @@
       </p:sp>
       <p:sp>
         <p:nvSpPr>
-          <p:cNvPr id="100" name="Google Shape;100;gf5591f9276_4_33:notes"/>
+          <p:cNvPr id="99" name="Google Shape;99;gf046332b08_1_15:notes"/>
           <p:cNvSpPr txBox="1"/>
           <p:nvPr>
             <p:ph idx="1" type="body"/>
@@ -2443,7 +2364,7 @@
   <p:cSld>
     <p:spTree>
       <p:nvGrpSpPr>
-        <p:cNvPr id="104" name="Shape 104"/>
+        <p:cNvPr id="112" name="Shape 112"/>
         <p:cNvGrpSpPr/>
         <p:nvPr/>
       </p:nvGrpSpPr>
@@ -2457,7 +2378,7 @@
       </p:grpSpPr>
       <p:sp>
         <p:nvSpPr>
-          <p:cNvPr id="105" name="Google Shape;105;gf046332b08_1_15:notes"/>
+          <p:cNvPr id="113" name="Google Shape;113;geea1b2d734_1_9:notes"/>
           <p:cNvSpPr/>
           <p:nvPr>
             <p:ph idx="2" type="sldImg"/>
@@ -2492,7 +2413,7 @@
       </p:sp>
       <p:sp>
         <p:nvSpPr>
-          <p:cNvPr id="106" name="Google Shape;106;gf046332b08_1_15:notes"/>
+          <p:cNvPr id="114" name="Google Shape;114;geea1b2d734_1_9:notes"/>
           <p:cNvSpPr txBox="1"/>
           <p:nvPr>
             <p:ph idx="1" type="body"/>
@@ -7381,7 +7302,7 @@
   <p:cSld>
     <p:spTree>
       <p:nvGrpSpPr>
-        <p:cNvPr id="122" name="Shape 122"/>
+        <p:cNvPr id="127" name="Shape 127"/>
         <p:cNvGrpSpPr/>
         <p:nvPr/>
       </p:nvGrpSpPr>
@@ -7395,7 +7316,7 @@
       </p:grpSpPr>
       <p:pic>
         <p:nvPicPr>
-          <p:cNvPr id="123" name="Google Shape;123;p22"/>
+          <p:cNvPr id="128" name="Google Shape;128;p22"/>
           <p:cNvPicPr preferRelativeResize="0"/>
           <p:nvPr/>
         </p:nvPicPr>
@@ -7422,300 +7343,7 @@
       </p:pic>
       <p:sp>
         <p:nvSpPr>
-          <p:cNvPr id="124" name="Google Shape;124;p22"/>
-          <p:cNvSpPr/>
-          <p:nvPr/>
-        </p:nvSpPr>
-        <p:spPr>
-          <a:xfrm>
-            <a:off x="411100" y="1515600"/>
-            <a:ext cx="2407800" cy="1963800"/>
-          </a:xfrm>
-          <a:prstGeom prst="roundRect">
-            <a:avLst>
-              <a:gd fmla="val 16667" name="adj"/>
-            </a:avLst>
-          </a:prstGeom>
-          <a:solidFill>
-            <a:schemeClr val="lt2"/>
-          </a:solidFill>
-          <a:ln cap="flat" cmpd="sng" w="9525">
-            <a:solidFill>
-              <a:schemeClr val="dk2"/>
-            </a:solidFill>
-            <a:prstDash val="solid"/>
-            <a:round/>
-            <a:headEnd len="sm" w="sm" type="none"/>
-            <a:tailEnd len="sm" w="sm" type="none"/>
-          </a:ln>
-        </p:spPr>
-        <p:txBody>
-          <a:bodyPr anchorCtr="0" anchor="t" bIns="91425" lIns="91425" spcFirstLastPara="1" rIns="91425" wrap="square" tIns="91425">
-            <a:noAutofit/>
-          </a:bodyPr>
-          <a:lstStyle/>
-          <a:p>
-            <a:pPr indent="0" lvl="0" marL="0" rtl="0" algn="l">
-              <a:spcBef>
-                <a:spcPts val="0"/>
-              </a:spcBef>
-              <a:spcAft>
-                <a:spcPts val="0"/>
-              </a:spcAft>
-              <a:buNone/>
-            </a:pPr>
-            <a:r>
-              <a:rPr b="1" lang="zh-CN"/>
-              <a:t>California Wildfires (2013-2020) </a:t>
-            </a:r>
-            <a:r>
-              <a:rPr b="1" lang="zh-CN"/>
-              <a:t>dataset</a:t>
-            </a:r>
-            <a:endParaRPr b="1"/>
-          </a:p>
-          <a:p>
-            <a:pPr indent="-317500" lvl="0" marL="457200" rtl="0" algn="l">
-              <a:spcBef>
-                <a:spcPts val="0"/>
-              </a:spcBef>
-              <a:spcAft>
-                <a:spcPts val="0"/>
-              </a:spcAft>
-              <a:buSzPts val="1400"/>
-              <a:buChar char="-"/>
-            </a:pPr>
-            <a:r>
-              <a:rPr lang="zh-CN"/>
-              <a:t>AcresBurned</a:t>
-            </a:r>
-            <a:endParaRPr/>
-          </a:p>
-          <a:p>
-            <a:pPr indent="-317500" lvl="0" marL="457200" rtl="0" algn="l">
-              <a:spcBef>
-                <a:spcPts val="0"/>
-              </a:spcBef>
-              <a:spcAft>
-                <a:spcPts val="0"/>
-              </a:spcAft>
-              <a:buSzPts val="1400"/>
-              <a:buChar char="-"/>
-            </a:pPr>
-            <a:r>
-              <a:rPr lang="zh-CN"/>
-              <a:t>Counties</a:t>
-            </a:r>
-            <a:endParaRPr/>
-          </a:p>
-          <a:p>
-            <a:pPr indent="-317500" lvl="0" marL="457200" rtl="0" algn="l">
-              <a:spcBef>
-                <a:spcPts val="0"/>
-              </a:spcBef>
-              <a:spcAft>
-                <a:spcPts val="0"/>
-              </a:spcAft>
-              <a:buSzPts val="1400"/>
-              <a:buChar char="-"/>
-            </a:pPr>
-            <a:r>
-              <a:rPr lang="zh-CN"/>
-              <a:t>Latitude</a:t>
-            </a:r>
-            <a:endParaRPr/>
-          </a:p>
-          <a:p>
-            <a:pPr indent="-317500" lvl="0" marL="457200" rtl="0" algn="l">
-              <a:spcBef>
-                <a:spcPts val="0"/>
-              </a:spcBef>
-              <a:spcAft>
-                <a:spcPts val="0"/>
-              </a:spcAft>
-              <a:buSzPts val="1400"/>
-              <a:buChar char="-"/>
-            </a:pPr>
-            <a:r>
-              <a:rPr lang="zh-CN"/>
-              <a:t>Longitude</a:t>
-            </a:r>
-            <a:endParaRPr/>
-          </a:p>
-          <a:p>
-            <a:pPr indent="-317500" lvl="0" marL="457200" rtl="0" algn="l">
-              <a:spcBef>
-                <a:spcPts val="0"/>
-              </a:spcBef>
-              <a:spcAft>
-                <a:spcPts val="0"/>
-              </a:spcAft>
-              <a:buSzPts val="1400"/>
-              <a:buChar char="-"/>
-            </a:pPr>
-            <a:r>
-              <a:rPr lang="zh-CN"/>
-              <a:t>Month</a:t>
-            </a:r>
-            <a:endParaRPr/>
-          </a:p>
-          <a:p>
-            <a:pPr indent="-317500" lvl="0" marL="457200" rtl="0" algn="l">
-              <a:spcBef>
-                <a:spcPts val="0"/>
-              </a:spcBef>
-              <a:spcAft>
-                <a:spcPts val="0"/>
-              </a:spcAft>
-              <a:buSzPts val="1400"/>
-              <a:buChar char="-"/>
-            </a:pPr>
-            <a:r>
-              <a:rPr lang="zh-CN"/>
-              <a:t>Year</a:t>
-            </a:r>
-            <a:endParaRPr/>
-          </a:p>
-          <a:p>
-            <a:pPr indent="0" lvl="0" marL="0" rtl="0" algn="l">
-              <a:spcBef>
-                <a:spcPts val="0"/>
-              </a:spcBef>
-              <a:spcAft>
-                <a:spcPts val="0"/>
-              </a:spcAft>
-              <a:buNone/>
-            </a:pPr>
-            <a:r>
-              <a:t/>
-            </a:r>
-            <a:endParaRPr b="1"/>
-          </a:p>
-        </p:txBody>
-      </p:sp>
-      <p:sp>
-        <p:nvSpPr>
-          <p:cNvPr id="125" name="Google Shape;125;p22"/>
-          <p:cNvSpPr/>
-          <p:nvPr/>
-        </p:nvSpPr>
-        <p:spPr>
-          <a:xfrm>
-            <a:off x="3319400" y="1515600"/>
-            <a:ext cx="2407800" cy="1963800"/>
-          </a:xfrm>
-          <a:prstGeom prst="roundRect">
-            <a:avLst>
-              <a:gd fmla="val 16667" name="adj"/>
-            </a:avLst>
-          </a:prstGeom>
-          <a:solidFill>
-            <a:schemeClr val="lt2"/>
-          </a:solidFill>
-          <a:ln cap="flat" cmpd="sng" w="9525">
-            <a:solidFill>
-              <a:schemeClr val="dk2"/>
-            </a:solidFill>
-            <a:prstDash val="solid"/>
-            <a:round/>
-            <a:headEnd len="sm" w="sm" type="none"/>
-            <a:tailEnd len="sm" w="sm" type="none"/>
-          </a:ln>
-        </p:spPr>
-        <p:txBody>
-          <a:bodyPr anchorCtr="0" anchor="t" bIns="91425" lIns="91425" spcFirstLastPara="1" rIns="91425" wrap="square" tIns="91425">
-            <a:noAutofit/>
-          </a:bodyPr>
-          <a:lstStyle/>
-          <a:p>
-            <a:pPr indent="0" lvl="0" marL="0" rtl="0" algn="l">
-              <a:spcBef>
-                <a:spcPts val="0"/>
-              </a:spcBef>
-              <a:spcAft>
-                <a:spcPts val="0"/>
-              </a:spcAft>
-              <a:buNone/>
-            </a:pPr>
-            <a:r>
-              <a:rPr b="1" lang="zh-CN"/>
-              <a:t>California Rainfall dataset</a:t>
-            </a:r>
-            <a:endParaRPr b="1"/>
-          </a:p>
-          <a:p>
-            <a:pPr indent="-317500" lvl="0" marL="457200" rtl="0" algn="l">
-              <a:spcBef>
-                <a:spcPts val="0"/>
-              </a:spcBef>
-              <a:spcAft>
-                <a:spcPts val="0"/>
-              </a:spcAft>
-              <a:buSzPts val="1400"/>
-              <a:buChar char="-"/>
-            </a:pPr>
-            <a:r>
-              <a:rPr lang="zh-CN"/>
-              <a:t>Precipitation</a:t>
-            </a:r>
-            <a:endParaRPr/>
-          </a:p>
-          <a:p>
-            <a:pPr indent="-317500" lvl="0" marL="457200" rtl="0" algn="l">
-              <a:spcBef>
-                <a:spcPts val="0"/>
-              </a:spcBef>
-              <a:spcAft>
-                <a:spcPts val="0"/>
-              </a:spcAft>
-              <a:buSzPts val="1400"/>
-              <a:buChar char="-"/>
-            </a:pPr>
-            <a:r>
-              <a:rPr lang="zh-CN"/>
-              <a:t>Mean Temperature</a:t>
-            </a:r>
-            <a:endParaRPr/>
-          </a:p>
-          <a:p>
-            <a:pPr indent="-317500" lvl="0" marL="457200" rtl="0" algn="l">
-              <a:spcBef>
-                <a:spcPts val="0"/>
-              </a:spcBef>
-              <a:spcAft>
-                <a:spcPts val="0"/>
-              </a:spcAft>
-              <a:buSzPts val="1400"/>
-              <a:buChar char="-"/>
-            </a:pPr>
-            <a:r>
-              <a:rPr lang="zh-CN"/>
-              <a:t>Min Temperature</a:t>
-            </a:r>
-            <a:endParaRPr/>
-          </a:p>
-          <a:p>
-            <a:pPr indent="-317500" lvl="0" marL="457200" rtl="0" algn="l">
-              <a:spcBef>
-                <a:spcPts val="0"/>
-              </a:spcBef>
-              <a:spcAft>
-                <a:spcPts val="0"/>
-              </a:spcAft>
-              <a:buSzPts val="1400"/>
-              <a:buChar char="-"/>
-            </a:pPr>
-            <a:r>
-              <a:rPr lang="zh-CN"/>
-              <a:t>Max Temperature</a:t>
-            </a:r>
-            <a:endParaRPr/>
-          </a:p>
-        </p:txBody>
-      </p:sp>
-      <p:sp>
-        <p:nvSpPr>
-          <p:cNvPr id="126" name="Google Shape;126;p22"/>
+          <p:cNvPr id="129" name="Google Shape;129;p22"/>
           <p:cNvSpPr txBox="1"/>
           <p:nvPr/>
         </p:nvSpPr>
@@ -7758,445 +7386,13 @@
                   <a:srgbClr val="F8F8F8"/>
                 </a:solidFill>
               </a:rPr>
-              <a:t>Database Outline</a:t>
+              <a:t>Entity Relationship Diagram</a:t>
             </a:r>
             <a:endParaRPr b="1">
               <a:solidFill>
                 <a:srgbClr val="F8F8F8"/>
               </a:solidFill>
             </a:endParaRPr>
-          </a:p>
-        </p:txBody>
-      </p:sp>
-      <p:sp>
-        <p:nvSpPr>
-          <p:cNvPr id="127" name="Google Shape;127;p22"/>
-          <p:cNvSpPr/>
-          <p:nvPr/>
-        </p:nvSpPr>
-        <p:spPr>
-          <a:xfrm>
-            <a:off x="6328650" y="1515600"/>
-            <a:ext cx="2407800" cy="2622000"/>
-          </a:xfrm>
-          <a:prstGeom prst="roundRect">
-            <a:avLst>
-              <a:gd fmla="val 16667" name="adj"/>
-            </a:avLst>
-          </a:prstGeom>
-          <a:solidFill>
-            <a:srgbClr val="A83604"/>
-          </a:solidFill>
-          <a:ln cap="flat" cmpd="sng" w="9525">
-            <a:solidFill>
-              <a:schemeClr val="dk2"/>
-            </a:solidFill>
-            <a:prstDash val="solid"/>
-            <a:round/>
-            <a:headEnd len="sm" w="sm" type="none"/>
-            <a:tailEnd len="sm" w="sm" type="none"/>
-          </a:ln>
-        </p:spPr>
-        <p:txBody>
-          <a:bodyPr anchorCtr="0" anchor="t" bIns="91425" lIns="91425" spcFirstLastPara="1" rIns="91425" wrap="square" tIns="91425">
-            <a:noAutofit/>
-          </a:bodyPr>
-          <a:lstStyle/>
-          <a:p>
-            <a:pPr indent="0" lvl="0" marL="0" rtl="0" algn="l">
-              <a:spcBef>
-                <a:spcPts val="0"/>
-              </a:spcBef>
-              <a:spcAft>
-                <a:spcPts val="0"/>
-              </a:spcAft>
-              <a:buNone/>
-            </a:pPr>
-            <a:r>
-              <a:rPr b="1" lang="zh-CN">
-                <a:solidFill>
-                  <a:srgbClr val="F8F8F8"/>
-                </a:solidFill>
-              </a:rPr>
-              <a:t>Combined </a:t>
-            </a:r>
-            <a:r>
-              <a:rPr b="1" lang="zh-CN">
-                <a:solidFill>
-                  <a:srgbClr val="F8F8F8"/>
-                </a:solidFill>
-              </a:rPr>
-              <a:t>dataset</a:t>
-            </a:r>
-            <a:endParaRPr b="1">
-              <a:solidFill>
-                <a:srgbClr val="F8F8F8"/>
-              </a:solidFill>
-            </a:endParaRPr>
-          </a:p>
-          <a:p>
-            <a:pPr indent="-317500" lvl="0" marL="457200" rtl="0" algn="l">
-              <a:spcBef>
-                <a:spcPts val="0"/>
-              </a:spcBef>
-              <a:spcAft>
-                <a:spcPts val="0"/>
-              </a:spcAft>
-              <a:buClr>
-                <a:srgbClr val="F8F8F8"/>
-              </a:buClr>
-              <a:buSzPts val="1400"/>
-              <a:buChar char="-"/>
-            </a:pPr>
-            <a:r>
-              <a:rPr lang="zh-CN">
-                <a:solidFill>
-                  <a:srgbClr val="F8F8F8"/>
-                </a:solidFill>
-              </a:rPr>
-              <a:t>AcresBurned</a:t>
-            </a:r>
-            <a:endParaRPr>
-              <a:solidFill>
-                <a:srgbClr val="F8F8F8"/>
-              </a:solidFill>
-            </a:endParaRPr>
-          </a:p>
-          <a:p>
-            <a:pPr indent="-317500" lvl="0" marL="457200" rtl="0" algn="l">
-              <a:spcBef>
-                <a:spcPts val="0"/>
-              </a:spcBef>
-              <a:spcAft>
-                <a:spcPts val="0"/>
-              </a:spcAft>
-              <a:buClr>
-                <a:srgbClr val="F8F8F8"/>
-              </a:buClr>
-              <a:buSzPts val="1400"/>
-              <a:buChar char="-"/>
-            </a:pPr>
-            <a:r>
-              <a:rPr lang="zh-CN">
-                <a:solidFill>
-                  <a:srgbClr val="F8F8F8"/>
-                </a:solidFill>
-              </a:rPr>
-              <a:t>Counties</a:t>
-            </a:r>
-            <a:endParaRPr>
-              <a:solidFill>
-                <a:srgbClr val="F8F8F8"/>
-              </a:solidFill>
-            </a:endParaRPr>
-          </a:p>
-          <a:p>
-            <a:pPr indent="-317500" lvl="0" marL="457200" rtl="0" algn="l">
-              <a:spcBef>
-                <a:spcPts val="0"/>
-              </a:spcBef>
-              <a:spcAft>
-                <a:spcPts val="0"/>
-              </a:spcAft>
-              <a:buClr>
-                <a:srgbClr val="F8F8F8"/>
-              </a:buClr>
-              <a:buSzPts val="1400"/>
-              <a:buChar char="-"/>
-            </a:pPr>
-            <a:r>
-              <a:rPr lang="zh-CN">
-                <a:solidFill>
-                  <a:srgbClr val="F8F8F8"/>
-                </a:solidFill>
-              </a:rPr>
-              <a:t>Latitude</a:t>
-            </a:r>
-            <a:endParaRPr>
-              <a:solidFill>
-                <a:srgbClr val="F8F8F8"/>
-              </a:solidFill>
-            </a:endParaRPr>
-          </a:p>
-          <a:p>
-            <a:pPr indent="-317500" lvl="0" marL="457200" rtl="0" algn="l">
-              <a:spcBef>
-                <a:spcPts val="0"/>
-              </a:spcBef>
-              <a:spcAft>
-                <a:spcPts val="0"/>
-              </a:spcAft>
-              <a:buClr>
-                <a:srgbClr val="F8F8F8"/>
-              </a:buClr>
-              <a:buSzPts val="1400"/>
-              <a:buChar char="-"/>
-            </a:pPr>
-            <a:r>
-              <a:rPr lang="zh-CN">
-                <a:solidFill>
-                  <a:srgbClr val="F8F8F8"/>
-                </a:solidFill>
-              </a:rPr>
-              <a:t>Longitude</a:t>
-            </a:r>
-            <a:endParaRPr>
-              <a:solidFill>
-                <a:srgbClr val="F8F8F8"/>
-              </a:solidFill>
-            </a:endParaRPr>
-          </a:p>
-          <a:p>
-            <a:pPr indent="-317500" lvl="0" marL="457200" rtl="0" algn="l">
-              <a:spcBef>
-                <a:spcPts val="0"/>
-              </a:spcBef>
-              <a:spcAft>
-                <a:spcPts val="0"/>
-              </a:spcAft>
-              <a:buClr>
-                <a:srgbClr val="F8F8F8"/>
-              </a:buClr>
-              <a:buSzPts val="1400"/>
-              <a:buChar char="-"/>
-            </a:pPr>
-            <a:r>
-              <a:rPr lang="zh-CN">
-                <a:solidFill>
-                  <a:srgbClr val="F8F8F8"/>
-                </a:solidFill>
-              </a:rPr>
-              <a:t>Month</a:t>
-            </a:r>
-            <a:endParaRPr>
-              <a:solidFill>
-                <a:srgbClr val="F8F8F8"/>
-              </a:solidFill>
-            </a:endParaRPr>
-          </a:p>
-          <a:p>
-            <a:pPr indent="-317500" lvl="0" marL="457200" rtl="0" algn="l">
-              <a:spcBef>
-                <a:spcPts val="0"/>
-              </a:spcBef>
-              <a:spcAft>
-                <a:spcPts val="0"/>
-              </a:spcAft>
-              <a:buClr>
-                <a:srgbClr val="F8F8F8"/>
-              </a:buClr>
-              <a:buSzPts val="1400"/>
-              <a:buChar char="-"/>
-            </a:pPr>
-            <a:r>
-              <a:rPr lang="zh-CN">
-                <a:solidFill>
-                  <a:srgbClr val="F8F8F8"/>
-                </a:solidFill>
-              </a:rPr>
-              <a:t>Year</a:t>
-            </a:r>
-            <a:endParaRPr>
-              <a:solidFill>
-                <a:srgbClr val="F8F8F8"/>
-              </a:solidFill>
-            </a:endParaRPr>
-          </a:p>
-          <a:p>
-            <a:pPr indent="-317500" lvl="0" marL="457200" rtl="0" algn="l">
-              <a:spcBef>
-                <a:spcPts val="0"/>
-              </a:spcBef>
-              <a:spcAft>
-                <a:spcPts val="0"/>
-              </a:spcAft>
-              <a:buClr>
-                <a:srgbClr val="F8F8F8"/>
-              </a:buClr>
-              <a:buSzPts val="1400"/>
-              <a:buChar char="-"/>
-            </a:pPr>
-            <a:r>
-              <a:rPr lang="zh-CN">
-                <a:solidFill>
-                  <a:srgbClr val="F8F8F8"/>
-                </a:solidFill>
-              </a:rPr>
-              <a:t>Precipitation</a:t>
-            </a:r>
-            <a:endParaRPr>
-              <a:solidFill>
-                <a:srgbClr val="F8F8F8"/>
-              </a:solidFill>
-            </a:endParaRPr>
-          </a:p>
-          <a:p>
-            <a:pPr indent="-317500" lvl="0" marL="457200" rtl="0" algn="l">
-              <a:spcBef>
-                <a:spcPts val="0"/>
-              </a:spcBef>
-              <a:spcAft>
-                <a:spcPts val="0"/>
-              </a:spcAft>
-              <a:buClr>
-                <a:srgbClr val="F8F8F8"/>
-              </a:buClr>
-              <a:buSzPts val="1400"/>
-              <a:buChar char="-"/>
-            </a:pPr>
-            <a:r>
-              <a:rPr lang="zh-CN">
-                <a:solidFill>
-                  <a:srgbClr val="F8F8F8"/>
-                </a:solidFill>
-              </a:rPr>
-              <a:t>Mean Temperature</a:t>
-            </a:r>
-            <a:endParaRPr>
-              <a:solidFill>
-                <a:srgbClr val="F8F8F8"/>
-              </a:solidFill>
-            </a:endParaRPr>
-          </a:p>
-          <a:p>
-            <a:pPr indent="-317500" lvl="0" marL="457200" rtl="0" algn="l">
-              <a:spcBef>
-                <a:spcPts val="0"/>
-              </a:spcBef>
-              <a:spcAft>
-                <a:spcPts val="0"/>
-              </a:spcAft>
-              <a:buClr>
-                <a:srgbClr val="F8F8F8"/>
-              </a:buClr>
-              <a:buSzPts val="1400"/>
-              <a:buChar char="-"/>
-            </a:pPr>
-            <a:r>
-              <a:rPr lang="zh-CN">
-                <a:solidFill>
-                  <a:srgbClr val="F8F8F8"/>
-                </a:solidFill>
-              </a:rPr>
-              <a:t>Min Temperature</a:t>
-            </a:r>
-            <a:endParaRPr>
-              <a:solidFill>
-                <a:srgbClr val="F8F8F8"/>
-              </a:solidFill>
-            </a:endParaRPr>
-          </a:p>
-          <a:p>
-            <a:pPr indent="-317500" lvl="0" marL="457200" rtl="0" algn="l">
-              <a:spcBef>
-                <a:spcPts val="0"/>
-              </a:spcBef>
-              <a:spcAft>
-                <a:spcPts val="0"/>
-              </a:spcAft>
-              <a:buClr>
-                <a:srgbClr val="F8F8F8"/>
-              </a:buClr>
-              <a:buSzPts val="1400"/>
-              <a:buChar char="-"/>
-            </a:pPr>
-            <a:r>
-              <a:rPr lang="zh-CN">
-                <a:solidFill>
-                  <a:srgbClr val="F8F8F8"/>
-                </a:solidFill>
-              </a:rPr>
-              <a:t>Max Temperature</a:t>
-            </a:r>
-            <a:endParaRPr b="1">
-              <a:solidFill>
-                <a:srgbClr val="F8F8F8"/>
-              </a:solidFill>
-            </a:endParaRPr>
-          </a:p>
-        </p:txBody>
-      </p:sp>
-      <p:sp>
-        <p:nvSpPr>
-          <p:cNvPr id="128" name="Google Shape;128;p22"/>
-          <p:cNvSpPr txBox="1"/>
-          <p:nvPr/>
-        </p:nvSpPr>
-        <p:spPr>
-          <a:xfrm>
-            <a:off x="2844138" y="2205000"/>
-            <a:ext cx="450000" cy="585000"/>
-          </a:xfrm>
-          <a:prstGeom prst="rect">
-            <a:avLst/>
-          </a:prstGeom>
-          <a:noFill/>
-          <a:ln>
-            <a:noFill/>
-          </a:ln>
-        </p:spPr>
-        <p:txBody>
-          <a:bodyPr anchorCtr="0" anchor="ctr" bIns="91425" lIns="91425" spcFirstLastPara="1" rIns="91425" wrap="square" tIns="91425">
-            <a:noAutofit/>
-          </a:bodyPr>
-          <a:lstStyle/>
-          <a:p>
-            <a:pPr indent="0" lvl="0" marL="0" rtl="0" algn="ctr">
-              <a:spcBef>
-                <a:spcPts val="0"/>
-              </a:spcBef>
-              <a:spcAft>
-                <a:spcPts val="0"/>
-              </a:spcAft>
-              <a:buNone/>
-            </a:pPr>
-            <a:r>
-              <a:rPr lang="zh-CN" sz="2600"/>
-              <a:t>+</a:t>
-            </a:r>
-            <a:endParaRPr sz="2600"/>
-          </a:p>
-        </p:txBody>
-      </p:sp>
-      <p:sp>
-        <p:nvSpPr>
-          <p:cNvPr id="129" name="Google Shape;129;p22"/>
-          <p:cNvSpPr txBox="1"/>
-          <p:nvPr/>
-        </p:nvSpPr>
-        <p:spPr>
-          <a:xfrm>
-            <a:off x="5802913" y="2205000"/>
-            <a:ext cx="450000" cy="585000"/>
-          </a:xfrm>
-          <a:prstGeom prst="rect">
-            <a:avLst/>
-          </a:prstGeom>
-          <a:noFill/>
-          <a:ln>
-            <a:noFill/>
-          </a:ln>
-        </p:spPr>
-        <p:txBody>
-          <a:bodyPr anchorCtr="0" anchor="ctr" bIns="91425" lIns="91425" spcFirstLastPara="1" rIns="91425" wrap="square" tIns="91425">
-            <a:noAutofit/>
-          </a:bodyPr>
-          <a:lstStyle/>
-          <a:p>
-            <a:pPr indent="0" lvl="0" marL="0" rtl="0" algn="ctr">
-              <a:spcBef>
-                <a:spcPts val="0"/>
-              </a:spcBef>
-              <a:spcAft>
-                <a:spcPts val="0"/>
-              </a:spcAft>
-              <a:buNone/>
-            </a:pPr>
-            <a:r>
-              <a:rPr lang="zh-CN" sz="2600"/>
-              <a:t>=</a:t>
-            </a:r>
-            <a:endParaRPr sz="2600"/>
           </a:p>
         </p:txBody>
       </p:sp>
@@ -8210,161 +7406,6 @@
         </p:nvSpPr>
         <p:spPr>
           <a:xfrm>
-            <a:off x="833725" y="3784750"/>
-            <a:ext cx="4657500" cy="585000"/>
-          </a:xfrm>
-          <a:prstGeom prst="rect">
-            <a:avLst/>
-          </a:prstGeom>
-        </p:spPr>
-        <p:txBody>
-          <a:bodyPr anchorCtr="0" anchor="ctr" bIns="91425" lIns="91425" spcFirstLastPara="1" rIns="91425" wrap="square" tIns="91425">
-            <a:noAutofit/>
-          </a:bodyPr>
-          <a:lstStyle/>
-          <a:p>
-            <a:pPr indent="0" lvl="0" marL="0" rtl="0" algn="ctr">
-              <a:spcBef>
-                <a:spcPts val="0"/>
-              </a:spcBef>
-              <a:spcAft>
-                <a:spcPts val="1200"/>
-              </a:spcAft>
-              <a:buNone/>
-            </a:pPr>
-            <a:r>
-              <a:rPr b="1" lang="zh-CN" sz="2100">
-                <a:solidFill>
-                  <a:srgbClr val="A61C00"/>
-                </a:solidFill>
-              </a:rPr>
-              <a:t>Issue ⇒ No primary or foreign keys</a:t>
-            </a:r>
-            <a:endParaRPr b="1" sz="2100">
-              <a:solidFill>
-                <a:srgbClr val="A61C00"/>
-              </a:solidFill>
-            </a:endParaRPr>
-          </a:p>
-        </p:txBody>
-      </p:sp>
-    </p:spTree>
-  </p:cSld>
-  <p:clrMapOvr>
-    <a:masterClrMapping/>
-  </p:clrMapOvr>
-</p:sld>
-</file>
-
-<file path=ppt/slides/slide11.xml><?xml version="1.0" encoding="utf-8"?>
-<p:sld xmlns:a="http://schemas.openxmlformats.org/drawingml/2006/main" xmlns:r="http://schemas.openxmlformats.org/officeDocument/2006/relationships" xmlns:mc="http://schemas.openxmlformats.org/markup-compatibility/2006" xmlns:mv="urn:schemas-microsoft-com:mac:vml" xmlns:p="http://schemas.openxmlformats.org/presentationml/2006/main" xmlns:c="http://schemas.openxmlformats.org/drawingml/2006/chart" xmlns:dgm="http://schemas.openxmlformats.org/drawingml/2006/diagram" xmlns:o="urn:schemas-microsoft-com:office:office" xmlns:v="urn:schemas-microsoft-com:vml" xmlns:pvml="urn:schemas-microsoft-com:office:powerpoint" xmlns:com="http://schemas.openxmlformats.org/drawingml/2006/compatibility" xmlns:p14="http://schemas.microsoft.com/office/powerpoint/2010/main" xmlns:p15="http://schemas.microsoft.com/office/powerpoint/2012/main" xmlns:ahyp="http://schemas.microsoft.com/office/drawing/2018/hyperlinkcolor">
-  <p:cSld>
-    <p:spTree>
-      <p:nvGrpSpPr>
-        <p:cNvPr id="134" name="Shape 134"/>
-        <p:cNvGrpSpPr/>
-        <p:nvPr/>
-      </p:nvGrpSpPr>
-      <p:grpSpPr>
-        <a:xfrm>
-          <a:off x="0" y="0"/>
-          <a:ext cx="0" cy="0"/>
-          <a:chOff x="0" y="0"/>
-          <a:chExt cx="0" cy="0"/>
-        </a:xfrm>
-      </p:grpSpPr>
-      <p:pic>
-        <p:nvPicPr>
-          <p:cNvPr id="135" name="Google Shape;135;p23"/>
-          <p:cNvPicPr preferRelativeResize="0"/>
-          <p:nvPr/>
-        </p:nvPicPr>
-        <p:blipFill rotWithShape="1">
-          <a:blip r:embed="rId3">
-            <a:alphaModFix/>
-          </a:blip>
-          <a:srcRect b="80000" l="0" r="0" t="0"/>
-          <a:stretch/>
-        </p:blipFill>
-        <p:spPr>
-          <a:xfrm>
-            <a:off x="0" y="1"/>
-            <a:ext cx="9147551" cy="1028699"/>
-          </a:xfrm>
-          <a:prstGeom prst="rect">
-            <a:avLst/>
-          </a:prstGeom>
-          <a:noFill/>
-          <a:ln>
-            <a:noFill/>
-          </a:ln>
-        </p:spPr>
-      </p:pic>
-      <p:sp>
-        <p:nvSpPr>
-          <p:cNvPr id="136" name="Google Shape;136;p23"/>
-          <p:cNvSpPr txBox="1"/>
-          <p:nvPr/>
-        </p:nvSpPr>
-        <p:spPr>
-          <a:xfrm>
-            <a:off x="369625" y="206550"/>
-            <a:ext cx="6869100" cy="615600"/>
-          </a:xfrm>
-          <a:prstGeom prst="rect">
-            <a:avLst/>
-          </a:prstGeom>
-          <a:noFill/>
-          <a:ln>
-            <a:noFill/>
-          </a:ln>
-        </p:spPr>
-        <p:txBody>
-          <a:bodyPr anchorCtr="0" anchor="t" bIns="91425" lIns="91425" spcFirstLastPara="1" rIns="91425" wrap="square" tIns="91425">
-            <a:spAutoFit/>
-          </a:bodyPr>
-          <a:lstStyle/>
-          <a:p>
-            <a:pPr indent="0" lvl="0" marL="0" rtl="0" algn="l">
-              <a:spcBef>
-                <a:spcPts val="0"/>
-              </a:spcBef>
-              <a:spcAft>
-                <a:spcPts val="0"/>
-              </a:spcAft>
-              <a:buClr>
-                <a:schemeClr val="dk1"/>
-              </a:buClr>
-              <a:buSzPts val="1100"/>
-              <a:buFont typeface="Arial"/>
-              <a:buNone/>
-            </a:pPr>
-            <a:r>
-              <a:rPr b="1" lang="zh-CN" sz="2800">
-                <a:solidFill>
-                  <a:srgbClr val="F8F8F8"/>
-                </a:solidFill>
-              </a:rPr>
-              <a:t>Entity Relationship Diagram</a:t>
-            </a:r>
-            <a:endParaRPr b="1">
-              <a:solidFill>
-                <a:srgbClr val="F8F8F8"/>
-              </a:solidFill>
-            </a:endParaRPr>
-          </a:p>
-        </p:txBody>
-      </p:sp>
-      <p:sp>
-        <p:nvSpPr>
-          <p:cNvPr id="137" name="Google Shape;137;p23"/>
-          <p:cNvSpPr txBox="1"/>
-          <p:nvPr>
-            <p:ph idx="4294967295" type="subTitle"/>
-          </p:nvPr>
-        </p:nvSpPr>
-        <p:spPr>
-          <a:xfrm>
             <a:off x="369625" y="1179975"/>
             <a:ext cx="8754600" cy="1260600"/>
           </a:xfrm>
@@ -8459,7 +7500,7 @@
       </p:sp>
       <p:grpSp>
         <p:nvGrpSpPr>
-          <p:cNvPr id="138" name="Google Shape;138;p23"/>
+          <p:cNvPr id="131" name="Google Shape;131;p22"/>
           <p:cNvGrpSpPr/>
           <p:nvPr/>
         </p:nvGrpSpPr>
@@ -8473,7 +7514,7 @@
         </p:grpSpPr>
         <p:pic>
           <p:nvPicPr>
-            <p:cNvPr id="139" name="Google Shape;139;p23"/>
+            <p:cNvPr id="132" name="Google Shape;132;p22"/>
             <p:cNvPicPr preferRelativeResize="0"/>
             <p:nvPr/>
           </p:nvPicPr>
@@ -8500,7 +7541,7 @@
         </p:pic>
         <p:sp>
           <p:nvSpPr>
-            <p:cNvPr id="140" name="Google Shape;140;p23"/>
+            <p:cNvPr id="133" name="Google Shape;133;p22"/>
             <p:cNvSpPr txBox="1"/>
             <p:nvPr/>
           </p:nvSpPr>
@@ -8550,7 +7591,7 @@
         </p:sp>
         <p:sp>
           <p:nvSpPr>
-            <p:cNvPr id="141" name="Google Shape;141;p23"/>
+            <p:cNvPr id="134" name="Google Shape;134;p22"/>
             <p:cNvSpPr txBox="1"/>
             <p:nvPr/>
           </p:nvSpPr>
@@ -8607,12 +7648,12 @@
 </p:sld>
 </file>
 
-<file path=ppt/slides/slide12.xml><?xml version="1.0" encoding="utf-8"?>
+<file path=ppt/slides/slide11.xml><?xml version="1.0" encoding="utf-8"?>
 <p:sld xmlns:a="http://schemas.openxmlformats.org/drawingml/2006/main" xmlns:r="http://schemas.openxmlformats.org/officeDocument/2006/relationships" xmlns:mc="http://schemas.openxmlformats.org/markup-compatibility/2006" xmlns:mv="urn:schemas-microsoft-com:mac:vml" xmlns:p="http://schemas.openxmlformats.org/presentationml/2006/main" xmlns:c="http://schemas.openxmlformats.org/drawingml/2006/chart" xmlns:dgm="http://schemas.openxmlformats.org/drawingml/2006/diagram" xmlns:o="urn:schemas-microsoft-com:office:office" xmlns:v="urn:schemas-microsoft-com:vml" xmlns:pvml="urn:schemas-microsoft-com:office:powerpoint" xmlns:com="http://schemas.openxmlformats.org/drawingml/2006/compatibility" xmlns:p14="http://schemas.microsoft.com/office/powerpoint/2010/main" xmlns:p15="http://schemas.microsoft.com/office/powerpoint/2012/main" xmlns:ahyp="http://schemas.microsoft.com/office/drawing/2018/hyperlinkcolor">
   <p:cSld>
     <p:spTree>
       <p:nvGrpSpPr>
-        <p:cNvPr id="145" name="Shape 145"/>
+        <p:cNvPr id="138" name="Shape 138"/>
         <p:cNvGrpSpPr/>
         <p:nvPr/>
       </p:nvGrpSpPr>
@@ -8626,7 +7667,7 @@
       </p:grpSpPr>
       <p:pic>
         <p:nvPicPr>
-          <p:cNvPr id="146" name="Google Shape;146;p24"/>
+          <p:cNvPr id="139" name="Google Shape;139;p23"/>
           <p:cNvPicPr preferRelativeResize="0"/>
           <p:nvPr/>
         </p:nvPicPr>
@@ -8653,7 +7694,7 @@
       </p:pic>
       <p:sp>
         <p:nvSpPr>
-          <p:cNvPr id="147" name="Google Shape;147;p24"/>
+          <p:cNvPr id="140" name="Google Shape;140;p23"/>
           <p:cNvSpPr txBox="1"/>
           <p:nvPr/>
         </p:nvSpPr>
@@ -8708,7 +7749,7 @@
       </p:sp>
       <p:pic>
         <p:nvPicPr>
-          <p:cNvPr id="148" name="Google Shape;148;p24"/>
+          <p:cNvPr id="141" name="Google Shape;141;p23"/>
           <p:cNvPicPr preferRelativeResize="0"/>
           <p:nvPr/>
         </p:nvPicPr>
@@ -8736,7 +7777,7 @@
       </p:pic>
       <p:sp>
         <p:nvSpPr>
-          <p:cNvPr id="149" name="Google Shape;149;p24"/>
+          <p:cNvPr id="142" name="Google Shape;142;p23"/>
           <p:cNvSpPr/>
           <p:nvPr/>
         </p:nvSpPr>
@@ -8788,7 +7829,7 @@
       </p:sp>
       <p:sp>
         <p:nvSpPr>
-          <p:cNvPr id="150" name="Google Shape;150;p24"/>
+          <p:cNvPr id="143" name="Google Shape;143;p23"/>
           <p:cNvSpPr/>
           <p:nvPr/>
         </p:nvSpPr>
@@ -8840,7 +7881,7 @@
       </p:sp>
       <p:sp>
         <p:nvSpPr>
-          <p:cNvPr id="151" name="Google Shape;151;p24"/>
+          <p:cNvPr id="144" name="Google Shape;144;p23"/>
           <p:cNvSpPr/>
           <p:nvPr/>
         </p:nvSpPr>
@@ -8893,7 +7934,7 @@
       </p:sp>
       <p:sp>
         <p:nvSpPr>
-          <p:cNvPr id="152" name="Google Shape;152;p24"/>
+          <p:cNvPr id="145" name="Google Shape;145;p23"/>
           <p:cNvSpPr txBox="1"/>
           <p:nvPr/>
         </p:nvSpPr>
@@ -8938,6 +7979,144 @@
                 <a:srgbClr val="3C78D8"/>
               </a:solidFill>
             </a:endParaRPr>
+          </a:p>
+        </p:txBody>
+      </p:sp>
+    </p:spTree>
+  </p:cSld>
+  <p:clrMapOvr>
+    <a:masterClrMapping/>
+  </p:clrMapOvr>
+</p:sld>
+</file>
+
+<file path=ppt/slides/slide12.xml><?xml version="1.0" encoding="utf-8"?>
+<p:sld xmlns:a="http://schemas.openxmlformats.org/drawingml/2006/main" xmlns:r="http://schemas.openxmlformats.org/officeDocument/2006/relationships" xmlns:mc="http://schemas.openxmlformats.org/markup-compatibility/2006" xmlns:mv="urn:schemas-microsoft-com:mac:vml" xmlns:p="http://schemas.openxmlformats.org/presentationml/2006/main" xmlns:c="http://schemas.openxmlformats.org/drawingml/2006/chart" xmlns:dgm="http://schemas.openxmlformats.org/drawingml/2006/diagram" xmlns:o="urn:schemas-microsoft-com:office:office" xmlns:v="urn:schemas-microsoft-com:vml" xmlns:pvml="urn:schemas-microsoft-com:office:powerpoint" xmlns:com="http://schemas.openxmlformats.org/drawingml/2006/compatibility" xmlns:p14="http://schemas.microsoft.com/office/powerpoint/2010/main" xmlns:p15="http://schemas.microsoft.com/office/powerpoint/2012/main" xmlns:ahyp="http://schemas.microsoft.com/office/drawing/2018/hyperlinkcolor">
+  <p:cSld>
+    <p:bg>
+      <p:bgPr>
+        <a:solidFill>
+          <a:srgbClr val="F6B26B"/>
+        </a:solidFill>
+      </p:bgPr>
+    </p:bg>
+    <p:spTree>
+      <p:nvGrpSpPr>
+        <p:cNvPr id="149" name="Shape 149"/>
+        <p:cNvGrpSpPr/>
+        <p:nvPr/>
+      </p:nvGrpSpPr>
+      <p:grpSpPr>
+        <a:xfrm>
+          <a:off x="0" y="0"/>
+          <a:ext cx="0" cy="0"/>
+          <a:chOff x="0" y="0"/>
+          <a:chExt cx="0" cy="0"/>
+        </a:xfrm>
+      </p:grpSpPr>
+      <p:sp>
+        <p:nvSpPr>
+          <p:cNvPr id="150" name="Google Shape;150;p24"/>
+          <p:cNvSpPr txBox="1"/>
+          <p:nvPr/>
+        </p:nvSpPr>
+        <p:spPr>
+          <a:xfrm>
+            <a:off x="66200" y="-21475"/>
+            <a:ext cx="7369200" cy="615600"/>
+          </a:xfrm>
+          <a:prstGeom prst="rect">
+            <a:avLst/>
+          </a:prstGeom>
+          <a:noFill/>
+          <a:ln>
+            <a:noFill/>
+          </a:ln>
+        </p:spPr>
+        <p:txBody>
+          <a:bodyPr anchorCtr="0" anchor="t" bIns="91425" lIns="91425" spcFirstLastPara="1" rIns="91425" wrap="square" tIns="91425">
+            <a:spAutoFit/>
+          </a:bodyPr>
+          <a:lstStyle/>
+          <a:p>
+            <a:pPr indent="0" lvl="0" marL="0" rtl="0" algn="l">
+              <a:spcBef>
+                <a:spcPts val="0"/>
+              </a:spcBef>
+              <a:spcAft>
+                <a:spcPts val="0"/>
+              </a:spcAft>
+              <a:buClr>
+                <a:schemeClr val="dk1"/>
+              </a:buClr>
+              <a:buSzPts val="1100"/>
+              <a:buFont typeface="Arial"/>
+              <a:buNone/>
+            </a:pPr>
+            <a:r>
+              <a:t/>
+            </a:r>
+            <a:endParaRPr sz="2800">
+              <a:solidFill>
+                <a:schemeClr val="lt2"/>
+              </a:solidFill>
+            </a:endParaRPr>
+          </a:p>
+        </p:txBody>
+      </p:sp>
+      <p:sp>
+        <p:nvSpPr>
+          <p:cNvPr id="151" name="Google Shape;151;p24"/>
+          <p:cNvSpPr txBox="1"/>
+          <p:nvPr>
+            <p:ph type="ctrTitle"/>
+          </p:nvPr>
+        </p:nvSpPr>
+        <p:spPr>
+          <a:xfrm>
+            <a:off x="358300" y="2026200"/>
+            <a:ext cx="8785800" cy="1091100"/>
+          </a:xfrm>
+          <a:prstGeom prst="rect">
+            <a:avLst/>
+          </a:prstGeom>
+        </p:spPr>
+        <p:txBody>
+          <a:bodyPr anchorCtr="0" anchor="ctr" bIns="91425" lIns="91425" spcFirstLastPara="1" rIns="91425" wrap="square" tIns="91425">
+            <a:noAutofit/>
+          </a:bodyPr>
+          <a:lstStyle/>
+          <a:p>
+            <a:pPr indent="0" lvl="0" marL="0" rtl="0" algn="l">
+              <a:spcBef>
+                <a:spcPts val="0"/>
+              </a:spcBef>
+              <a:spcAft>
+                <a:spcPts val="0"/>
+              </a:spcAft>
+              <a:buNone/>
+            </a:pPr>
+            <a:r>
+              <a:rPr b="1" lang="zh-CN" sz="4800"/>
+              <a:t>Analysis &amp;</a:t>
+            </a:r>
+            <a:endParaRPr b="1" sz="4800"/>
+          </a:p>
+          <a:p>
+            <a:pPr indent="0" lvl="0" marL="0" rtl="0" algn="l">
+              <a:spcBef>
+                <a:spcPts val="0"/>
+              </a:spcBef>
+              <a:spcAft>
+                <a:spcPts val="0"/>
+              </a:spcAft>
+              <a:buNone/>
+            </a:pPr>
+            <a:r>
+              <a:rPr b="1" lang="zh-CN" sz="4800"/>
+              <a:t>ML Algorithms</a:t>
+            </a:r>
+            <a:endParaRPr b="1" sz="4800"/>
           </a:p>
         </p:txBody>
       </p:sp>
@@ -8952,16 +8131,334 @@
 <file path=ppt/slides/slide13.xml><?xml version="1.0" encoding="utf-8"?>
 <p:sld xmlns:a="http://schemas.openxmlformats.org/drawingml/2006/main" xmlns:r="http://schemas.openxmlformats.org/officeDocument/2006/relationships" xmlns:mc="http://schemas.openxmlformats.org/markup-compatibility/2006" xmlns:mv="urn:schemas-microsoft-com:mac:vml" xmlns:p="http://schemas.openxmlformats.org/presentationml/2006/main" xmlns:c="http://schemas.openxmlformats.org/drawingml/2006/chart" xmlns:dgm="http://schemas.openxmlformats.org/drawingml/2006/diagram" xmlns:o="urn:schemas-microsoft-com:office:office" xmlns:v="urn:schemas-microsoft-com:vml" xmlns:pvml="urn:schemas-microsoft-com:office:powerpoint" xmlns:com="http://schemas.openxmlformats.org/drawingml/2006/compatibility" xmlns:p14="http://schemas.microsoft.com/office/powerpoint/2010/main" xmlns:p15="http://schemas.microsoft.com/office/powerpoint/2012/main" xmlns:ahyp="http://schemas.microsoft.com/office/drawing/2018/hyperlinkcolor">
   <p:cSld>
-    <p:bg>
-      <p:bgPr>
-        <a:solidFill>
-          <a:srgbClr val="F6B26B"/>
-        </a:solidFill>
-      </p:bgPr>
-    </p:bg>
     <p:spTree>
       <p:nvGrpSpPr>
-        <p:cNvPr id="156" name="Shape 156"/>
+        <p:cNvPr id="155" name="Shape 155"/>
+        <p:cNvGrpSpPr/>
+        <p:nvPr/>
+      </p:nvGrpSpPr>
+      <p:grpSpPr>
+        <a:xfrm>
+          <a:off x="0" y="0"/>
+          <a:ext cx="0" cy="0"/>
+          <a:chOff x="0" y="0"/>
+          <a:chExt cx="0" cy="0"/>
+        </a:xfrm>
+      </p:grpSpPr>
+      <p:pic>
+        <p:nvPicPr>
+          <p:cNvPr id="156" name="Google Shape;156;p25"/>
+          <p:cNvPicPr preferRelativeResize="0"/>
+          <p:nvPr/>
+        </p:nvPicPr>
+        <p:blipFill rotWithShape="1">
+          <a:blip r:embed="rId3">
+            <a:alphaModFix/>
+          </a:blip>
+          <a:srcRect b="80000" l="0" r="0" t="0"/>
+          <a:stretch/>
+        </p:blipFill>
+        <p:spPr>
+          <a:xfrm>
+            <a:off x="0" y="1"/>
+            <a:ext cx="9147551" cy="1028699"/>
+          </a:xfrm>
+          <a:prstGeom prst="rect">
+            <a:avLst/>
+          </a:prstGeom>
+          <a:noFill/>
+          <a:ln>
+            <a:noFill/>
+          </a:ln>
+        </p:spPr>
+      </p:pic>
+      <p:sp>
+        <p:nvSpPr>
+          <p:cNvPr id="157" name="Google Shape;157;p25"/>
+          <p:cNvSpPr txBox="1"/>
+          <p:nvPr>
+            <p:ph idx="1" type="subTitle"/>
+          </p:nvPr>
+        </p:nvSpPr>
+        <p:spPr>
+          <a:xfrm>
+            <a:off x="196975" y="1255625"/>
+            <a:ext cx="8585700" cy="3426000"/>
+          </a:xfrm>
+          <a:prstGeom prst="rect">
+            <a:avLst/>
+          </a:prstGeom>
+        </p:spPr>
+        <p:txBody>
+          <a:bodyPr anchorCtr="0" anchor="t" bIns="91425" lIns="91425" spcFirstLastPara="1" rIns="91425" wrap="square" tIns="91425">
+            <a:noAutofit/>
+          </a:bodyPr>
+          <a:lstStyle/>
+          <a:p>
+            <a:pPr indent="0" lvl="0" marL="0" rtl="0" algn="l">
+              <a:spcBef>
+                <a:spcPts val="0"/>
+              </a:spcBef>
+              <a:spcAft>
+                <a:spcPts val="0"/>
+              </a:spcAft>
+              <a:buNone/>
+            </a:pPr>
+            <a:r>
+              <a:rPr lang="zh-CN" sz="2100"/>
+              <a:t>In order to determine the location of the next wildfire, we used our dataset to train a Dense Neural Network. </a:t>
+            </a:r>
+            <a:endParaRPr sz="2100"/>
+          </a:p>
+          <a:p>
+            <a:pPr indent="0" lvl="0" marL="0" rtl="0" algn="l">
+              <a:spcBef>
+                <a:spcPts val="0"/>
+              </a:spcBef>
+              <a:spcAft>
+                <a:spcPts val="0"/>
+              </a:spcAft>
+              <a:buNone/>
+            </a:pPr>
+            <a:r>
+              <a:t/>
+            </a:r>
+            <a:endParaRPr sz="2100"/>
+          </a:p>
+          <a:p>
+            <a:pPr indent="0" lvl="0" marL="0" rtl="0" algn="l">
+              <a:spcBef>
+                <a:spcPts val="0"/>
+              </a:spcBef>
+              <a:spcAft>
+                <a:spcPts val="0"/>
+              </a:spcAft>
+              <a:buNone/>
+            </a:pPr>
+            <a:r>
+              <a:rPr b="1" lang="zh-CN" sz="2100"/>
+              <a:t>Features</a:t>
+            </a:r>
+            <a:r>
+              <a:rPr lang="zh-CN" sz="2100"/>
+              <a:t>:</a:t>
+            </a:r>
+            <a:endParaRPr sz="2100"/>
+          </a:p>
+          <a:p>
+            <a:pPr indent="0" lvl="0" marL="0" rtl="0" algn="l">
+              <a:spcBef>
+                <a:spcPts val="0"/>
+              </a:spcBef>
+              <a:spcAft>
+                <a:spcPts val="0"/>
+              </a:spcAft>
+              <a:buNone/>
+            </a:pPr>
+            <a:r>
+              <a:t/>
+            </a:r>
+            <a:endParaRPr sz="2100"/>
+          </a:p>
+          <a:p>
+            <a:pPr indent="0" lvl="0" marL="0" rtl="0" algn="l">
+              <a:spcBef>
+                <a:spcPts val="0"/>
+              </a:spcBef>
+              <a:spcAft>
+                <a:spcPts val="0"/>
+              </a:spcAft>
+              <a:buNone/>
+            </a:pPr>
+            <a:r>
+              <a:t/>
+            </a:r>
+            <a:endParaRPr sz="2100"/>
+          </a:p>
+          <a:p>
+            <a:pPr indent="0" lvl="0" marL="0" rtl="0" algn="l">
+              <a:spcBef>
+                <a:spcPts val="0"/>
+              </a:spcBef>
+              <a:spcAft>
+                <a:spcPts val="0"/>
+              </a:spcAft>
+              <a:buNone/>
+            </a:pPr>
+            <a:r>
+              <a:t/>
+            </a:r>
+            <a:endParaRPr sz="2100"/>
+          </a:p>
+          <a:p>
+            <a:pPr indent="0" lvl="0" marL="0" rtl="0" algn="l">
+              <a:spcBef>
+                <a:spcPts val="0"/>
+              </a:spcBef>
+              <a:spcAft>
+                <a:spcPts val="0"/>
+              </a:spcAft>
+              <a:buNone/>
+            </a:pPr>
+            <a:r>
+              <a:rPr b="1" lang="zh-CN" sz="2100"/>
+              <a:t>Labels</a:t>
+            </a:r>
+            <a:r>
+              <a:rPr lang="zh-CN" sz="2100"/>
+              <a:t>: County names (</a:t>
+            </a:r>
+            <a:r>
+              <a:rPr i="1" lang="zh-CN" sz="2100"/>
+              <a:t>converted to dummies</a:t>
+            </a:r>
+            <a:r>
+              <a:rPr lang="zh-CN" sz="2100"/>
+              <a:t>)</a:t>
+            </a:r>
+            <a:endParaRPr sz="2100"/>
+          </a:p>
+          <a:p>
+            <a:pPr indent="0" lvl="0" marL="0" rtl="0" algn="l">
+              <a:spcBef>
+                <a:spcPts val="0"/>
+              </a:spcBef>
+              <a:spcAft>
+                <a:spcPts val="0"/>
+              </a:spcAft>
+              <a:buNone/>
+            </a:pPr>
+            <a:r>
+              <a:t/>
+            </a:r>
+            <a:endParaRPr/>
+          </a:p>
+        </p:txBody>
+      </p:sp>
+      <p:pic>
+        <p:nvPicPr>
+          <p:cNvPr id="158" name="Google Shape;158;p25"/>
+          <p:cNvPicPr preferRelativeResize="0"/>
+          <p:nvPr/>
+        </p:nvPicPr>
+        <p:blipFill>
+          <a:blip r:embed="rId4">
+            <a:alphaModFix/>
+          </a:blip>
+          <a:stretch>
+            <a:fillRect/>
+          </a:stretch>
+        </p:blipFill>
+        <p:spPr>
+          <a:xfrm>
+            <a:off x="1566871" y="2186000"/>
+            <a:ext cx="4954950" cy="1314450"/>
+          </a:xfrm>
+          <a:prstGeom prst="rect">
+            <a:avLst/>
+          </a:prstGeom>
+          <a:noFill/>
+          <a:ln>
+            <a:noFill/>
+          </a:ln>
+        </p:spPr>
+      </p:pic>
+      <p:sp>
+        <p:nvSpPr>
+          <p:cNvPr id="159" name="Google Shape;159;p25"/>
+          <p:cNvSpPr txBox="1"/>
+          <p:nvPr/>
+        </p:nvSpPr>
+        <p:spPr>
+          <a:xfrm>
+            <a:off x="369625" y="206550"/>
+            <a:ext cx="6869100" cy="615600"/>
+          </a:xfrm>
+          <a:prstGeom prst="rect">
+            <a:avLst/>
+          </a:prstGeom>
+          <a:noFill/>
+          <a:ln>
+            <a:noFill/>
+          </a:ln>
+        </p:spPr>
+        <p:txBody>
+          <a:bodyPr anchorCtr="0" anchor="t" bIns="91425" lIns="91425" spcFirstLastPara="1" rIns="91425" wrap="square" tIns="91425">
+            <a:spAutoFit/>
+          </a:bodyPr>
+          <a:lstStyle/>
+          <a:p>
+            <a:pPr indent="0" lvl="0" marL="0" rtl="0" algn="l">
+              <a:spcBef>
+                <a:spcPts val="0"/>
+              </a:spcBef>
+              <a:spcAft>
+                <a:spcPts val="0"/>
+              </a:spcAft>
+              <a:buClr>
+                <a:schemeClr val="dk1"/>
+              </a:buClr>
+              <a:buSzPts val="1100"/>
+              <a:buFont typeface="Arial"/>
+              <a:buNone/>
+            </a:pPr>
+            <a:r>
+              <a:rPr b="1" lang="zh-CN" sz="2800">
+                <a:solidFill>
+                  <a:srgbClr val="F8F8F8"/>
+                </a:solidFill>
+              </a:rPr>
+              <a:t>Analysis Phase</a:t>
+            </a:r>
+            <a:endParaRPr b="1">
+              <a:solidFill>
+                <a:srgbClr val="F8F8F8"/>
+              </a:solidFill>
+            </a:endParaRPr>
+          </a:p>
+        </p:txBody>
+      </p:sp>
+      <p:pic>
+        <p:nvPicPr>
+          <p:cNvPr id="160" name="Google Shape;160;p25"/>
+          <p:cNvPicPr preferRelativeResize="0"/>
+          <p:nvPr/>
+        </p:nvPicPr>
+        <p:blipFill rotWithShape="1">
+          <a:blip r:embed="rId5">
+            <a:alphaModFix/>
+          </a:blip>
+          <a:srcRect b="0" l="0" r="3100" t="0"/>
+          <a:stretch/>
+        </p:blipFill>
+        <p:spPr>
+          <a:xfrm>
+            <a:off x="1566875" y="4002800"/>
+            <a:ext cx="6743126" cy="831575"/>
+          </a:xfrm>
+          <a:prstGeom prst="rect">
+            <a:avLst/>
+          </a:prstGeom>
+          <a:noFill/>
+          <a:ln>
+            <a:noFill/>
+          </a:ln>
+        </p:spPr>
+      </p:pic>
+    </p:spTree>
+  </p:cSld>
+  <p:clrMapOvr>
+    <a:masterClrMapping/>
+  </p:clrMapOvr>
+</p:sld>
+</file>
+
+<file path=ppt/slides/slide14.xml><?xml version="1.0" encoding="utf-8"?>
+<p:sld xmlns:a="http://schemas.openxmlformats.org/drawingml/2006/main" xmlns:r="http://schemas.openxmlformats.org/officeDocument/2006/relationships" xmlns:mc="http://schemas.openxmlformats.org/markup-compatibility/2006" xmlns:mv="urn:schemas-microsoft-com:mac:vml" xmlns:p="http://schemas.openxmlformats.org/presentationml/2006/main" xmlns:c="http://schemas.openxmlformats.org/drawingml/2006/chart" xmlns:dgm="http://schemas.openxmlformats.org/drawingml/2006/diagram" xmlns:o="urn:schemas-microsoft-com:office:office" xmlns:v="urn:schemas-microsoft-com:vml" xmlns:pvml="urn:schemas-microsoft-com:office:powerpoint" xmlns:com="http://schemas.openxmlformats.org/drawingml/2006/compatibility" xmlns:p14="http://schemas.microsoft.com/office/powerpoint/2010/main" xmlns:p15="http://schemas.microsoft.com/office/powerpoint/2012/main" xmlns:ahyp="http://schemas.microsoft.com/office/drawing/2018/hyperlinkcolor">
+  <p:cSld>
+    <p:spTree>
+      <p:nvGrpSpPr>
+        <p:cNvPr id="164" name="Shape 164"/>
         <p:cNvGrpSpPr/>
         <p:nvPr/>
       </p:nvGrpSpPr>
@@ -8975,14 +8472,82 @@
       </p:grpSpPr>
       <p:sp>
         <p:nvSpPr>
-          <p:cNvPr id="157" name="Google Shape;157;p25"/>
+          <p:cNvPr id="165" name="Google Shape;165;p26"/>
           <p:cNvSpPr txBox="1"/>
+          <p:nvPr>
+            <p:ph type="ctrTitle"/>
+          </p:nvPr>
+        </p:nvSpPr>
+        <p:spPr>
+          <a:xfrm>
+            <a:off x="5863700" y="376503"/>
+            <a:ext cx="3036300" cy="1334400"/>
+          </a:xfrm>
+          <a:prstGeom prst="rect">
+            <a:avLst/>
+          </a:prstGeom>
+        </p:spPr>
+        <p:txBody>
+          <a:bodyPr anchorCtr="0" anchor="b" bIns="91425" lIns="91425" spcFirstLastPara="1" rIns="91425" wrap="square" tIns="91425">
+            <a:normAutofit/>
+          </a:bodyPr>
+          <a:lstStyle/>
+          <a:p>
+            <a:pPr indent="0" lvl="0" marL="0" rtl="0" algn="l">
+              <a:spcBef>
+                <a:spcPts val="0"/>
+              </a:spcBef>
+              <a:spcAft>
+                <a:spcPts val="0"/>
+              </a:spcAft>
+              <a:buNone/>
+            </a:pPr>
+            <a:r>
+              <a:rPr lang="zh-CN" sz="2100"/>
+              <a:t>Our model was able to predict </a:t>
+            </a:r>
+            <a:r>
+              <a:rPr i="1" lang="zh-CN" sz="2100"/>
+              <a:t>location </a:t>
+            </a:r>
+            <a:r>
+              <a:rPr lang="zh-CN" sz="2100"/>
+              <a:t>of fires with </a:t>
+            </a:r>
+            <a:r>
+              <a:rPr b="1" lang="zh-CN" sz="2100">
+                <a:solidFill>
+                  <a:srgbClr val="38761D"/>
+                </a:solidFill>
+              </a:rPr>
+              <a:t>88% accuracy</a:t>
+            </a:r>
+            <a:r>
+              <a:rPr lang="zh-CN" sz="2100"/>
+              <a:t>.</a:t>
+            </a:r>
+            <a:endParaRPr sz="2100"/>
+          </a:p>
+        </p:txBody>
+      </p:sp>
+      <p:pic>
+        <p:nvPicPr>
+          <p:cNvPr id="166" name="Google Shape;166;p26"/>
+          <p:cNvPicPr preferRelativeResize="0"/>
           <p:nvPr/>
-        </p:nvSpPr>
-        <p:spPr>
-          <a:xfrm>
-            <a:off x="66200" y="-21475"/>
-            <a:ext cx="7369200" cy="615600"/>
+        </p:nvPicPr>
+        <p:blipFill>
+          <a:blip r:embed="rId3">
+            <a:alphaModFix/>
+          </a:blip>
+          <a:stretch>
+            <a:fillRect/>
+          </a:stretch>
+        </p:blipFill>
+        <p:spPr>
+          <a:xfrm>
+            <a:off x="772550" y="233800"/>
+            <a:ext cx="4941300" cy="2112050"/>
           </a:xfrm>
           <a:prstGeom prst="rect">
             <a:avLst/>
@@ -8992,6 +8557,82 @@
             <a:noFill/>
           </a:ln>
         </p:spPr>
+      </p:pic>
+      <p:pic>
+        <p:nvPicPr>
+          <p:cNvPr id="167" name="Google Shape;167;p26"/>
+          <p:cNvPicPr preferRelativeResize="0"/>
+          <p:nvPr/>
+        </p:nvPicPr>
+        <p:blipFill>
+          <a:blip r:embed="rId4">
+            <a:alphaModFix/>
+          </a:blip>
+          <a:stretch>
+            <a:fillRect/>
+          </a:stretch>
+        </p:blipFill>
+        <p:spPr>
+          <a:xfrm>
+            <a:off x="4762983" y="2445800"/>
+            <a:ext cx="3869268" cy="2626275"/>
+          </a:xfrm>
+          <a:prstGeom prst="rect">
+            <a:avLst/>
+          </a:prstGeom>
+          <a:noFill/>
+          <a:ln>
+            <a:noFill/>
+          </a:ln>
+        </p:spPr>
+      </p:pic>
+      <p:pic>
+        <p:nvPicPr>
+          <p:cNvPr id="168" name="Google Shape;168;p26"/>
+          <p:cNvPicPr preferRelativeResize="0"/>
+          <p:nvPr/>
+        </p:nvPicPr>
+        <p:blipFill>
+          <a:blip r:embed="rId5">
+            <a:alphaModFix/>
+          </a:blip>
+          <a:stretch>
+            <a:fillRect/>
+          </a:stretch>
+        </p:blipFill>
+        <p:spPr>
+          <a:xfrm>
+            <a:off x="1120925" y="2445800"/>
+            <a:ext cx="2656350" cy="2626275"/>
+          </a:xfrm>
+          <a:prstGeom prst="rect">
+            <a:avLst/>
+          </a:prstGeom>
+          <a:noFill/>
+          <a:ln>
+            <a:noFill/>
+          </a:ln>
+        </p:spPr>
+      </p:pic>
+      <p:sp>
+        <p:nvSpPr>
+          <p:cNvPr id="169" name="Google Shape;169;p26"/>
+          <p:cNvSpPr txBox="1"/>
+          <p:nvPr/>
+        </p:nvSpPr>
+        <p:spPr>
+          <a:xfrm>
+            <a:off x="342900" y="2728925"/>
+            <a:ext cx="1014300" cy="615600"/>
+          </a:xfrm>
+          <a:prstGeom prst="rect">
+            <a:avLst/>
+          </a:prstGeom>
+          <a:noFill/>
+          <a:ln>
+            <a:noFill/>
+          </a:ln>
+        </p:spPr>
         <p:txBody>
           <a:bodyPr anchorCtr="0" anchor="t" bIns="91425" lIns="91425" spcFirstLastPara="1" rIns="91425" wrap="square" tIns="91425">
             <a:spAutoFit/>
@@ -9005,77 +8646,13 @@
               <a:spcAft>
                 <a:spcPts val="0"/>
               </a:spcAft>
-              <a:buClr>
-                <a:schemeClr val="dk1"/>
-              </a:buClr>
-              <a:buSzPts val="1100"/>
-              <a:buFont typeface="Arial"/>
-              <a:buNone/>
-            </a:pPr>
-            <a:r>
-              <a:t/>
-            </a:r>
-            <a:endParaRPr sz="2800">
-              <a:solidFill>
-                <a:schemeClr val="lt2"/>
-              </a:solidFill>
-            </a:endParaRPr>
-          </a:p>
-        </p:txBody>
-      </p:sp>
-      <p:sp>
-        <p:nvSpPr>
-          <p:cNvPr id="158" name="Google Shape;158;p25"/>
-          <p:cNvSpPr txBox="1"/>
-          <p:nvPr>
-            <p:ph type="ctrTitle"/>
-          </p:nvPr>
-        </p:nvSpPr>
-        <p:spPr>
-          <a:xfrm>
-            <a:off x="358300" y="2026200"/>
-            <a:ext cx="8785800" cy="1091100"/>
-          </a:xfrm>
-          <a:prstGeom prst="rect">
-            <a:avLst/>
-          </a:prstGeom>
-        </p:spPr>
-        <p:txBody>
-          <a:bodyPr anchorCtr="0" anchor="ctr" bIns="91425" lIns="91425" spcFirstLastPara="1" rIns="91425" wrap="square" tIns="91425">
-            <a:noAutofit/>
-          </a:bodyPr>
-          <a:lstStyle/>
-          <a:p>
-            <a:pPr indent="0" lvl="0" marL="0" rtl="0" algn="l">
-              <a:spcBef>
-                <a:spcPts val="0"/>
-              </a:spcBef>
-              <a:spcAft>
-                <a:spcPts val="0"/>
-              </a:spcAft>
-              <a:buNone/>
-            </a:pPr>
-            <a:r>
-              <a:rPr b="1" lang="zh-CN" sz="4800"/>
-              <a:t>Analysis &amp;</a:t>
-            </a:r>
-            <a:endParaRPr b="1" sz="4800"/>
-          </a:p>
-          <a:p>
-            <a:pPr indent="0" lvl="0" marL="0" rtl="0" algn="l">
-              <a:spcBef>
-                <a:spcPts val="0"/>
-              </a:spcBef>
-              <a:spcAft>
-                <a:spcPts val="0"/>
-              </a:spcAft>
-              <a:buNone/>
-            </a:pPr>
-            <a:r>
-              <a:rPr b="1" lang="zh-CN" sz="4800"/>
-              <a:t>ML Algorithms</a:t>
-            </a:r>
-            <a:endParaRPr b="1" sz="4800"/>
+              <a:buNone/>
+            </a:pPr>
+            <a:r>
+              <a:rPr lang="zh-CN"/>
+              <a:t>Test Results:</a:t>
+            </a:r>
+            <a:endParaRPr/>
           </a:p>
         </p:txBody>
       </p:sp>
@@ -9087,12 +8664,105 @@
 </p:sld>
 </file>
 
-<file path=ppt/slides/slide14.xml><?xml version="1.0" encoding="utf-8"?>
+<file path=ppt/slides/slide15.xml><?xml version="1.0" encoding="utf-8"?>
 <p:sld xmlns:a="http://schemas.openxmlformats.org/drawingml/2006/main" xmlns:r="http://schemas.openxmlformats.org/officeDocument/2006/relationships" xmlns:mc="http://schemas.openxmlformats.org/markup-compatibility/2006" xmlns:mv="urn:schemas-microsoft-com:mac:vml" xmlns:p="http://schemas.openxmlformats.org/presentationml/2006/main" xmlns:c="http://schemas.openxmlformats.org/drawingml/2006/chart" xmlns:dgm="http://schemas.openxmlformats.org/drawingml/2006/diagram" xmlns:o="urn:schemas-microsoft-com:office:office" xmlns:v="urn:schemas-microsoft-com:vml" xmlns:pvml="urn:schemas-microsoft-com:office:powerpoint" xmlns:com="http://schemas.openxmlformats.org/drawingml/2006/compatibility" xmlns:p14="http://schemas.microsoft.com/office/powerpoint/2010/main" xmlns:p15="http://schemas.microsoft.com/office/powerpoint/2012/main" xmlns:ahyp="http://schemas.microsoft.com/office/drawing/2018/hyperlinkcolor">
   <p:cSld>
     <p:spTree>
       <p:nvGrpSpPr>
-        <p:cNvPr id="162" name="Shape 162"/>
+        <p:cNvPr id="173" name="Shape 173"/>
+        <p:cNvGrpSpPr/>
+        <p:nvPr/>
+      </p:nvGrpSpPr>
+      <p:grpSpPr>
+        <a:xfrm>
+          <a:off x="0" y="0"/>
+          <a:ext cx="0" cy="0"/>
+          <a:chOff x="0" y="0"/>
+          <a:chExt cx="0" cy="0"/>
+        </a:xfrm>
+      </p:grpSpPr>
+      <p:sp>
+        <p:nvSpPr>
+          <p:cNvPr id="174" name="Google Shape;174;p27"/>
+          <p:cNvSpPr txBox="1"/>
+          <p:nvPr>
+            <p:ph idx="1" type="subTitle"/>
+          </p:nvPr>
+        </p:nvSpPr>
+        <p:spPr>
+          <a:xfrm>
+            <a:off x="142725" y="890800"/>
+            <a:ext cx="8644200" cy="1009500"/>
+          </a:xfrm>
+          <a:prstGeom prst="rect">
+            <a:avLst/>
+          </a:prstGeom>
+        </p:spPr>
+        <p:txBody>
+          <a:bodyPr anchorCtr="0" anchor="t" bIns="91425" lIns="91425" spcFirstLastPara="1" rIns="91425" wrap="square" tIns="91425">
+            <a:normAutofit lnSpcReduction="10000"/>
+          </a:bodyPr>
+          <a:lstStyle/>
+          <a:p>
+            <a:pPr indent="0" lvl="0" marL="0" rtl="0" algn="ctr">
+              <a:spcBef>
+                <a:spcPts val="0"/>
+              </a:spcBef>
+              <a:spcAft>
+                <a:spcPts val="0"/>
+              </a:spcAft>
+              <a:buNone/>
+            </a:pPr>
+            <a:r>
+              <a:rPr lang="zh-CN"/>
+              <a:t>Therefore, we used our model to predict where a wildfire would start this month. </a:t>
+            </a:r>
+            <a:endParaRPr/>
+          </a:p>
+        </p:txBody>
+      </p:sp>
+      <p:pic>
+        <p:nvPicPr>
+          <p:cNvPr id="175" name="Google Shape;175;p27"/>
+          <p:cNvPicPr preferRelativeResize="0"/>
+          <p:nvPr/>
+        </p:nvPicPr>
+        <p:blipFill>
+          <a:blip r:embed="rId3">
+            <a:alphaModFix/>
+          </a:blip>
+          <a:stretch>
+            <a:fillRect/>
+          </a:stretch>
+        </p:blipFill>
+        <p:spPr>
+          <a:xfrm>
+            <a:off x="844525" y="2026075"/>
+            <a:ext cx="7067550" cy="2828925"/>
+          </a:xfrm>
+          <a:prstGeom prst="rect">
+            <a:avLst/>
+          </a:prstGeom>
+          <a:noFill/>
+          <a:ln>
+            <a:noFill/>
+          </a:ln>
+        </p:spPr>
+      </p:pic>
+    </p:spTree>
+  </p:cSld>
+  <p:clrMapOvr>
+    <a:masterClrMapping/>
+  </p:clrMapOvr>
+</p:sld>
+</file>
+
+<file path=ppt/slides/slide16.xml><?xml version="1.0" encoding="utf-8"?>
+<p:sld xmlns:a="http://schemas.openxmlformats.org/drawingml/2006/main" xmlns:r="http://schemas.openxmlformats.org/officeDocument/2006/relationships" xmlns:mc="http://schemas.openxmlformats.org/markup-compatibility/2006" xmlns:mv="urn:schemas-microsoft-com:mac:vml" xmlns:p="http://schemas.openxmlformats.org/presentationml/2006/main" xmlns:c="http://schemas.openxmlformats.org/drawingml/2006/chart" xmlns:dgm="http://schemas.openxmlformats.org/drawingml/2006/diagram" xmlns:o="urn:schemas-microsoft-com:office:office" xmlns:v="urn:schemas-microsoft-com:vml" xmlns:pvml="urn:schemas-microsoft-com:office:powerpoint" xmlns:com="http://schemas.openxmlformats.org/drawingml/2006/compatibility" xmlns:p14="http://schemas.microsoft.com/office/powerpoint/2010/main" xmlns:p15="http://schemas.microsoft.com/office/powerpoint/2012/main" xmlns:ahyp="http://schemas.microsoft.com/office/drawing/2018/hyperlinkcolor">
+  <p:cSld>
+    <p:spTree>
+      <p:nvGrpSpPr>
+        <p:cNvPr id="179" name="Shape 179"/>
         <p:cNvGrpSpPr/>
         <p:nvPr/>
       </p:nvGrpSpPr>
@@ -9106,7 +8776,7 @@
       </p:grpSpPr>
       <p:pic>
         <p:nvPicPr>
-          <p:cNvPr id="163" name="Google Shape;163;p26"/>
+          <p:cNvPr id="180" name="Google Shape;180;p28"/>
           <p:cNvPicPr preferRelativeResize="0"/>
           <p:nvPr/>
         </p:nvPicPr>
@@ -9133,24 +8803,26 @@
       </p:pic>
       <p:sp>
         <p:nvSpPr>
-          <p:cNvPr id="164" name="Google Shape;164;p26"/>
+          <p:cNvPr id="181" name="Google Shape;181;p28"/>
           <p:cNvSpPr txBox="1"/>
-          <p:nvPr>
-            <p:ph idx="1" type="subTitle"/>
-          </p:nvPr>
+          <p:nvPr/>
         </p:nvSpPr>
         <p:spPr>
           <a:xfrm>
-            <a:off x="196975" y="1255625"/>
-            <a:ext cx="8585700" cy="3426000"/>
+            <a:off x="369625" y="206550"/>
+            <a:ext cx="6869100" cy="615600"/>
           </a:xfrm>
           <a:prstGeom prst="rect">
             <a:avLst/>
           </a:prstGeom>
+          <a:noFill/>
+          <a:ln>
+            <a:noFill/>
+          </a:ln>
         </p:spPr>
         <p:txBody>
           <a:bodyPr anchorCtr="0" anchor="t" bIns="91425" lIns="91425" spcFirstLastPara="1" rIns="91425" wrap="square" tIns="91425">
-            <a:noAutofit/>
+            <a:spAutoFit/>
           </a:bodyPr>
           <a:lstStyle/>
           <a:p>
@@ -9161,142 +8833,32 @@
               <a:spcAft>
                 <a:spcPts val="0"/>
               </a:spcAft>
-              <a:buNone/>
-            </a:pPr>
-            <a:r>
-              <a:rPr lang="zh-CN" sz="2100"/>
-              <a:t>In order to determine the location of the next wildfire, we used our dataset to train a Dense Neural Network. </a:t>
-            </a:r>
-            <a:endParaRPr sz="2100"/>
-          </a:p>
-          <a:p>
-            <a:pPr indent="0" lvl="0" marL="0" rtl="0" algn="l">
-              <a:spcBef>
-                <a:spcPts val="0"/>
-              </a:spcBef>
-              <a:spcAft>
-                <a:spcPts val="0"/>
-              </a:spcAft>
-              <a:buNone/>
-            </a:pPr>
-            <a:r>
-              <a:t/>
-            </a:r>
-            <a:endParaRPr sz="2100"/>
-          </a:p>
-          <a:p>
-            <a:pPr indent="0" lvl="0" marL="0" rtl="0" algn="l">
-              <a:spcBef>
-                <a:spcPts val="0"/>
-              </a:spcBef>
-              <a:spcAft>
-                <a:spcPts val="0"/>
-              </a:spcAft>
-              <a:buNone/>
-            </a:pPr>
-            <a:r>
-              <a:rPr b="1" lang="zh-CN" sz="2100"/>
-              <a:t>Features</a:t>
-            </a:r>
-            <a:r>
-              <a:rPr lang="zh-CN" sz="2100"/>
-              <a:t>:</a:t>
-            </a:r>
-            <a:endParaRPr sz="2100"/>
-          </a:p>
-          <a:p>
-            <a:pPr indent="0" lvl="0" marL="0" rtl="0" algn="l">
-              <a:spcBef>
-                <a:spcPts val="0"/>
-              </a:spcBef>
-              <a:spcAft>
-                <a:spcPts val="0"/>
-              </a:spcAft>
-              <a:buNone/>
-            </a:pPr>
-            <a:r>
-              <a:t/>
-            </a:r>
-            <a:endParaRPr sz="2100"/>
-          </a:p>
-          <a:p>
-            <a:pPr indent="0" lvl="0" marL="0" rtl="0" algn="l">
-              <a:spcBef>
-                <a:spcPts val="0"/>
-              </a:spcBef>
-              <a:spcAft>
-                <a:spcPts val="0"/>
-              </a:spcAft>
-              <a:buNone/>
-            </a:pPr>
-            <a:r>
-              <a:t/>
-            </a:r>
-            <a:endParaRPr sz="2100"/>
-          </a:p>
-          <a:p>
-            <a:pPr indent="0" lvl="0" marL="0" rtl="0" algn="l">
-              <a:spcBef>
-                <a:spcPts val="0"/>
-              </a:spcBef>
-              <a:spcAft>
-                <a:spcPts val="0"/>
-              </a:spcAft>
-              <a:buNone/>
-            </a:pPr>
-            <a:r>
-              <a:t/>
-            </a:r>
-            <a:endParaRPr sz="2100"/>
-          </a:p>
-          <a:p>
-            <a:pPr indent="0" lvl="0" marL="0" rtl="0" algn="l">
-              <a:spcBef>
-                <a:spcPts val="0"/>
-              </a:spcBef>
-              <a:spcAft>
-                <a:spcPts val="0"/>
-              </a:spcAft>
-              <a:buNone/>
-            </a:pPr>
-            <a:r>
-              <a:rPr b="1" lang="zh-CN" sz="2100"/>
-              <a:t>Labels</a:t>
-            </a:r>
-            <a:r>
-              <a:rPr lang="zh-CN" sz="2100"/>
-              <a:t>: County names (</a:t>
-            </a:r>
-            <a:r>
-              <a:rPr i="1" lang="zh-CN" sz="2100"/>
-              <a:t>converted to dummies</a:t>
-            </a:r>
-            <a:r>
-              <a:rPr lang="zh-CN" sz="2100"/>
-              <a:t>)</a:t>
-            </a:r>
-            <a:endParaRPr sz="2100"/>
-          </a:p>
-          <a:p>
-            <a:pPr indent="0" lvl="0" marL="0" rtl="0" algn="l">
-              <a:spcBef>
-                <a:spcPts val="0"/>
-              </a:spcBef>
-              <a:spcAft>
-                <a:spcPts val="0"/>
-              </a:spcAft>
-              <a:buNone/>
-            </a:pPr>
-            <a:r>
-              <a:t/>
-            </a:r>
-            <a:endParaRPr/>
+              <a:buClr>
+                <a:schemeClr val="dk1"/>
+              </a:buClr>
+              <a:buSzPts val="1100"/>
+              <a:buFont typeface="Arial"/>
+              <a:buNone/>
+            </a:pPr>
+            <a:r>
+              <a:rPr b="1" lang="zh-CN" sz="2800">
+                <a:solidFill>
+                  <a:srgbClr val="F8F8F8"/>
+                </a:solidFill>
+              </a:rPr>
+              <a:t>Tableau Dashboard</a:t>
+            </a:r>
+            <a:endParaRPr b="1">
+              <a:solidFill>
+                <a:srgbClr val="F8F8F8"/>
+              </a:solidFill>
+            </a:endParaRPr>
           </a:p>
         </p:txBody>
       </p:sp>
       <p:pic>
         <p:nvPicPr>
-          <p:cNvPr id="165" name="Google Shape;165;p26"/>
+          <p:cNvPr id="182" name="Google Shape;182;p28"/>
           <p:cNvPicPr preferRelativeResize="0"/>
           <p:nvPr/>
         </p:nvPicPr>
@@ -9310,394 +8872,8 @@
         </p:blipFill>
         <p:spPr>
           <a:xfrm>
-            <a:off x="1566871" y="2186000"/>
-            <a:ext cx="4954950" cy="1314450"/>
-          </a:xfrm>
-          <a:prstGeom prst="rect">
-            <a:avLst/>
-          </a:prstGeom>
-          <a:noFill/>
-          <a:ln>
-            <a:noFill/>
-          </a:ln>
-        </p:spPr>
-      </p:pic>
-      <p:sp>
-        <p:nvSpPr>
-          <p:cNvPr id="166" name="Google Shape;166;p26"/>
-          <p:cNvSpPr txBox="1"/>
-          <p:nvPr/>
-        </p:nvSpPr>
-        <p:spPr>
-          <a:xfrm>
-            <a:off x="369625" y="206550"/>
-            <a:ext cx="6869100" cy="615600"/>
-          </a:xfrm>
-          <a:prstGeom prst="rect">
-            <a:avLst/>
-          </a:prstGeom>
-          <a:noFill/>
-          <a:ln>
-            <a:noFill/>
-          </a:ln>
-        </p:spPr>
-        <p:txBody>
-          <a:bodyPr anchorCtr="0" anchor="t" bIns="91425" lIns="91425" spcFirstLastPara="1" rIns="91425" wrap="square" tIns="91425">
-            <a:spAutoFit/>
-          </a:bodyPr>
-          <a:lstStyle/>
-          <a:p>
-            <a:pPr indent="0" lvl="0" marL="0" rtl="0" algn="l">
-              <a:spcBef>
-                <a:spcPts val="0"/>
-              </a:spcBef>
-              <a:spcAft>
-                <a:spcPts val="0"/>
-              </a:spcAft>
-              <a:buClr>
-                <a:schemeClr val="dk1"/>
-              </a:buClr>
-              <a:buSzPts val="1100"/>
-              <a:buFont typeface="Arial"/>
-              <a:buNone/>
-            </a:pPr>
-            <a:r>
-              <a:rPr b="1" lang="zh-CN" sz="2800">
-                <a:solidFill>
-                  <a:srgbClr val="F8F8F8"/>
-                </a:solidFill>
-              </a:rPr>
-              <a:t>Analysis Phase</a:t>
-            </a:r>
-            <a:endParaRPr b="1">
-              <a:solidFill>
-                <a:srgbClr val="F8F8F8"/>
-              </a:solidFill>
-            </a:endParaRPr>
-          </a:p>
-        </p:txBody>
-      </p:sp>
-      <p:pic>
-        <p:nvPicPr>
-          <p:cNvPr id="167" name="Google Shape;167;p26"/>
-          <p:cNvPicPr preferRelativeResize="0"/>
-          <p:nvPr/>
-        </p:nvPicPr>
-        <p:blipFill rotWithShape="1">
-          <a:blip r:embed="rId5">
-            <a:alphaModFix/>
-          </a:blip>
-          <a:srcRect b="0" l="0" r="3100" t="0"/>
-          <a:stretch/>
-        </p:blipFill>
-        <p:spPr>
-          <a:xfrm>
-            <a:off x="1566875" y="4002800"/>
-            <a:ext cx="6743126" cy="831575"/>
-          </a:xfrm>
-          <a:prstGeom prst="rect">
-            <a:avLst/>
-          </a:prstGeom>
-          <a:noFill/>
-          <a:ln>
-            <a:noFill/>
-          </a:ln>
-        </p:spPr>
-      </p:pic>
-    </p:spTree>
-  </p:cSld>
-  <p:clrMapOvr>
-    <a:masterClrMapping/>
-  </p:clrMapOvr>
-</p:sld>
-</file>
-
-<file path=ppt/slides/slide15.xml><?xml version="1.0" encoding="utf-8"?>
-<p:sld xmlns:a="http://schemas.openxmlformats.org/drawingml/2006/main" xmlns:r="http://schemas.openxmlformats.org/officeDocument/2006/relationships" xmlns:mc="http://schemas.openxmlformats.org/markup-compatibility/2006" xmlns:mv="urn:schemas-microsoft-com:mac:vml" xmlns:p="http://schemas.openxmlformats.org/presentationml/2006/main" xmlns:c="http://schemas.openxmlformats.org/drawingml/2006/chart" xmlns:dgm="http://schemas.openxmlformats.org/drawingml/2006/diagram" xmlns:o="urn:schemas-microsoft-com:office:office" xmlns:v="urn:schemas-microsoft-com:vml" xmlns:pvml="urn:schemas-microsoft-com:office:powerpoint" xmlns:com="http://schemas.openxmlformats.org/drawingml/2006/compatibility" xmlns:p14="http://schemas.microsoft.com/office/powerpoint/2010/main" xmlns:p15="http://schemas.microsoft.com/office/powerpoint/2012/main" xmlns:ahyp="http://schemas.microsoft.com/office/drawing/2018/hyperlinkcolor">
-  <p:cSld>
-    <p:spTree>
-      <p:nvGrpSpPr>
-        <p:cNvPr id="171" name="Shape 171"/>
-        <p:cNvGrpSpPr/>
-        <p:nvPr/>
-      </p:nvGrpSpPr>
-      <p:grpSpPr>
-        <a:xfrm>
-          <a:off x="0" y="0"/>
-          <a:ext cx="0" cy="0"/>
-          <a:chOff x="0" y="0"/>
-          <a:chExt cx="0" cy="0"/>
-        </a:xfrm>
-      </p:grpSpPr>
-      <p:sp>
-        <p:nvSpPr>
-          <p:cNvPr id="172" name="Google Shape;172;p27"/>
-          <p:cNvSpPr txBox="1"/>
-          <p:nvPr>
-            <p:ph type="ctrTitle"/>
-          </p:nvPr>
-        </p:nvSpPr>
-        <p:spPr>
-          <a:xfrm>
-            <a:off x="5863700" y="376503"/>
-            <a:ext cx="3036300" cy="1334400"/>
-          </a:xfrm>
-          <a:prstGeom prst="rect">
-            <a:avLst/>
-          </a:prstGeom>
-        </p:spPr>
-        <p:txBody>
-          <a:bodyPr anchorCtr="0" anchor="b" bIns="91425" lIns="91425" spcFirstLastPara="1" rIns="91425" wrap="square" tIns="91425">
-            <a:normAutofit/>
-          </a:bodyPr>
-          <a:lstStyle/>
-          <a:p>
-            <a:pPr indent="0" lvl="0" marL="0" rtl="0" algn="l">
-              <a:spcBef>
-                <a:spcPts val="0"/>
-              </a:spcBef>
-              <a:spcAft>
-                <a:spcPts val="0"/>
-              </a:spcAft>
-              <a:buNone/>
-            </a:pPr>
-            <a:r>
-              <a:rPr lang="zh-CN" sz="2100"/>
-              <a:t>Our model was able to predict </a:t>
-            </a:r>
-            <a:r>
-              <a:rPr i="1" lang="zh-CN" sz="2100"/>
-              <a:t>location </a:t>
-            </a:r>
-            <a:r>
-              <a:rPr lang="zh-CN" sz="2100"/>
-              <a:t>of fires with </a:t>
-            </a:r>
-            <a:r>
-              <a:rPr b="1" lang="zh-CN" sz="2100">
-                <a:solidFill>
-                  <a:srgbClr val="38761D"/>
-                </a:solidFill>
-              </a:rPr>
-              <a:t>88% accuracy</a:t>
-            </a:r>
-            <a:r>
-              <a:rPr lang="zh-CN" sz="2100"/>
-              <a:t>.</a:t>
-            </a:r>
-            <a:endParaRPr sz="2100"/>
-          </a:p>
-        </p:txBody>
-      </p:sp>
-      <p:pic>
-        <p:nvPicPr>
-          <p:cNvPr id="173" name="Google Shape;173;p27"/>
-          <p:cNvPicPr preferRelativeResize="0"/>
-          <p:nvPr/>
-        </p:nvPicPr>
-        <p:blipFill>
-          <a:blip r:embed="rId3">
-            <a:alphaModFix/>
-          </a:blip>
-          <a:stretch>
-            <a:fillRect/>
-          </a:stretch>
-        </p:blipFill>
-        <p:spPr>
-          <a:xfrm>
-            <a:off x="772550" y="233800"/>
-            <a:ext cx="4941300" cy="2112050"/>
-          </a:xfrm>
-          <a:prstGeom prst="rect">
-            <a:avLst/>
-          </a:prstGeom>
-          <a:noFill/>
-          <a:ln>
-            <a:noFill/>
-          </a:ln>
-        </p:spPr>
-      </p:pic>
-      <p:pic>
-        <p:nvPicPr>
-          <p:cNvPr id="174" name="Google Shape;174;p27"/>
-          <p:cNvPicPr preferRelativeResize="0"/>
-          <p:nvPr/>
-        </p:nvPicPr>
-        <p:blipFill>
-          <a:blip r:embed="rId4">
-            <a:alphaModFix/>
-          </a:blip>
-          <a:stretch>
-            <a:fillRect/>
-          </a:stretch>
-        </p:blipFill>
-        <p:spPr>
-          <a:xfrm>
-            <a:off x="4762983" y="2445800"/>
-            <a:ext cx="3869268" cy="2626275"/>
-          </a:xfrm>
-          <a:prstGeom prst="rect">
-            <a:avLst/>
-          </a:prstGeom>
-          <a:noFill/>
-          <a:ln>
-            <a:noFill/>
-          </a:ln>
-        </p:spPr>
-      </p:pic>
-      <p:pic>
-        <p:nvPicPr>
-          <p:cNvPr id="175" name="Google Shape;175;p27"/>
-          <p:cNvPicPr preferRelativeResize="0"/>
-          <p:nvPr/>
-        </p:nvPicPr>
-        <p:blipFill>
-          <a:blip r:embed="rId5">
-            <a:alphaModFix/>
-          </a:blip>
-          <a:stretch>
-            <a:fillRect/>
-          </a:stretch>
-        </p:blipFill>
-        <p:spPr>
-          <a:xfrm>
-            <a:off x="1120925" y="2445800"/>
-            <a:ext cx="2656350" cy="2626275"/>
-          </a:xfrm>
-          <a:prstGeom prst="rect">
-            <a:avLst/>
-          </a:prstGeom>
-          <a:noFill/>
-          <a:ln>
-            <a:noFill/>
-          </a:ln>
-        </p:spPr>
-      </p:pic>
-      <p:sp>
-        <p:nvSpPr>
-          <p:cNvPr id="176" name="Google Shape;176;p27"/>
-          <p:cNvSpPr txBox="1"/>
-          <p:nvPr/>
-        </p:nvSpPr>
-        <p:spPr>
-          <a:xfrm>
-            <a:off x="342900" y="2728925"/>
-            <a:ext cx="1014300" cy="615600"/>
-          </a:xfrm>
-          <a:prstGeom prst="rect">
-            <a:avLst/>
-          </a:prstGeom>
-          <a:noFill/>
-          <a:ln>
-            <a:noFill/>
-          </a:ln>
-        </p:spPr>
-        <p:txBody>
-          <a:bodyPr anchorCtr="0" anchor="t" bIns="91425" lIns="91425" spcFirstLastPara="1" rIns="91425" wrap="square" tIns="91425">
-            <a:spAutoFit/>
-          </a:bodyPr>
-          <a:lstStyle/>
-          <a:p>
-            <a:pPr indent="0" lvl="0" marL="0" rtl="0" algn="l">
-              <a:spcBef>
-                <a:spcPts val="0"/>
-              </a:spcBef>
-              <a:spcAft>
-                <a:spcPts val="0"/>
-              </a:spcAft>
-              <a:buNone/>
-            </a:pPr>
-            <a:r>
-              <a:rPr lang="zh-CN"/>
-              <a:t>Test Results:</a:t>
-            </a:r>
-            <a:endParaRPr/>
-          </a:p>
-        </p:txBody>
-      </p:sp>
-    </p:spTree>
-  </p:cSld>
-  <p:clrMapOvr>
-    <a:masterClrMapping/>
-  </p:clrMapOvr>
-</p:sld>
-</file>
-
-<file path=ppt/slides/slide16.xml><?xml version="1.0" encoding="utf-8"?>
-<p:sld xmlns:a="http://schemas.openxmlformats.org/drawingml/2006/main" xmlns:r="http://schemas.openxmlformats.org/officeDocument/2006/relationships" xmlns:mc="http://schemas.openxmlformats.org/markup-compatibility/2006" xmlns:mv="urn:schemas-microsoft-com:mac:vml" xmlns:p="http://schemas.openxmlformats.org/presentationml/2006/main" xmlns:c="http://schemas.openxmlformats.org/drawingml/2006/chart" xmlns:dgm="http://schemas.openxmlformats.org/drawingml/2006/diagram" xmlns:o="urn:schemas-microsoft-com:office:office" xmlns:v="urn:schemas-microsoft-com:vml" xmlns:pvml="urn:schemas-microsoft-com:office:powerpoint" xmlns:com="http://schemas.openxmlformats.org/drawingml/2006/compatibility" xmlns:p14="http://schemas.microsoft.com/office/powerpoint/2010/main" xmlns:p15="http://schemas.microsoft.com/office/powerpoint/2012/main" xmlns:ahyp="http://schemas.microsoft.com/office/drawing/2018/hyperlinkcolor">
-  <p:cSld>
-    <p:spTree>
-      <p:nvGrpSpPr>
-        <p:cNvPr id="180" name="Shape 180"/>
-        <p:cNvGrpSpPr/>
-        <p:nvPr/>
-      </p:nvGrpSpPr>
-      <p:grpSpPr>
-        <a:xfrm>
-          <a:off x="0" y="0"/>
-          <a:ext cx="0" cy="0"/>
-          <a:chOff x="0" y="0"/>
-          <a:chExt cx="0" cy="0"/>
-        </a:xfrm>
-      </p:grpSpPr>
-      <p:sp>
-        <p:nvSpPr>
-          <p:cNvPr id="181" name="Google Shape;181;p28"/>
-          <p:cNvSpPr txBox="1"/>
-          <p:nvPr>
-            <p:ph idx="1" type="subTitle"/>
-          </p:nvPr>
-        </p:nvSpPr>
-        <p:spPr>
-          <a:xfrm>
-            <a:off x="142725" y="890800"/>
-            <a:ext cx="8644200" cy="1009500"/>
-          </a:xfrm>
-          <a:prstGeom prst="rect">
-            <a:avLst/>
-          </a:prstGeom>
-        </p:spPr>
-        <p:txBody>
-          <a:bodyPr anchorCtr="0" anchor="t" bIns="91425" lIns="91425" spcFirstLastPara="1" rIns="91425" wrap="square" tIns="91425">
-            <a:normAutofit lnSpcReduction="10000"/>
-          </a:bodyPr>
-          <a:lstStyle/>
-          <a:p>
-            <a:pPr indent="0" lvl="0" marL="0" rtl="0" algn="ctr">
-              <a:spcBef>
-                <a:spcPts val="0"/>
-              </a:spcBef>
-              <a:spcAft>
-                <a:spcPts val="0"/>
-              </a:spcAft>
-              <a:buNone/>
-            </a:pPr>
-            <a:r>
-              <a:rPr lang="zh-CN"/>
-              <a:t>Therefore, we used our model to predict where a wildfire would start this month. </a:t>
-            </a:r>
-            <a:endParaRPr/>
-          </a:p>
-        </p:txBody>
-      </p:sp>
-      <p:pic>
-        <p:nvPicPr>
-          <p:cNvPr id="182" name="Google Shape;182;p28"/>
-          <p:cNvPicPr preferRelativeResize="0"/>
-          <p:nvPr/>
-        </p:nvPicPr>
-        <p:blipFill>
-          <a:blip r:embed="rId3">
-            <a:alphaModFix/>
-          </a:blip>
-          <a:stretch>
-            <a:fillRect/>
-          </a:stretch>
-        </p:blipFill>
-        <p:spPr>
-          <a:xfrm>
-            <a:off x="1328049" y="2259950"/>
-            <a:ext cx="5829975" cy="2210050"/>
+            <a:off x="2398700" y="1154675"/>
+            <a:ext cx="4350148" cy="3810002"/>
           </a:xfrm>
           <a:prstGeom prst="rect">
             <a:avLst/>
@@ -9733,144 +8909,9 @@
           <a:chExt cx="0" cy="0"/>
         </a:xfrm>
       </p:grpSpPr>
-      <p:pic>
-        <p:nvPicPr>
-          <p:cNvPr id="187" name="Google Shape;187;p29"/>
-          <p:cNvPicPr preferRelativeResize="0"/>
-          <p:nvPr/>
-        </p:nvPicPr>
-        <p:blipFill rotWithShape="1">
-          <a:blip r:embed="rId3">
-            <a:alphaModFix/>
-          </a:blip>
-          <a:srcRect b="80000" l="0" r="0" t="0"/>
-          <a:stretch/>
-        </p:blipFill>
-        <p:spPr>
-          <a:xfrm>
-            <a:off x="0" y="1"/>
-            <a:ext cx="9147551" cy="1028699"/>
-          </a:xfrm>
-          <a:prstGeom prst="rect">
-            <a:avLst/>
-          </a:prstGeom>
-          <a:noFill/>
-          <a:ln>
-            <a:noFill/>
-          </a:ln>
-        </p:spPr>
-      </p:pic>
       <p:sp>
         <p:nvSpPr>
-          <p:cNvPr id="188" name="Google Shape;188;p29"/>
-          <p:cNvSpPr txBox="1"/>
-          <p:nvPr/>
-        </p:nvSpPr>
-        <p:spPr>
-          <a:xfrm>
-            <a:off x="369625" y="206550"/>
-            <a:ext cx="6869100" cy="615600"/>
-          </a:xfrm>
-          <a:prstGeom prst="rect">
-            <a:avLst/>
-          </a:prstGeom>
-          <a:noFill/>
-          <a:ln>
-            <a:noFill/>
-          </a:ln>
-        </p:spPr>
-        <p:txBody>
-          <a:bodyPr anchorCtr="0" anchor="t" bIns="91425" lIns="91425" spcFirstLastPara="1" rIns="91425" wrap="square" tIns="91425">
-            <a:spAutoFit/>
-          </a:bodyPr>
-          <a:lstStyle/>
-          <a:p>
-            <a:pPr indent="0" lvl="0" marL="0" rtl="0" algn="l">
-              <a:spcBef>
-                <a:spcPts val="0"/>
-              </a:spcBef>
-              <a:spcAft>
-                <a:spcPts val="0"/>
-              </a:spcAft>
-              <a:buClr>
-                <a:schemeClr val="dk1"/>
-              </a:buClr>
-              <a:buSzPts val="1100"/>
-              <a:buFont typeface="Arial"/>
-              <a:buNone/>
-            </a:pPr>
-            <a:r>
-              <a:rPr b="1" lang="zh-CN" sz="2800">
-                <a:solidFill>
-                  <a:srgbClr val="F8F8F8"/>
-                </a:solidFill>
-              </a:rPr>
-              <a:t>Tableau Dashboard</a:t>
-            </a:r>
-            <a:endParaRPr b="1">
-              <a:solidFill>
-                <a:srgbClr val="F8F8F8"/>
-              </a:solidFill>
-            </a:endParaRPr>
-          </a:p>
-        </p:txBody>
-      </p:sp>
-      <p:pic>
-        <p:nvPicPr>
-          <p:cNvPr id="189" name="Google Shape;189;p29"/>
-          <p:cNvPicPr preferRelativeResize="0"/>
-          <p:nvPr/>
-        </p:nvPicPr>
-        <p:blipFill>
-          <a:blip r:embed="rId4">
-            <a:alphaModFix/>
-          </a:blip>
-          <a:stretch>
-            <a:fillRect/>
-          </a:stretch>
-        </p:blipFill>
-        <p:spPr>
-          <a:xfrm>
-            <a:off x="2398700" y="1154675"/>
-            <a:ext cx="4350148" cy="3810002"/>
-          </a:xfrm>
-          <a:prstGeom prst="rect">
-            <a:avLst/>
-          </a:prstGeom>
-          <a:noFill/>
-          <a:ln>
-            <a:noFill/>
-          </a:ln>
-        </p:spPr>
-      </p:pic>
-    </p:spTree>
-  </p:cSld>
-  <p:clrMapOvr>
-    <a:masterClrMapping/>
-  </p:clrMapOvr>
-</p:sld>
-</file>
-
-<file path=ppt/slides/slide18.xml><?xml version="1.0" encoding="utf-8"?>
-<p:sld xmlns:a="http://schemas.openxmlformats.org/drawingml/2006/main" xmlns:r="http://schemas.openxmlformats.org/officeDocument/2006/relationships" xmlns:mc="http://schemas.openxmlformats.org/markup-compatibility/2006" xmlns:mv="urn:schemas-microsoft-com:mac:vml" xmlns:p="http://schemas.openxmlformats.org/presentationml/2006/main" xmlns:c="http://schemas.openxmlformats.org/drawingml/2006/chart" xmlns:dgm="http://schemas.openxmlformats.org/drawingml/2006/diagram" xmlns:o="urn:schemas-microsoft-com:office:office" xmlns:v="urn:schemas-microsoft-com:vml" xmlns:pvml="urn:schemas-microsoft-com:office:powerpoint" xmlns:com="http://schemas.openxmlformats.org/drawingml/2006/compatibility" xmlns:p14="http://schemas.microsoft.com/office/powerpoint/2010/main" xmlns:p15="http://schemas.microsoft.com/office/powerpoint/2012/main" xmlns:ahyp="http://schemas.microsoft.com/office/drawing/2018/hyperlinkcolor">
-  <p:cSld>
-    <p:spTree>
-      <p:nvGrpSpPr>
-        <p:cNvPr id="193" name="Shape 193"/>
-        <p:cNvGrpSpPr/>
-        <p:nvPr/>
-      </p:nvGrpSpPr>
-      <p:grpSpPr>
-        <a:xfrm>
-          <a:off x="0" y="0"/>
-          <a:ext cx="0" cy="0"/>
-          <a:chOff x="0" y="0"/>
-          <a:chExt cx="0" cy="0"/>
-        </a:xfrm>
-      </p:grpSpPr>
-      <p:sp>
-        <p:nvSpPr>
-          <p:cNvPr id="194" name="Google Shape;194;p30"/>
+          <p:cNvPr id="187" name="Google Shape;187;p29"/>
           <p:cNvSpPr txBox="1"/>
           <p:nvPr>
             <p:ph idx="1" type="subTitle"/>
@@ -9980,7 +9021,7 @@
       </p:sp>
       <p:sp>
         <p:nvSpPr>
-          <p:cNvPr id="195" name="Google Shape;195;p30"/>
+          <p:cNvPr id="188" name="Google Shape;188;p29"/>
           <p:cNvSpPr txBox="1"/>
           <p:nvPr/>
         </p:nvSpPr>
@@ -10030,7 +9071,7 @@
       </p:sp>
       <p:pic>
         <p:nvPicPr>
-          <p:cNvPr id="196" name="Google Shape;196;p30"/>
+          <p:cNvPr id="189" name="Google Shape;189;p29"/>
           <p:cNvPicPr preferRelativeResize="0"/>
           <p:nvPr/>
         </p:nvPicPr>
@@ -10066,13 +9107,6 @@
 <file path=ppt/slides/slide2.xml><?xml version="1.0" encoding="utf-8"?>
 <p:sld xmlns:a="http://schemas.openxmlformats.org/drawingml/2006/main" xmlns:r="http://schemas.openxmlformats.org/officeDocument/2006/relationships" xmlns:mc="http://schemas.openxmlformats.org/markup-compatibility/2006" xmlns:mv="urn:schemas-microsoft-com:mac:vml" xmlns:p="http://schemas.openxmlformats.org/presentationml/2006/main" xmlns:c="http://schemas.openxmlformats.org/drawingml/2006/chart" xmlns:dgm="http://schemas.openxmlformats.org/drawingml/2006/diagram" xmlns:o="urn:schemas-microsoft-com:office:office" xmlns:v="urn:schemas-microsoft-com:vml" xmlns:pvml="urn:schemas-microsoft-com:office:powerpoint" xmlns:com="http://schemas.openxmlformats.org/drawingml/2006/compatibility" xmlns:p14="http://schemas.microsoft.com/office/powerpoint/2010/main" xmlns:p15="http://schemas.microsoft.com/office/powerpoint/2012/main" xmlns:ahyp="http://schemas.microsoft.com/office/drawing/2018/hyperlinkcolor">
   <p:cSld>
-    <p:bg>
-      <p:bgPr>
-        <a:solidFill>
-          <a:srgbClr val="F6B26B"/>
-        </a:solidFill>
-      </p:bgPr>
-    </p:bg>
     <p:spTree>
       <p:nvGrpSpPr>
         <p:cNvPr id="60" name="Shape 60"/>
@@ -10087,16 +9121,23 @@
           <a:chExt cx="0" cy="0"/>
         </a:xfrm>
       </p:grpSpPr>
-      <p:sp>
-        <p:nvSpPr>
+      <p:pic>
+        <p:nvPicPr>
           <p:cNvPr id="61" name="Google Shape;61;p14"/>
-          <p:cNvSpPr txBox="1"/>
+          <p:cNvPicPr preferRelativeResize="0"/>
           <p:nvPr/>
-        </p:nvSpPr>
-        <p:spPr>
-          <a:xfrm>
-            <a:off x="66200" y="-21475"/>
-            <a:ext cx="7369200" cy="615600"/>
+        </p:nvPicPr>
+        <p:blipFill rotWithShape="1">
+          <a:blip r:embed="rId3">
+            <a:alphaModFix/>
+          </a:blip>
+          <a:srcRect b="80000" l="0" r="0" t="0"/>
+          <a:stretch/>
+        </p:blipFill>
+        <p:spPr>
+          <a:xfrm>
+            <a:off x="0" y="1"/>
+            <a:ext cx="9147551" cy="1028699"/>
           </a:xfrm>
           <a:prstGeom prst="rect">
             <a:avLst/>
@@ -10106,6 +9147,286 @@
             <a:noFill/>
           </a:ln>
         </p:spPr>
+      </p:pic>
+      <p:sp>
+        <p:nvSpPr>
+          <p:cNvPr id="62" name="Google Shape;62;p14"/>
+          <p:cNvSpPr txBox="1"/>
+          <p:nvPr>
+            <p:ph idx="1" type="subTitle"/>
+          </p:nvPr>
+        </p:nvSpPr>
+        <p:spPr>
+          <a:xfrm>
+            <a:off x="82700" y="1311325"/>
+            <a:ext cx="9064800" cy="3486900"/>
+          </a:xfrm>
+          <a:prstGeom prst="rect">
+            <a:avLst/>
+          </a:prstGeom>
+        </p:spPr>
+        <p:txBody>
+          <a:bodyPr anchorCtr="0" anchor="t" bIns="91425" lIns="91425" spcFirstLastPara="1" rIns="91425" wrap="square" tIns="91425">
+            <a:noAutofit/>
+          </a:bodyPr>
+          <a:lstStyle/>
+          <a:p>
+            <a:pPr indent="0" lvl="0" marL="0" rtl="0" algn="l">
+              <a:lnSpc>
+                <a:spcPct val="115000"/>
+              </a:lnSpc>
+              <a:spcBef>
+                <a:spcPts val="0"/>
+              </a:spcBef>
+              <a:spcAft>
+                <a:spcPts val="0"/>
+              </a:spcAft>
+              <a:buNone/>
+            </a:pPr>
+            <a:r>
+              <a:t/>
+            </a:r>
+            <a:endParaRPr sz="2000"/>
+          </a:p>
+          <a:p>
+            <a:pPr indent="-355600" lvl="0" marL="457200" rtl="0" algn="l">
+              <a:lnSpc>
+                <a:spcPct val="115000"/>
+              </a:lnSpc>
+              <a:spcBef>
+                <a:spcPts val="0"/>
+              </a:spcBef>
+              <a:spcAft>
+                <a:spcPts val="0"/>
+              </a:spcAft>
+              <a:buClr>
+                <a:schemeClr val="dk2"/>
+              </a:buClr>
+              <a:buSzPts val="2000"/>
+              <a:buChar char="●"/>
+            </a:pPr>
+            <a:r>
+              <a:rPr lang="zh-CN" sz="2000"/>
+              <a:t>A high incidence of wildfires continuously in California.  (e.g. Fire Glass)</a:t>
+            </a:r>
+            <a:endParaRPr sz="2000"/>
+          </a:p>
+          <a:p>
+            <a:pPr indent="0" lvl="0" marL="0" rtl="0" algn="l">
+              <a:spcBef>
+                <a:spcPts val="0"/>
+              </a:spcBef>
+              <a:spcAft>
+                <a:spcPts val="0"/>
+              </a:spcAft>
+              <a:buNone/>
+            </a:pPr>
+            <a:r>
+              <a:t/>
+            </a:r>
+            <a:endParaRPr sz="2000"/>
+          </a:p>
+          <a:p>
+            <a:pPr indent="-355600" lvl="0" marL="457200" rtl="0" algn="l">
+              <a:lnSpc>
+                <a:spcPct val="115000"/>
+              </a:lnSpc>
+              <a:spcBef>
+                <a:spcPts val="0"/>
+              </a:spcBef>
+              <a:spcAft>
+                <a:spcPts val="0"/>
+              </a:spcAft>
+              <a:buClr>
+                <a:schemeClr val="dk2"/>
+              </a:buClr>
+              <a:buSzPts val="2000"/>
+              <a:buChar char="●"/>
+            </a:pPr>
+            <a:r>
+              <a:rPr lang="zh-CN" sz="2000"/>
+              <a:t>A huge economic hardship and time consuming.</a:t>
+            </a:r>
+            <a:endParaRPr sz="2000"/>
+          </a:p>
+          <a:p>
+            <a:pPr indent="0" lvl="0" marL="457200" rtl="0" algn="l">
+              <a:spcBef>
+                <a:spcPts val="0"/>
+              </a:spcBef>
+              <a:spcAft>
+                <a:spcPts val="0"/>
+              </a:spcAft>
+              <a:buNone/>
+            </a:pPr>
+            <a:r>
+              <a:t/>
+            </a:r>
+            <a:endParaRPr sz="2000"/>
+          </a:p>
+          <a:p>
+            <a:pPr indent="-355600" lvl="0" marL="457200" rtl="0" algn="l">
+              <a:lnSpc>
+                <a:spcPct val="115000"/>
+              </a:lnSpc>
+              <a:spcBef>
+                <a:spcPts val="0"/>
+              </a:spcBef>
+              <a:spcAft>
+                <a:spcPts val="0"/>
+              </a:spcAft>
+              <a:buClr>
+                <a:schemeClr val="dk2"/>
+              </a:buClr>
+              <a:buSzPts val="2000"/>
+              <a:buChar char="●"/>
+            </a:pPr>
+            <a:r>
+              <a:rPr lang="zh-CN" sz="2000"/>
+              <a:t>a Incalculable personal injury and family broken.</a:t>
+            </a:r>
+            <a:endParaRPr sz="2000"/>
+          </a:p>
+          <a:p>
+            <a:pPr indent="0" lvl="0" marL="457200" rtl="0" algn="l">
+              <a:spcBef>
+                <a:spcPts val="0"/>
+              </a:spcBef>
+              <a:spcAft>
+                <a:spcPts val="0"/>
+              </a:spcAft>
+              <a:buNone/>
+            </a:pPr>
+            <a:r>
+              <a:t/>
+            </a:r>
+            <a:endParaRPr sz="2000"/>
+          </a:p>
+          <a:p>
+            <a:pPr indent="-355600" lvl="0" marL="457200" rtl="0" algn="l">
+              <a:lnSpc>
+                <a:spcPct val="115000"/>
+              </a:lnSpc>
+              <a:spcBef>
+                <a:spcPts val="0"/>
+              </a:spcBef>
+              <a:spcAft>
+                <a:spcPts val="0"/>
+              </a:spcAft>
+              <a:buClr>
+                <a:schemeClr val="dk2"/>
+              </a:buClr>
+              <a:buSzPts val="2000"/>
+              <a:buChar char="●"/>
+            </a:pPr>
+            <a:r>
+              <a:rPr lang="zh-CN" sz="2000"/>
+              <a:t>Predict next fire can help people to prevent in advance.</a:t>
+            </a:r>
+            <a:endParaRPr sz="2000"/>
+          </a:p>
+          <a:p>
+            <a:pPr indent="0" lvl="0" marL="457200" rtl="0" algn="l">
+              <a:lnSpc>
+                <a:spcPct val="115000"/>
+              </a:lnSpc>
+              <a:spcBef>
+                <a:spcPts val="0"/>
+              </a:spcBef>
+              <a:spcAft>
+                <a:spcPts val="0"/>
+              </a:spcAft>
+              <a:buNone/>
+            </a:pPr>
+            <a:r>
+              <a:t/>
+            </a:r>
+            <a:endParaRPr sz="2000"/>
+          </a:p>
+          <a:p>
+            <a:pPr indent="0" lvl="0" marL="0" rtl="0" algn="l">
+              <a:lnSpc>
+                <a:spcPct val="115000"/>
+              </a:lnSpc>
+              <a:spcBef>
+                <a:spcPts val="0"/>
+              </a:spcBef>
+              <a:spcAft>
+                <a:spcPts val="0"/>
+              </a:spcAft>
+              <a:buNone/>
+            </a:pPr>
+            <a:r>
+              <a:t/>
+            </a:r>
+            <a:endParaRPr sz="2000"/>
+          </a:p>
+          <a:p>
+            <a:pPr indent="0" lvl="0" marL="457200" rtl="0" algn="l">
+              <a:spcBef>
+                <a:spcPts val="0"/>
+              </a:spcBef>
+              <a:spcAft>
+                <a:spcPts val="0"/>
+              </a:spcAft>
+              <a:buNone/>
+            </a:pPr>
+            <a:r>
+              <a:t/>
+            </a:r>
+            <a:endParaRPr sz="2000"/>
+          </a:p>
+          <a:p>
+            <a:pPr indent="0" lvl="0" marL="0" rtl="0" algn="l">
+              <a:spcBef>
+                <a:spcPts val="0"/>
+              </a:spcBef>
+              <a:spcAft>
+                <a:spcPts val="0"/>
+              </a:spcAft>
+              <a:buNone/>
+            </a:pPr>
+            <a:r>
+              <a:t/>
+            </a:r>
+            <a:endParaRPr sz="2000"/>
+          </a:p>
+          <a:p>
+            <a:pPr indent="0" lvl="0" marL="0" rtl="0" algn="ctr">
+              <a:spcBef>
+                <a:spcPts val="0"/>
+              </a:spcBef>
+              <a:spcAft>
+                <a:spcPts val="0"/>
+              </a:spcAft>
+              <a:buNone/>
+            </a:pPr>
+            <a:r>
+              <a:t/>
+            </a:r>
+            <a:endParaRPr sz="2000"/>
+          </a:p>
+        </p:txBody>
+      </p:sp>
+      <p:sp>
+        <p:nvSpPr>
+          <p:cNvPr id="63" name="Google Shape;63;p14"/>
+          <p:cNvSpPr txBox="1"/>
+          <p:nvPr/>
+        </p:nvSpPr>
+        <p:spPr>
+          <a:xfrm>
+            <a:off x="369625" y="206550"/>
+            <a:ext cx="6301500" cy="615600"/>
+          </a:xfrm>
+          <a:prstGeom prst="rect">
+            <a:avLst/>
+          </a:prstGeom>
+          <a:noFill/>
+          <a:ln>
+            <a:noFill/>
+          </a:ln>
+        </p:spPr>
         <p:txBody>
           <a:bodyPr anchorCtr="0" anchor="t" bIns="91425" lIns="91425" spcFirstLastPara="1" rIns="91425" wrap="square" tIns="91425">
             <a:spAutoFit/>
@@ -10127,53 +9448,18 @@
               <a:buNone/>
             </a:pPr>
             <a:r>
-              <a:t/>
-            </a:r>
-            <a:endParaRPr sz="2800">
+              <a:rPr b="1" lang="zh-CN" sz="2800">
+                <a:solidFill>
+                  <a:srgbClr val="F8F8F8"/>
+                </a:solidFill>
+              </a:rPr>
+              <a:t>Why We Chose Wildfires</a:t>
+            </a:r>
+            <a:endParaRPr b="1">
               <a:solidFill>
-                <a:schemeClr val="lt2"/>
+                <a:srgbClr val="F8F8F8"/>
               </a:solidFill>
             </a:endParaRPr>
-          </a:p>
-        </p:txBody>
-      </p:sp>
-      <p:sp>
-        <p:nvSpPr>
-          <p:cNvPr id="62" name="Google Shape;62;p14"/>
-          <p:cNvSpPr txBox="1"/>
-          <p:nvPr>
-            <p:ph type="ctrTitle"/>
-          </p:nvPr>
-        </p:nvSpPr>
-        <p:spPr>
-          <a:xfrm>
-            <a:off x="358300" y="2026200"/>
-            <a:ext cx="7449600" cy="1091100"/>
-          </a:xfrm>
-          <a:prstGeom prst="rect">
-            <a:avLst/>
-          </a:prstGeom>
-        </p:spPr>
-        <p:txBody>
-          <a:bodyPr anchorCtr="0" anchor="ctr" bIns="91425" lIns="91425" spcFirstLastPara="1" rIns="91425" wrap="square" tIns="91425">
-            <a:noAutofit/>
-          </a:bodyPr>
-          <a:lstStyle/>
-          <a:p>
-            <a:pPr indent="0" lvl="0" marL="0" rtl="0" algn="l">
-              <a:spcBef>
-                <a:spcPts val="0"/>
-              </a:spcBef>
-              <a:spcAft>
-                <a:spcPts val="0"/>
-              </a:spcAft>
-              <a:buNone/>
-            </a:pPr>
-            <a:r>
-              <a:rPr b="1" lang="zh-CN" sz="4800"/>
-              <a:t>Project Introduction</a:t>
-            </a:r>
-            <a:endParaRPr b="1" sz="4800"/>
           </a:p>
         </p:txBody>
       </p:sp>
@@ -10190,7 +9476,7 @@
   <p:cSld>
     <p:spTree>
       <p:nvGrpSpPr>
-        <p:cNvPr id="66" name="Shape 66"/>
+        <p:cNvPr id="67" name="Shape 67"/>
         <p:cNvGrpSpPr/>
         <p:nvPr/>
       </p:nvGrpSpPr>
@@ -10204,7 +9490,7 @@
       </p:grpSpPr>
       <p:pic>
         <p:nvPicPr>
-          <p:cNvPr id="67" name="Google Shape;67;p15"/>
+          <p:cNvPr id="68" name="Google Shape;68;p15"/>
           <p:cNvPicPr preferRelativeResize="0"/>
           <p:nvPr/>
         </p:nvPicPr>
@@ -10231,7 +9517,7 @@
       </p:pic>
       <p:sp>
         <p:nvSpPr>
-          <p:cNvPr id="68" name="Google Shape;68;p15"/>
+          <p:cNvPr id="69" name="Google Shape;69;p15"/>
           <p:cNvSpPr txBox="1"/>
           <p:nvPr>
             <p:ph idx="1" type="subTitle"/>
@@ -10239,8 +9525,8 @@
         </p:nvSpPr>
         <p:spPr>
           <a:xfrm>
-            <a:off x="369625" y="1311325"/>
-            <a:ext cx="8384400" cy="2992200"/>
+            <a:off x="501525" y="1198225"/>
+            <a:ext cx="7979400" cy="2928000"/>
           </a:xfrm>
           <a:prstGeom prst="rect">
             <a:avLst/>
@@ -10248,7 +9534,7 @@
         </p:spPr>
         <p:txBody>
           <a:bodyPr anchorCtr="0" anchor="t" bIns="91425" lIns="91425" spcFirstLastPara="1" rIns="91425" wrap="square" tIns="91425">
-            <a:normAutofit fontScale="77500" lnSpcReduction="20000"/>
+            <a:noAutofit/>
           </a:bodyPr>
           <a:lstStyle/>
           <a:p>
@@ -10257,7 +9543,7 @@
                 <a:spcPct val="115000"/>
               </a:lnSpc>
               <a:spcBef>
-                <a:spcPts val="0"/>
+                <a:spcPts val="300"/>
               </a:spcBef>
               <a:spcAft>
                 <a:spcPts val="0"/>
@@ -10267,15 +9553,19 @@
             <a:r>
               <a:t/>
             </a:r>
-            <a:endParaRPr sz="2350"/>
-          </a:p>
-          <a:p>
-            <a:pPr indent="-344249" lvl="0" marL="457200" rtl="0" algn="l">
-              <a:lnSpc>
-                <a:spcPct val="115000"/>
-              </a:lnSpc>
-              <a:spcBef>
-                <a:spcPts val="0"/>
+            <a:endParaRPr sz="2000">
+              <a:solidFill>
+                <a:srgbClr val="24292F"/>
+              </a:solidFill>
+              <a:highlight>
+                <a:srgbClr val="FFFFFF"/>
+              </a:highlight>
+            </a:endParaRPr>
+          </a:p>
+          <a:p>
+            <a:pPr indent="-355600" lvl="0" marL="457200" rtl="0" algn="l">
+              <a:spcBef>
+                <a:spcPts val="1200"/>
               </a:spcBef>
               <a:spcAft>
                 <a:spcPts val="0"/>
@@ -10283,14 +9573,14 @@
               <a:buClr>
                 <a:schemeClr val="dk2"/>
               </a:buClr>
-              <a:buSzPct val="100000"/>
+              <a:buSzPts val="2000"/>
               <a:buChar char="●"/>
             </a:pPr>
             <a:r>
-              <a:rPr lang="zh-CN" sz="2350"/>
-              <a:t>A high incidence of wildfires continuously in California. </a:t>
-            </a:r>
-            <a:endParaRPr sz="2350"/>
+              <a:rPr lang="zh-CN" sz="2000"/>
+              <a:t>Where and when could the next California wildfire be?</a:t>
+            </a:r>
+            <a:endParaRPr sz="2000"/>
           </a:p>
           <a:p>
             <a:pPr indent="0" lvl="0" marL="0" rtl="0" algn="l">
@@ -10305,13 +9595,10 @@
             <a:r>
               <a:t/>
             </a:r>
-            <a:endParaRPr sz="2350"/>
-          </a:p>
-          <a:p>
-            <a:pPr indent="-344249" lvl="0" marL="457200" rtl="0" algn="l">
-              <a:lnSpc>
-                <a:spcPct val="115000"/>
-              </a:lnSpc>
+            <a:endParaRPr sz="2000"/>
+          </a:p>
+          <a:p>
+            <a:pPr indent="-355600" lvl="0" marL="457200" rtl="0" algn="l">
               <a:spcBef>
                 <a:spcPts val="0"/>
               </a:spcBef>
@@ -10321,14 +9608,14 @@
               <a:buClr>
                 <a:schemeClr val="dk2"/>
               </a:buClr>
-              <a:buSzPct val="100000"/>
+              <a:buSzPts val="2000"/>
               <a:buChar char="●"/>
             </a:pPr>
             <a:r>
-              <a:rPr lang="zh-CN" sz="2350"/>
-              <a:t>A huge economic hardship and time consuming</a:t>
-            </a:r>
-            <a:endParaRPr sz="2350"/>
+              <a:rPr lang="zh-CN" sz="2000"/>
+              <a:t>How does temperature play a role in fire season?</a:t>
+            </a:r>
+            <a:endParaRPr sz="2000"/>
           </a:p>
           <a:p>
             <a:pPr indent="0" lvl="0" marL="457200" rtl="0" algn="l">
@@ -10343,13 +9630,10 @@
             <a:r>
               <a:t/>
             </a:r>
-            <a:endParaRPr sz="2350"/>
-          </a:p>
-          <a:p>
-            <a:pPr indent="-344249" lvl="0" marL="457200" rtl="0" algn="l">
-              <a:lnSpc>
-                <a:spcPct val="115000"/>
-              </a:lnSpc>
+            <a:endParaRPr sz="2000"/>
+          </a:p>
+          <a:p>
+            <a:pPr indent="-355600" lvl="0" marL="457200" rtl="0" algn="l">
               <a:spcBef>
                 <a:spcPts val="0"/>
               </a:spcBef>
@@ -10359,14 +9643,14 @@
               <a:buClr>
                 <a:schemeClr val="dk2"/>
               </a:buClr>
-              <a:buSzPct val="100000"/>
+              <a:buSzPts val="2000"/>
               <a:buChar char="●"/>
             </a:pPr>
             <a:r>
-              <a:rPr lang="zh-CN" sz="2350"/>
-              <a:t>a Incalculable personal injury and family broken.</a:t>
-            </a:r>
-            <a:endParaRPr sz="2350"/>
+              <a:rPr lang="zh-CN" sz="2000"/>
+              <a:t>Are there specific counties that are more prone to wildfires?</a:t>
+            </a:r>
+            <a:endParaRPr sz="2000"/>
           </a:p>
           <a:p>
             <a:pPr indent="0" lvl="0" marL="457200" rtl="0" algn="l">
@@ -10376,18 +9660,20 @@
               <a:spcAft>
                 <a:spcPts val="0"/>
               </a:spcAft>
+              <a:buClr>
+                <a:schemeClr val="dk1"/>
+              </a:buClr>
+              <a:buSzPts val="1100"/>
+              <a:buFont typeface="Arial"/>
               <a:buNone/>
             </a:pPr>
             <a:r>
               <a:t/>
             </a:r>
-            <a:endParaRPr sz="2350"/>
-          </a:p>
-          <a:p>
-            <a:pPr indent="-344249" lvl="0" marL="457200" rtl="0" algn="l">
-              <a:lnSpc>
-                <a:spcPct val="115000"/>
-              </a:lnSpc>
+            <a:endParaRPr sz="2000"/>
+          </a:p>
+          <a:p>
+            <a:pPr indent="-355600" lvl="0" marL="457200" rtl="0" algn="l">
               <a:spcBef>
                 <a:spcPts val="0"/>
               </a:spcBef>
@@ -10397,14 +9683,14 @@
               <a:buClr>
                 <a:schemeClr val="dk2"/>
               </a:buClr>
-              <a:buSzPct val="100000"/>
+              <a:buSzPts val="2000"/>
               <a:buChar char="●"/>
             </a:pPr>
             <a:r>
-              <a:rPr lang="zh-CN" sz="2350"/>
-              <a:t>Predict next fire can help people to prevent  in advance.</a:t>
-            </a:r>
-            <a:endParaRPr sz="2350"/>
+              <a:rPr lang="zh-CN" sz="2000"/>
+              <a:t>What is the main factor to cause a wildfires?</a:t>
+            </a:r>
+            <a:endParaRPr sz="2000"/>
           </a:p>
           <a:p>
             <a:pPr indent="0" lvl="0" marL="457200" rtl="0" algn="l">
@@ -10419,7 +9705,22 @@
             <a:r>
               <a:t/>
             </a:r>
-            <a:endParaRPr sz="2500"/>
+            <a:endParaRPr sz="2000"/>
+          </a:p>
+          <a:p>
+            <a:pPr indent="0" lvl="0" marL="457200" rtl="0" algn="l">
+              <a:spcBef>
+                <a:spcPts val="0"/>
+              </a:spcBef>
+              <a:spcAft>
+                <a:spcPts val="0"/>
+              </a:spcAft>
+              <a:buNone/>
+            </a:pPr>
+            <a:r>
+              <a:t/>
+            </a:r>
+            <a:endParaRPr sz="2000"/>
           </a:p>
           <a:p>
             <a:pPr indent="0" lvl="0" marL="0" rtl="0" algn="l">
@@ -10437,7 +9738,7 @@
             <a:endParaRPr/>
           </a:p>
           <a:p>
-            <a:pPr indent="0" lvl="0" marL="0" rtl="0" algn="ctr">
+            <a:pPr indent="0" lvl="0" marL="0" rtl="0" algn="l">
               <a:spcBef>
                 <a:spcPts val="0"/>
               </a:spcBef>
@@ -10455,7 +9756,7 @@
       </p:sp>
       <p:sp>
         <p:nvSpPr>
-          <p:cNvPr id="69" name="Google Shape;69;p15"/>
+          <p:cNvPr id="70" name="Google Shape;70;p15"/>
           <p:cNvSpPr txBox="1"/>
           <p:nvPr/>
         </p:nvSpPr>
@@ -10498,7 +9799,7 @@
                   <a:srgbClr val="F8F8F8"/>
                 </a:solidFill>
               </a:rPr>
-              <a:t>Why We Chose Wildfires</a:t>
+              <a:t>Questions We Hope to Answer</a:t>
             </a:r>
             <a:endParaRPr b="1">
               <a:solidFill>
@@ -10508,34 +9809,6 @@
           </a:p>
         </p:txBody>
       </p:sp>
-      <p:pic>
-        <p:nvPicPr>
-          <p:cNvPr id="70" name="Google Shape;70;p15"/>
-          <p:cNvPicPr preferRelativeResize="0"/>
-          <p:nvPr/>
-        </p:nvPicPr>
-        <p:blipFill>
-          <a:blip r:embed="rId4">
-            <a:alphaModFix/>
-          </a:blip>
-          <a:stretch>
-            <a:fillRect/>
-          </a:stretch>
-        </p:blipFill>
-        <p:spPr>
-          <a:xfrm>
-            <a:off x="6484725" y="3363850"/>
-            <a:ext cx="2549650" cy="1706275"/>
-          </a:xfrm>
-          <a:prstGeom prst="rect">
-            <a:avLst/>
-          </a:prstGeom>
-          <a:noFill/>
-          <a:ln>
-            <a:noFill/>
-          </a:ln>
-        </p:spPr>
-      </p:pic>
     </p:spTree>
   </p:cSld>
   <p:clrMapOvr>
@@ -10547,6 +9820,13 @@
 <file path=ppt/slides/slide4.xml><?xml version="1.0" encoding="utf-8"?>
 <p:sld xmlns:a="http://schemas.openxmlformats.org/drawingml/2006/main" xmlns:r="http://schemas.openxmlformats.org/officeDocument/2006/relationships" xmlns:mc="http://schemas.openxmlformats.org/markup-compatibility/2006" xmlns:mv="urn:schemas-microsoft-com:mac:vml" xmlns:p="http://schemas.openxmlformats.org/presentationml/2006/main" xmlns:c="http://schemas.openxmlformats.org/drawingml/2006/chart" xmlns:dgm="http://schemas.openxmlformats.org/drawingml/2006/diagram" xmlns:o="urn:schemas-microsoft-com:office:office" xmlns:v="urn:schemas-microsoft-com:vml" xmlns:pvml="urn:schemas-microsoft-com:office:powerpoint" xmlns:com="http://schemas.openxmlformats.org/drawingml/2006/compatibility" xmlns:p14="http://schemas.microsoft.com/office/powerpoint/2010/main" xmlns:p15="http://schemas.microsoft.com/office/powerpoint/2012/main" xmlns:ahyp="http://schemas.microsoft.com/office/drawing/2018/hyperlinkcolor">
   <p:cSld>
+    <p:bg>
+      <p:bgPr>
+        <a:solidFill>
+          <a:srgbClr val="F6B26B"/>
+        </a:solidFill>
+      </p:bgPr>
+    </p:bg>
     <p:spTree>
       <p:nvGrpSpPr>
         <p:cNvPr id="74" name="Shape 74"/>
@@ -10561,23 +9841,16 @@
           <a:chExt cx="0" cy="0"/>
         </a:xfrm>
       </p:grpSpPr>
-      <p:pic>
-        <p:nvPicPr>
+      <p:sp>
+        <p:nvSpPr>
           <p:cNvPr id="75" name="Google Shape;75;p16"/>
-          <p:cNvPicPr preferRelativeResize="0"/>
+          <p:cNvSpPr txBox="1"/>
           <p:nvPr/>
-        </p:nvPicPr>
-        <p:blipFill rotWithShape="1">
-          <a:blip r:embed="rId3">
-            <a:alphaModFix/>
-          </a:blip>
-          <a:srcRect b="80000" l="0" r="0" t="0"/>
-          <a:stretch/>
-        </p:blipFill>
-        <p:spPr>
-          <a:xfrm>
-            <a:off x="0" y="1"/>
-            <a:ext cx="9147551" cy="1028699"/>
+        </p:nvSpPr>
+        <p:spPr>
+          <a:xfrm>
+            <a:off x="66200" y="-21475"/>
+            <a:ext cx="7369200" cy="615600"/>
           </a:xfrm>
           <a:prstGeom prst="rect">
             <a:avLst/>
@@ -10587,73 +9860,74 @@
             <a:noFill/>
           </a:ln>
         </p:spPr>
-      </p:pic>
+        <p:txBody>
+          <a:bodyPr anchorCtr="0" anchor="t" bIns="91425" lIns="91425" spcFirstLastPara="1" rIns="91425" wrap="square" tIns="91425">
+            <a:spAutoFit/>
+          </a:bodyPr>
+          <a:lstStyle/>
+          <a:p>
+            <a:pPr indent="0" lvl="0" marL="0" rtl="0" algn="l">
+              <a:spcBef>
+                <a:spcPts val="0"/>
+              </a:spcBef>
+              <a:spcAft>
+                <a:spcPts val="0"/>
+              </a:spcAft>
+              <a:buClr>
+                <a:schemeClr val="dk1"/>
+              </a:buClr>
+              <a:buSzPts val="1100"/>
+              <a:buFont typeface="Arial"/>
+              <a:buNone/>
+            </a:pPr>
+            <a:r>
+              <a:t/>
+            </a:r>
+            <a:endParaRPr sz="2800">
+              <a:solidFill>
+                <a:schemeClr val="lt2"/>
+              </a:solidFill>
+            </a:endParaRPr>
+          </a:p>
+        </p:txBody>
+      </p:sp>
       <p:sp>
         <p:nvSpPr>
           <p:cNvPr id="76" name="Google Shape;76;p16"/>
           <p:cNvSpPr txBox="1"/>
           <p:nvPr>
-            <p:ph idx="1" type="subTitle"/>
+            <p:ph type="ctrTitle"/>
           </p:nvPr>
         </p:nvSpPr>
         <p:spPr>
           <a:xfrm>
-            <a:off x="501525" y="1198225"/>
-            <a:ext cx="7979400" cy="2928000"/>
+            <a:off x="358300" y="2026200"/>
+            <a:ext cx="7954500" cy="1091100"/>
           </a:xfrm>
           <a:prstGeom prst="rect">
             <a:avLst/>
           </a:prstGeom>
         </p:spPr>
         <p:txBody>
-          <a:bodyPr anchorCtr="0" anchor="t" bIns="91425" lIns="91425" spcFirstLastPara="1" rIns="91425" wrap="square" tIns="91425">
+          <a:bodyPr anchorCtr="0" anchor="ctr" bIns="91425" lIns="91425" spcFirstLastPara="1" rIns="91425" wrap="square" tIns="91425">
             <a:noAutofit/>
           </a:bodyPr>
           <a:lstStyle/>
           <a:p>
             <a:pPr indent="0" lvl="0" marL="0" rtl="0" algn="l">
-              <a:lnSpc>
-                <a:spcPct val="115000"/>
-              </a:lnSpc>
-              <a:spcBef>
-                <a:spcPts val="300"/>
-              </a:spcBef>
-              <a:spcAft>
-                <a:spcPts val="0"/>
-              </a:spcAft>
-              <a:buNone/>
-            </a:pPr>
-            <a:r>
-              <a:t/>
-            </a:r>
-            <a:endParaRPr sz="2000">
-              <a:solidFill>
-                <a:srgbClr val="24292F"/>
-              </a:solidFill>
-              <a:highlight>
-                <a:srgbClr val="FFFFFF"/>
-              </a:highlight>
-            </a:endParaRPr>
-          </a:p>
-          <a:p>
-            <a:pPr indent="-355600" lvl="0" marL="457200" rtl="0" algn="l">
-              <a:spcBef>
-                <a:spcPts val="1200"/>
-              </a:spcBef>
-              <a:spcAft>
-                <a:spcPts val="0"/>
-              </a:spcAft>
-              <a:buClr>
-                <a:schemeClr val="dk2"/>
-              </a:buClr>
-              <a:buSzPts val="2000"/>
-              <a:buChar char="●"/>
-            </a:pPr>
-            <a:r>
-              <a:rPr lang="zh-CN" sz="2000"/>
-              <a:t>Where and when could the next California wildfire be?</a:t>
-            </a:r>
-            <a:endParaRPr sz="2000"/>
+              <a:spcBef>
+                <a:spcPts val="0"/>
+              </a:spcBef>
+              <a:spcAft>
+                <a:spcPts val="0"/>
+              </a:spcAft>
+              <a:buNone/>
+            </a:pPr>
+            <a:r>
+              <a:rPr b="1" lang="zh-CN" sz="4800"/>
+              <a:t>Technologies &amp;</a:t>
+            </a:r>
+            <a:endParaRPr b="1" sz="4800"/>
           </a:p>
           <a:p>
             <a:pPr indent="0" lvl="0" marL="0" rtl="0" algn="l">
@@ -10666,134 +9940,10 @@
               <a:buNone/>
             </a:pPr>
             <a:r>
-              <a:t/>
-            </a:r>
-            <a:endParaRPr sz="2000"/>
-          </a:p>
-          <a:p>
-            <a:pPr indent="-355600" lvl="0" marL="457200" rtl="0" algn="l">
-              <a:spcBef>
-                <a:spcPts val="0"/>
-              </a:spcBef>
-              <a:spcAft>
-                <a:spcPts val="0"/>
-              </a:spcAft>
-              <a:buClr>
-                <a:schemeClr val="dk2"/>
-              </a:buClr>
-              <a:buSzPts val="2000"/>
-              <a:buChar char="●"/>
-            </a:pPr>
-            <a:r>
-              <a:rPr lang="zh-CN" sz="2000"/>
-              <a:t>How does temperature play a role in fire season?</a:t>
-            </a:r>
-            <a:endParaRPr sz="2000"/>
-          </a:p>
-          <a:p>
-            <a:pPr indent="0" lvl="0" marL="457200" rtl="0" algn="l">
-              <a:spcBef>
-                <a:spcPts val="0"/>
-              </a:spcBef>
-              <a:spcAft>
-                <a:spcPts val="0"/>
-              </a:spcAft>
-              <a:buNone/>
-            </a:pPr>
-            <a:r>
-              <a:t/>
-            </a:r>
-            <a:endParaRPr sz="2000"/>
-          </a:p>
-          <a:p>
-            <a:pPr indent="-355600" lvl="0" marL="457200" rtl="0" algn="l">
-              <a:spcBef>
-                <a:spcPts val="0"/>
-              </a:spcBef>
-              <a:spcAft>
-                <a:spcPts val="0"/>
-              </a:spcAft>
-              <a:buClr>
-                <a:schemeClr val="dk2"/>
-              </a:buClr>
-              <a:buSzPts val="2000"/>
-              <a:buChar char="●"/>
-            </a:pPr>
-            <a:r>
-              <a:rPr lang="zh-CN" sz="2000"/>
-              <a:t>Are there specific counties that are more prone to wildfires?</a:t>
-            </a:r>
-            <a:endParaRPr sz="2000"/>
-          </a:p>
-          <a:p>
-            <a:pPr indent="0" lvl="0" marL="457200" rtl="0" algn="l">
-              <a:spcBef>
-                <a:spcPts val="0"/>
-              </a:spcBef>
-              <a:spcAft>
-                <a:spcPts val="0"/>
-              </a:spcAft>
-              <a:buClr>
-                <a:schemeClr val="dk1"/>
-              </a:buClr>
-              <a:buSzPts val="1100"/>
-              <a:buFont typeface="Arial"/>
-              <a:buNone/>
-            </a:pPr>
-            <a:r>
-              <a:t/>
-            </a:r>
-            <a:endParaRPr sz="2000"/>
-          </a:p>
-          <a:p>
-            <a:pPr indent="-355600" lvl="0" marL="457200" rtl="0" algn="l">
-              <a:spcBef>
-                <a:spcPts val="0"/>
-              </a:spcBef>
-              <a:spcAft>
-                <a:spcPts val="0"/>
-              </a:spcAft>
-              <a:buClr>
-                <a:schemeClr val="dk2"/>
-              </a:buClr>
-              <a:buSzPts val="2000"/>
-              <a:buChar char="●"/>
-            </a:pPr>
-            <a:r>
-              <a:rPr lang="zh-CN" sz="2000"/>
-              <a:t>What is the main factor to cause a wildfire?</a:t>
-            </a:r>
-            <a:endParaRPr sz="2000"/>
-          </a:p>
-          <a:p>
-            <a:pPr indent="0" lvl="0" marL="457200" rtl="0" algn="l">
-              <a:spcBef>
-                <a:spcPts val="0"/>
-              </a:spcBef>
-              <a:spcAft>
-                <a:spcPts val="0"/>
-              </a:spcAft>
-              <a:buNone/>
-            </a:pPr>
-            <a:r>
-              <a:t/>
-            </a:r>
-            <a:endParaRPr sz="2000"/>
-          </a:p>
-          <a:p>
-            <a:pPr indent="0" lvl="0" marL="457200" rtl="0" algn="l">
-              <a:spcBef>
-                <a:spcPts val="0"/>
-              </a:spcBef>
-              <a:spcAft>
-                <a:spcPts val="0"/>
-              </a:spcAft>
-              <a:buNone/>
-            </a:pPr>
-            <a:r>
-              <a:t/>
-            </a:r>
-            <a:endParaRPr sz="2000"/>
+              <a:rPr b="1" lang="zh-CN" sz="4800"/>
+              <a:t>Tools &amp;</a:t>
+            </a:r>
+            <a:endParaRPr b="1" sz="4800"/>
           </a:p>
           <a:p>
             <a:pPr indent="0" lvl="0" marL="0" rtl="0" algn="l">
@@ -10806,9 +9956,10 @@
               <a:buNone/>
             </a:pPr>
             <a:r>
-              <a:t/>
-            </a:r>
-            <a:endParaRPr/>
+              <a:rPr b="1" lang="zh-CN" sz="4800"/>
+              <a:t>Languages &amp;</a:t>
+            </a:r>
+            <a:endParaRPr b="1" sz="4800"/>
           </a:p>
           <a:p>
             <a:pPr indent="0" lvl="0" marL="0" rtl="0" algn="l">
@@ -10821,64 +9972,10 @@
               <a:buNone/>
             </a:pPr>
             <a:r>
-              <a:t/>
-            </a:r>
-            <a:endParaRPr/>
-          </a:p>
-        </p:txBody>
-      </p:sp>
-      <p:sp>
-        <p:nvSpPr>
-          <p:cNvPr id="77" name="Google Shape;77;p16"/>
-          <p:cNvSpPr txBox="1"/>
-          <p:nvPr/>
-        </p:nvSpPr>
-        <p:spPr>
-          <a:xfrm>
-            <a:off x="369625" y="206550"/>
-            <a:ext cx="6301500" cy="615600"/>
-          </a:xfrm>
-          <a:prstGeom prst="rect">
-            <a:avLst/>
-          </a:prstGeom>
-          <a:noFill/>
-          <a:ln>
-            <a:noFill/>
-          </a:ln>
-        </p:spPr>
-        <p:txBody>
-          <a:bodyPr anchorCtr="0" anchor="t" bIns="91425" lIns="91425" spcFirstLastPara="1" rIns="91425" wrap="square" tIns="91425">
-            <a:spAutoFit/>
-          </a:bodyPr>
-          <a:lstStyle/>
-          <a:p>
-            <a:pPr indent="0" lvl="0" marL="0" rtl="0" algn="l">
-              <a:spcBef>
-                <a:spcPts val="0"/>
-              </a:spcBef>
-              <a:spcAft>
-                <a:spcPts val="0"/>
-              </a:spcAft>
-              <a:buClr>
-                <a:schemeClr val="dk1"/>
-              </a:buClr>
-              <a:buSzPts val="1100"/>
-              <a:buFont typeface="Arial"/>
-              <a:buNone/>
-            </a:pPr>
-            <a:r>
-              <a:rPr b="1" lang="zh-CN" sz="2800">
-                <a:solidFill>
-                  <a:srgbClr val="F8F8F8"/>
-                </a:solidFill>
-              </a:rPr>
-              <a:t>Questions We Hope to Answer</a:t>
-            </a:r>
-            <a:endParaRPr b="1">
-              <a:solidFill>
-                <a:srgbClr val="F8F8F8"/>
-              </a:solidFill>
-            </a:endParaRPr>
+              <a:rPr b="1" lang="zh-CN" sz="4800"/>
+              <a:t>Algorithms Used</a:t>
+            </a:r>
+            <a:endParaRPr b="1" sz="4800"/>
           </a:p>
         </p:txBody>
       </p:sp>
@@ -10893,16 +9990,9 @@
 <file path=ppt/slides/slide5.xml><?xml version="1.0" encoding="utf-8"?>
 <p:sld xmlns:a="http://schemas.openxmlformats.org/drawingml/2006/main" xmlns:r="http://schemas.openxmlformats.org/officeDocument/2006/relationships" xmlns:mc="http://schemas.openxmlformats.org/markup-compatibility/2006" xmlns:mv="urn:schemas-microsoft-com:mac:vml" xmlns:p="http://schemas.openxmlformats.org/presentationml/2006/main" xmlns:c="http://schemas.openxmlformats.org/drawingml/2006/chart" xmlns:dgm="http://schemas.openxmlformats.org/drawingml/2006/diagram" xmlns:o="urn:schemas-microsoft-com:office:office" xmlns:v="urn:schemas-microsoft-com:vml" xmlns:pvml="urn:schemas-microsoft-com:office:powerpoint" xmlns:com="http://schemas.openxmlformats.org/drawingml/2006/compatibility" xmlns:p14="http://schemas.microsoft.com/office/powerpoint/2010/main" xmlns:p15="http://schemas.microsoft.com/office/powerpoint/2012/main" xmlns:ahyp="http://schemas.microsoft.com/office/drawing/2018/hyperlinkcolor">
   <p:cSld>
-    <p:bg>
-      <p:bgPr>
-        <a:solidFill>
-          <a:srgbClr val="F6B26B"/>
-        </a:solidFill>
-      </p:bgPr>
-    </p:bg>
     <p:spTree>
       <p:nvGrpSpPr>
-        <p:cNvPr id="81" name="Shape 81"/>
+        <p:cNvPr id="80" name="Shape 80"/>
         <p:cNvGrpSpPr/>
         <p:nvPr/>
       </p:nvGrpSpPr>
@@ -10914,16 +10004,23 @@
           <a:chExt cx="0" cy="0"/>
         </a:xfrm>
       </p:grpSpPr>
-      <p:sp>
-        <p:nvSpPr>
-          <p:cNvPr id="82" name="Google Shape;82;p17"/>
-          <p:cNvSpPr txBox="1"/>
+      <p:pic>
+        <p:nvPicPr>
+          <p:cNvPr id="81" name="Google Shape;81;p17"/>
+          <p:cNvPicPr preferRelativeResize="0"/>
           <p:nvPr/>
-        </p:nvSpPr>
-        <p:spPr>
-          <a:xfrm>
-            <a:off x="66200" y="-21475"/>
-            <a:ext cx="7369200" cy="615600"/>
+        </p:nvPicPr>
+        <p:blipFill rotWithShape="1">
+          <a:blip r:embed="rId3">
+            <a:alphaModFix/>
+          </a:blip>
+          <a:srcRect b="80000" l="0" r="0" t="0"/>
+          <a:stretch/>
+        </p:blipFill>
+        <p:spPr>
+          <a:xfrm>
+            <a:off x="0" y="1"/>
+            <a:ext cx="9147551" cy="1028699"/>
           </a:xfrm>
           <a:prstGeom prst="rect">
             <a:avLst/>
@@ -10933,9 +10030,27 @@
             <a:noFill/>
           </a:ln>
         </p:spPr>
+      </p:pic>
+      <p:sp>
+        <p:nvSpPr>
+          <p:cNvPr id="82" name="Google Shape;82;p17"/>
+          <p:cNvSpPr txBox="1"/>
+          <p:nvPr>
+            <p:ph idx="1" type="subTitle"/>
+          </p:nvPr>
+        </p:nvSpPr>
+        <p:spPr>
+          <a:xfrm>
+            <a:off x="226800" y="428650"/>
+            <a:ext cx="8690400" cy="3375300"/>
+          </a:xfrm>
+          <a:prstGeom prst="rect">
+            <a:avLst/>
+          </a:prstGeom>
+        </p:spPr>
         <p:txBody>
           <a:bodyPr anchorCtr="0" anchor="t" bIns="91425" lIns="91425" spcFirstLastPara="1" rIns="91425" wrap="square" tIns="91425">
-            <a:spAutoFit/>
+            <a:normAutofit/>
           </a:bodyPr>
           <a:lstStyle/>
           <a:p>
@@ -10956,11 +10071,108 @@
             <a:r>
               <a:t/>
             </a:r>
-            <a:endParaRPr sz="2800">
-              <a:solidFill>
-                <a:schemeClr val="lt2"/>
-              </a:solidFill>
-            </a:endParaRPr>
+            <a:endParaRPr/>
+          </a:p>
+          <a:p>
+            <a:pPr indent="0" lvl="0" marL="0" rtl="0" algn="l">
+              <a:spcBef>
+                <a:spcPts val="0"/>
+              </a:spcBef>
+              <a:spcAft>
+                <a:spcPts val="0"/>
+              </a:spcAft>
+              <a:buClr>
+                <a:schemeClr val="dk1"/>
+              </a:buClr>
+              <a:buSzPts val="1100"/>
+              <a:buFont typeface="Arial"/>
+              <a:buNone/>
+            </a:pPr>
+            <a:r>
+              <a:t/>
+            </a:r>
+            <a:endParaRPr/>
+          </a:p>
+          <a:p>
+            <a:pPr indent="-355600" lvl="0" marL="457200" rtl="0" algn="l">
+              <a:spcBef>
+                <a:spcPts val="0"/>
+              </a:spcBef>
+              <a:spcAft>
+                <a:spcPts val="0"/>
+              </a:spcAft>
+              <a:buSzPts val="2000"/>
+              <a:buChar char="●"/>
+            </a:pPr>
+            <a:r>
+              <a:rPr lang="zh-CN" sz="2000"/>
+              <a:t>Visual Studio, JavaScript, pgAdmin, PostgreSQL DB</a:t>
+            </a:r>
+            <a:endParaRPr sz="2000"/>
+          </a:p>
+          <a:p>
+            <a:pPr indent="0" lvl="0" marL="457200" rtl="0" algn="l">
+              <a:spcBef>
+                <a:spcPts val="0"/>
+              </a:spcBef>
+              <a:spcAft>
+                <a:spcPts val="0"/>
+              </a:spcAft>
+              <a:buNone/>
+            </a:pPr>
+            <a:r>
+              <a:t/>
+            </a:r>
+            <a:endParaRPr sz="2000"/>
+          </a:p>
+          <a:p>
+            <a:pPr indent="-355600" lvl="0" marL="457200" rtl="0" algn="l">
+              <a:spcBef>
+                <a:spcPts val="0"/>
+              </a:spcBef>
+              <a:spcAft>
+                <a:spcPts val="0"/>
+              </a:spcAft>
+              <a:buSzPts val="2000"/>
+              <a:buChar char="●"/>
+            </a:pPr>
+            <a:r>
+              <a:rPr lang="zh-CN" sz="2000"/>
+              <a:t>GitHub, Jupyter Notebook, Tableau</a:t>
+            </a:r>
+            <a:endParaRPr sz="2000"/>
+          </a:p>
+          <a:p>
+            <a:pPr indent="0" lvl="0" marL="457200" rtl="0" algn="l">
+              <a:spcBef>
+                <a:spcPts val="0"/>
+              </a:spcBef>
+              <a:spcAft>
+                <a:spcPts val="0"/>
+              </a:spcAft>
+              <a:buNone/>
+            </a:pPr>
+            <a:r>
+              <a:t/>
+            </a:r>
+            <a:endParaRPr sz="2000"/>
+          </a:p>
+          <a:p>
+            <a:pPr indent="-355600" lvl="0" marL="457200" rtl="0" algn="l">
+              <a:spcBef>
+                <a:spcPts val="0"/>
+              </a:spcBef>
+              <a:spcAft>
+                <a:spcPts val="0"/>
+              </a:spcAft>
+              <a:buSzPts val="2000"/>
+              <a:buChar char="●"/>
+            </a:pPr>
+            <a:r>
+              <a:rPr lang="zh-CN" sz="2000"/>
+              <a:t>Machine Learning - Dense Neural Network, 6 layers, CCE-Categorical Crossentropy Loss</a:t>
+            </a:r>
+            <a:endParaRPr sz="2000"/>
           </a:p>
         </p:txBody>
       </p:sp>
@@ -10968,22 +10180,24 @@
         <p:nvSpPr>
           <p:cNvPr id="83" name="Google Shape;83;p17"/>
           <p:cNvSpPr txBox="1"/>
-          <p:nvPr>
-            <p:ph type="ctrTitle"/>
-          </p:nvPr>
+          <p:nvPr/>
         </p:nvSpPr>
         <p:spPr>
           <a:xfrm>
-            <a:off x="358300" y="2026200"/>
-            <a:ext cx="7954500" cy="1091100"/>
+            <a:off x="369625" y="206550"/>
+            <a:ext cx="6301500" cy="615600"/>
           </a:xfrm>
           <a:prstGeom prst="rect">
             <a:avLst/>
           </a:prstGeom>
+          <a:noFill/>
+          <a:ln>
+            <a:noFill/>
+          </a:ln>
         </p:spPr>
         <p:txBody>
-          <a:bodyPr anchorCtr="0" anchor="ctr" bIns="91425" lIns="91425" spcFirstLastPara="1" rIns="91425" wrap="square" tIns="91425">
-            <a:noAutofit/>
+          <a:bodyPr anchorCtr="0" anchor="t" bIns="91425" lIns="91425" spcFirstLastPara="1" rIns="91425" wrap="square" tIns="91425">
+            <a:spAutoFit/>
           </a:bodyPr>
           <a:lstStyle/>
           <a:p>
@@ -10994,61 +10208,26 @@
               <a:spcAft>
                 <a:spcPts val="0"/>
               </a:spcAft>
-              <a:buNone/>
-            </a:pPr>
-            <a:r>
-              <a:rPr b="1" lang="zh-CN" sz="4800"/>
-              <a:t>Technologies &amp;</a:t>
-            </a:r>
-            <a:endParaRPr b="1" sz="4800"/>
-          </a:p>
-          <a:p>
-            <a:pPr indent="0" lvl="0" marL="0" rtl="0" algn="l">
-              <a:spcBef>
-                <a:spcPts val="0"/>
-              </a:spcBef>
-              <a:spcAft>
-                <a:spcPts val="0"/>
-              </a:spcAft>
-              <a:buNone/>
-            </a:pPr>
-            <a:r>
-              <a:rPr b="1" lang="zh-CN" sz="4800"/>
-              <a:t>Tools &amp;</a:t>
-            </a:r>
-            <a:endParaRPr b="1" sz="4800"/>
-          </a:p>
-          <a:p>
-            <a:pPr indent="0" lvl="0" marL="0" rtl="0" algn="l">
-              <a:spcBef>
-                <a:spcPts val="0"/>
-              </a:spcBef>
-              <a:spcAft>
-                <a:spcPts val="0"/>
-              </a:spcAft>
-              <a:buNone/>
-            </a:pPr>
-            <a:r>
-              <a:rPr b="1" lang="zh-CN" sz="4800"/>
-              <a:t>Languages &amp;</a:t>
-            </a:r>
-            <a:endParaRPr b="1" sz="4800"/>
-          </a:p>
-          <a:p>
-            <a:pPr indent="0" lvl="0" marL="0" rtl="0" algn="l">
-              <a:spcBef>
-                <a:spcPts val="0"/>
-              </a:spcBef>
-              <a:spcAft>
-                <a:spcPts val="0"/>
-              </a:spcAft>
-              <a:buNone/>
-            </a:pPr>
-            <a:r>
-              <a:rPr b="1" lang="zh-CN" sz="4800"/>
-              <a:t>Algorithms Used</a:t>
-            </a:r>
-            <a:endParaRPr b="1" sz="4800"/>
+              <a:buClr>
+                <a:schemeClr val="dk1"/>
+              </a:buClr>
+              <a:buSzPts val="1100"/>
+              <a:buFont typeface="Arial"/>
+              <a:buNone/>
+            </a:pPr>
+            <a:r>
+              <a:rPr b="1" lang="zh-CN" sz="2800">
+                <a:solidFill>
+                  <a:srgbClr val="F8F8F8"/>
+                </a:solidFill>
+              </a:rPr>
+              <a:t>Technologies &amp; Tools</a:t>
+            </a:r>
+            <a:endParaRPr b="1">
+              <a:solidFill>
+                <a:srgbClr val="F8F8F8"/>
+              </a:solidFill>
+            </a:endParaRPr>
           </a:p>
         </p:txBody>
       </p:sp>
@@ -11115,7 +10294,7 @@
         <p:spPr>
           <a:xfrm>
             <a:off x="226800" y="428650"/>
-            <a:ext cx="8690400" cy="3375300"/>
+            <a:ext cx="8441400" cy="4618500"/>
           </a:xfrm>
           <a:prstGeom prst="rect">
             <a:avLst/>
@@ -11179,12 +10358,29 @@
             </a:pPr>
             <a:r>
               <a:rPr lang="zh-CN" sz="2000"/>
-              <a:t>Visual Studio, JavaScript, PGAdmin, PostgreSQL DB</a:t>
+              <a:t>California Wildfires dataset from </a:t>
+            </a:r>
+            <a:r>
+              <a:rPr lang="zh-CN" sz="2000" u="sng">
+                <a:solidFill>
+                  <a:schemeClr val="hlink"/>
+                </a:solidFill>
+                <a:hlinkClick r:id="rId4"/>
+              </a:rPr>
+              <a:t>Cal Fire</a:t>
+            </a:r>
+            <a:r>
+              <a:rPr lang="zh-CN" sz="2000"/>
+              <a:t> </a:t>
+            </a:r>
+            <a:r>
+              <a:rPr lang="zh-CN" sz="2000"/>
+              <a:t>from Kaggle.com</a:t>
             </a:r>
             <a:endParaRPr sz="2000"/>
           </a:p>
           <a:p>
-            <a:pPr indent="0" lvl="0" marL="457200" rtl="0" algn="l">
+            <a:pPr indent="0" lvl="0" marL="0" rtl="0" algn="l">
               <a:spcBef>
                 <a:spcPts val="0"/>
               </a:spcBef>
@@ -11211,12 +10407,33 @@
             </a:pPr>
             <a:r>
               <a:rPr lang="zh-CN" sz="2000"/>
-              <a:t>GitHub, Jupyter Notebook, Tableau</a:t>
+              <a:t>California Counties Boundaries </a:t>
+            </a:r>
+            <a:r>
+              <a:rPr lang="zh-CN" sz="2000" u="sng">
+                <a:solidFill>
+                  <a:schemeClr val="hlink"/>
+                </a:solidFill>
+                <a:hlinkClick r:id="rId5"/>
+              </a:rPr>
+              <a:t>geoJSON file</a:t>
+            </a:r>
+            <a:r>
+              <a:rPr lang="zh-CN" sz="2000"/>
+              <a:t> from the CNRA</a:t>
+            </a:r>
+            <a:r>
+              <a:rPr lang="zh-CN" sz="2000"/>
+              <a:t> - </a:t>
+            </a:r>
+            <a:r>
+              <a:rPr lang="zh-CN" sz="2000"/>
+              <a:t>(California Natural Resources Agency)</a:t>
             </a:r>
             <a:endParaRPr sz="2000"/>
           </a:p>
           <a:p>
-            <a:pPr indent="0" lvl="0" marL="457200" rtl="0" algn="l">
+            <a:pPr indent="0" lvl="0" marL="0" rtl="0" algn="l">
               <a:spcBef>
                 <a:spcPts val="0"/>
               </a:spcBef>
@@ -11242,8 +10459,58 @@
               <a:buChar char="●"/>
             </a:pPr>
             <a:r>
+              <a:rPr lang="zh-CN" sz="2000" u="sng">
+                <a:solidFill>
+                  <a:schemeClr val="hlink"/>
+                </a:solidFill>
+                <a:hlinkClick r:id="rId6"/>
+              </a:rPr>
+              <a:t>Drought Data</a:t>
+            </a:r>
+            <a:r>
               <a:rPr lang="zh-CN" sz="2000"/>
-              <a:t>Machine Learning - Dense Neural Network, 6 layers, CCE-Categorical Crossentropy Loss</a:t>
+              <a:t> from the CNRA</a:t>
+            </a:r>
+            <a:endParaRPr sz="2000"/>
+          </a:p>
+          <a:p>
+            <a:pPr indent="0" lvl="0" marL="0" rtl="0" algn="l">
+              <a:spcBef>
+                <a:spcPts val="0"/>
+              </a:spcBef>
+              <a:spcAft>
+                <a:spcPts val="0"/>
+              </a:spcAft>
+              <a:buNone/>
+            </a:pPr>
+            <a:r>
+              <a:t/>
+            </a:r>
+            <a:endParaRPr sz="2000"/>
+          </a:p>
+          <a:p>
+            <a:pPr indent="-355600" lvl="0" marL="457200" rtl="0" algn="l">
+              <a:spcBef>
+                <a:spcPts val="0"/>
+              </a:spcBef>
+              <a:spcAft>
+                <a:spcPts val="0"/>
+              </a:spcAft>
+              <a:buSzPts val="2000"/>
+              <a:buChar char="●"/>
+            </a:pPr>
+            <a:r>
+              <a:rPr lang="zh-CN" sz="2000" u="sng">
+                <a:solidFill>
+                  <a:schemeClr val="hlink"/>
+                </a:solidFill>
+                <a:hlinkClick r:id="rId7"/>
+              </a:rPr>
+              <a:t>Statistical Weather and Climate Information</a:t>
+            </a:r>
+            <a:r>
+              <a:rPr lang="zh-CN" sz="2000"/>
+              <a:t> from the NOAA - (National Oceanic and Atmospheric Administration)</a:t>
             </a:r>
             <a:endParaRPr sz="2000"/>
           </a:p>
@@ -11294,7 +10561,7 @@
                   <a:srgbClr val="F8F8F8"/>
                 </a:solidFill>
               </a:rPr>
-              <a:t>Technologies &amp; Tools</a:t>
+              <a:t>Description of Source Data</a:t>
             </a:r>
             <a:endParaRPr b="1">
               <a:solidFill>
@@ -11315,6 +10582,13 @@
 <file path=ppt/slides/slide7.xml><?xml version="1.0" encoding="utf-8"?>
 <p:sld xmlns:a="http://schemas.openxmlformats.org/drawingml/2006/main" xmlns:r="http://schemas.openxmlformats.org/officeDocument/2006/relationships" xmlns:mc="http://schemas.openxmlformats.org/markup-compatibility/2006" xmlns:mv="urn:schemas-microsoft-com:mac:vml" xmlns:p="http://schemas.openxmlformats.org/presentationml/2006/main" xmlns:c="http://schemas.openxmlformats.org/drawingml/2006/chart" xmlns:dgm="http://schemas.openxmlformats.org/drawingml/2006/diagram" xmlns:o="urn:schemas-microsoft-com:office:office" xmlns:v="urn:schemas-microsoft-com:vml" xmlns:pvml="urn:schemas-microsoft-com:office:powerpoint" xmlns:com="http://schemas.openxmlformats.org/drawingml/2006/compatibility" xmlns:p14="http://schemas.microsoft.com/office/powerpoint/2010/main" xmlns:p15="http://schemas.microsoft.com/office/powerpoint/2012/main" xmlns:ahyp="http://schemas.microsoft.com/office/drawing/2018/hyperlinkcolor">
   <p:cSld>
+    <p:bg>
+      <p:bgPr>
+        <a:solidFill>
+          <a:srgbClr val="F6B26B"/>
+        </a:solidFill>
+      </p:bgPr>
+    </p:bg>
     <p:spTree>
       <p:nvGrpSpPr>
         <p:cNvPr id="94" name="Shape 94"/>
@@ -11329,23 +10603,16 @@
           <a:chExt cx="0" cy="0"/>
         </a:xfrm>
       </p:grpSpPr>
-      <p:pic>
-        <p:nvPicPr>
+      <p:sp>
+        <p:nvSpPr>
           <p:cNvPr id="95" name="Google Shape;95;p19"/>
-          <p:cNvPicPr preferRelativeResize="0"/>
+          <p:cNvSpPr txBox="1"/>
           <p:nvPr/>
-        </p:nvPicPr>
-        <p:blipFill rotWithShape="1">
-          <a:blip r:embed="rId3">
-            <a:alphaModFix/>
-          </a:blip>
-          <a:srcRect b="80000" l="0" r="0" t="0"/>
-          <a:stretch/>
-        </p:blipFill>
-        <p:spPr>
-          <a:xfrm>
-            <a:off x="0" y="1"/>
-            <a:ext cx="9147551" cy="1028699"/>
+        </p:nvSpPr>
+        <p:spPr>
+          <a:xfrm>
+            <a:off x="66200" y="-21475"/>
+            <a:ext cx="7369200" cy="615600"/>
           </a:xfrm>
           <a:prstGeom prst="rect">
             <a:avLst/>
@@ -11355,27 +10622,57 @@
             <a:noFill/>
           </a:ln>
         </p:spPr>
-      </p:pic>
+        <p:txBody>
+          <a:bodyPr anchorCtr="0" anchor="t" bIns="91425" lIns="91425" spcFirstLastPara="1" rIns="91425" wrap="square" tIns="91425">
+            <a:spAutoFit/>
+          </a:bodyPr>
+          <a:lstStyle/>
+          <a:p>
+            <a:pPr indent="0" lvl="0" marL="0" rtl="0" algn="l">
+              <a:spcBef>
+                <a:spcPts val="0"/>
+              </a:spcBef>
+              <a:spcAft>
+                <a:spcPts val="0"/>
+              </a:spcAft>
+              <a:buClr>
+                <a:schemeClr val="dk1"/>
+              </a:buClr>
+              <a:buSzPts val="1100"/>
+              <a:buFont typeface="Arial"/>
+              <a:buNone/>
+            </a:pPr>
+            <a:r>
+              <a:t/>
+            </a:r>
+            <a:endParaRPr sz="2800">
+              <a:solidFill>
+                <a:schemeClr val="lt2"/>
+              </a:solidFill>
+            </a:endParaRPr>
+          </a:p>
+        </p:txBody>
+      </p:sp>
       <p:sp>
         <p:nvSpPr>
           <p:cNvPr id="96" name="Google Shape;96;p19"/>
           <p:cNvSpPr txBox="1"/>
           <p:nvPr>
-            <p:ph idx="1" type="subTitle"/>
+            <p:ph type="ctrTitle"/>
           </p:nvPr>
         </p:nvSpPr>
         <p:spPr>
           <a:xfrm>
-            <a:off x="226800" y="428650"/>
-            <a:ext cx="8441400" cy="4618500"/>
+            <a:off x="358300" y="2026200"/>
+            <a:ext cx="7954500" cy="1091100"/>
           </a:xfrm>
           <a:prstGeom prst="rect">
             <a:avLst/>
           </a:prstGeom>
         </p:spPr>
         <p:txBody>
-          <a:bodyPr anchorCtr="0" anchor="t" bIns="91425" lIns="91425" spcFirstLastPara="1" rIns="91425" wrap="square" tIns="91425">
-            <a:normAutofit/>
+          <a:bodyPr anchorCtr="0" anchor="ctr" bIns="91425" lIns="91425" spcFirstLastPara="1" rIns="91425" wrap="square" tIns="91425">
+            <a:noAutofit/>
           </a:bodyPr>
           <a:lstStyle/>
           <a:p>
@@ -11386,261 +10683,13 @@
               <a:spcAft>
                 <a:spcPts val="0"/>
               </a:spcAft>
-              <a:buClr>
-                <a:schemeClr val="dk1"/>
-              </a:buClr>
-              <a:buSzPts val="1100"/>
-              <a:buFont typeface="Arial"/>
-              <a:buNone/>
-            </a:pPr>
-            <a:r>
-              <a:t/>
-            </a:r>
-            <a:endParaRPr/>
-          </a:p>
-          <a:p>
-            <a:pPr indent="0" lvl="0" marL="0" rtl="0" algn="l">
-              <a:spcBef>
-                <a:spcPts val="0"/>
-              </a:spcBef>
-              <a:spcAft>
-                <a:spcPts val="0"/>
-              </a:spcAft>
-              <a:buClr>
-                <a:schemeClr val="dk1"/>
-              </a:buClr>
-              <a:buSzPts val="1100"/>
-              <a:buFont typeface="Arial"/>
-              <a:buNone/>
-            </a:pPr>
-            <a:r>
-              <a:t/>
-            </a:r>
-            <a:endParaRPr/>
-          </a:p>
-          <a:p>
-            <a:pPr indent="-355600" lvl="0" marL="457200" rtl="0" algn="l">
-              <a:spcBef>
-                <a:spcPts val="0"/>
-              </a:spcBef>
-              <a:spcAft>
-                <a:spcPts val="0"/>
-              </a:spcAft>
-              <a:buSzPts val="2000"/>
-              <a:buChar char="●"/>
-            </a:pPr>
-            <a:r>
-              <a:rPr lang="zh-CN" sz="2000"/>
-              <a:t>California Wildfires dataset from </a:t>
-            </a:r>
-            <a:r>
-              <a:rPr lang="zh-CN" sz="2000" u="sng">
-                <a:solidFill>
-                  <a:schemeClr val="hlink"/>
-                </a:solidFill>
-                <a:hlinkClick r:id="rId4"/>
-              </a:rPr>
-              <a:t>Cal Fire</a:t>
-            </a:r>
-            <a:r>
-              <a:rPr lang="zh-CN" sz="2000"/>
-              <a:t> </a:t>
-            </a:r>
-            <a:r>
-              <a:rPr lang="zh-CN" sz="2000"/>
-              <a:t>from Kaggle.com</a:t>
-            </a:r>
-            <a:endParaRPr sz="2000"/>
-          </a:p>
-          <a:p>
-            <a:pPr indent="0" lvl="0" marL="0" rtl="0" algn="l">
-              <a:spcBef>
-                <a:spcPts val="0"/>
-              </a:spcBef>
-              <a:spcAft>
-                <a:spcPts val="0"/>
-              </a:spcAft>
-              <a:buNone/>
-            </a:pPr>
-            <a:r>
-              <a:t/>
-            </a:r>
-            <a:endParaRPr sz="2000"/>
-          </a:p>
-          <a:p>
-            <a:pPr indent="-355600" lvl="0" marL="457200" rtl="0" algn="l">
-              <a:spcBef>
-                <a:spcPts val="0"/>
-              </a:spcBef>
-              <a:spcAft>
-                <a:spcPts val="0"/>
-              </a:spcAft>
-              <a:buSzPts val="2000"/>
-              <a:buChar char="●"/>
-            </a:pPr>
-            <a:r>
-              <a:rPr lang="zh-CN" sz="2000"/>
-              <a:t>California Counties Boundares </a:t>
-            </a:r>
-            <a:r>
-              <a:rPr lang="zh-CN" sz="2000" u="sng">
-                <a:solidFill>
-                  <a:schemeClr val="hlink"/>
-                </a:solidFill>
-                <a:hlinkClick r:id="rId5"/>
-              </a:rPr>
-              <a:t>geoJSON file</a:t>
-            </a:r>
-            <a:r>
-              <a:rPr lang="zh-CN" sz="2000"/>
-              <a:t> from the CNRA</a:t>
-            </a:r>
-            <a:r>
-              <a:rPr lang="zh-CN" sz="2000"/>
-              <a:t> - </a:t>
-            </a:r>
-            <a:r>
-              <a:rPr lang="zh-CN" sz="2000"/>
-              <a:t>(California Natural Resources Agency)</a:t>
-            </a:r>
-            <a:endParaRPr sz="2000"/>
-          </a:p>
-          <a:p>
-            <a:pPr indent="0" lvl="0" marL="0" rtl="0" algn="l">
-              <a:spcBef>
-                <a:spcPts val="0"/>
-              </a:spcBef>
-              <a:spcAft>
-                <a:spcPts val="0"/>
-              </a:spcAft>
-              <a:buNone/>
-            </a:pPr>
-            <a:r>
-              <a:t/>
-            </a:r>
-            <a:endParaRPr sz="2000"/>
-          </a:p>
-          <a:p>
-            <a:pPr indent="-355600" lvl="0" marL="457200" rtl="0" algn="l">
-              <a:spcBef>
-                <a:spcPts val="0"/>
-              </a:spcBef>
-              <a:spcAft>
-                <a:spcPts val="0"/>
-              </a:spcAft>
-              <a:buSzPts val="2000"/>
-              <a:buChar char="●"/>
-            </a:pPr>
-            <a:r>
-              <a:rPr lang="zh-CN" sz="2000" u="sng">
-                <a:solidFill>
-                  <a:schemeClr val="hlink"/>
-                </a:solidFill>
-                <a:hlinkClick r:id="rId6"/>
-              </a:rPr>
-              <a:t>Drought Data</a:t>
-            </a:r>
-            <a:r>
-              <a:rPr lang="zh-CN" sz="2000"/>
-              <a:t> from the CNRA</a:t>
-            </a:r>
-            <a:endParaRPr sz="2000"/>
-          </a:p>
-          <a:p>
-            <a:pPr indent="0" lvl="0" marL="0" rtl="0" algn="l">
-              <a:spcBef>
-                <a:spcPts val="0"/>
-              </a:spcBef>
-              <a:spcAft>
-                <a:spcPts val="0"/>
-              </a:spcAft>
-              <a:buNone/>
-            </a:pPr>
-            <a:r>
-              <a:t/>
-            </a:r>
-            <a:endParaRPr sz="2000"/>
-          </a:p>
-          <a:p>
-            <a:pPr indent="-355600" lvl="0" marL="457200" rtl="0" algn="l">
-              <a:spcBef>
-                <a:spcPts val="0"/>
-              </a:spcBef>
-              <a:spcAft>
-                <a:spcPts val="0"/>
-              </a:spcAft>
-              <a:buSzPts val="2000"/>
-              <a:buChar char="●"/>
-            </a:pPr>
-            <a:r>
-              <a:rPr lang="zh-CN" sz="2000" u="sng">
-                <a:solidFill>
-                  <a:schemeClr val="hlink"/>
-                </a:solidFill>
-                <a:hlinkClick r:id="rId7"/>
-              </a:rPr>
-              <a:t>Statistical Weather and Climate Information</a:t>
-            </a:r>
-            <a:r>
-              <a:rPr lang="zh-CN" sz="2000"/>
-              <a:t> from the NOAA - (National Oceanic and Atmospheric Administration)</a:t>
-            </a:r>
-            <a:endParaRPr sz="2000"/>
-          </a:p>
-        </p:txBody>
-      </p:sp>
-      <p:sp>
-        <p:nvSpPr>
-          <p:cNvPr id="97" name="Google Shape;97;p19"/>
-          <p:cNvSpPr txBox="1"/>
-          <p:nvPr/>
-        </p:nvSpPr>
-        <p:spPr>
-          <a:xfrm>
-            <a:off x="369625" y="206550"/>
-            <a:ext cx="6301500" cy="615600"/>
-          </a:xfrm>
-          <a:prstGeom prst="rect">
-            <a:avLst/>
-          </a:prstGeom>
-          <a:noFill/>
-          <a:ln>
-            <a:noFill/>
-          </a:ln>
-        </p:spPr>
-        <p:txBody>
-          <a:bodyPr anchorCtr="0" anchor="t" bIns="91425" lIns="91425" spcFirstLastPara="1" rIns="91425" wrap="square" tIns="91425">
-            <a:spAutoFit/>
-          </a:bodyPr>
-          <a:lstStyle/>
-          <a:p>
-            <a:pPr indent="0" lvl="0" marL="0" rtl="0" algn="l">
-              <a:spcBef>
-                <a:spcPts val="0"/>
-              </a:spcBef>
-              <a:spcAft>
-                <a:spcPts val="0"/>
-              </a:spcAft>
-              <a:buClr>
-                <a:schemeClr val="dk1"/>
-              </a:buClr>
-              <a:buSzPts val="1100"/>
-              <a:buFont typeface="Arial"/>
-              <a:buNone/>
-            </a:pPr>
-            <a:r>
-              <a:rPr b="1" lang="zh-CN" sz="2800">
-                <a:solidFill>
-                  <a:srgbClr val="F8F8F8"/>
-                </a:solidFill>
-              </a:rPr>
-              <a:t>Description of Source Data</a:t>
-            </a:r>
-            <a:endParaRPr b="1">
-              <a:solidFill>
-                <a:srgbClr val="F8F8F8"/>
-              </a:solidFill>
-            </a:endParaRPr>
+              <a:buNone/>
+            </a:pPr>
+            <a:r>
+              <a:rPr b="1" lang="zh-CN" sz="4800"/>
+              <a:t>Data Exploration</a:t>
+            </a:r>
+            <a:endParaRPr b="1" sz="4800"/>
           </a:p>
         </p:txBody>
       </p:sp>
@@ -11655,131 +10704,9 @@
 <file path=ppt/slides/slide8.xml><?xml version="1.0" encoding="utf-8"?>
 <p:sld xmlns:a="http://schemas.openxmlformats.org/drawingml/2006/main" xmlns:r="http://schemas.openxmlformats.org/officeDocument/2006/relationships" xmlns:mc="http://schemas.openxmlformats.org/markup-compatibility/2006" xmlns:mv="urn:schemas-microsoft-com:mac:vml" xmlns:p="http://schemas.openxmlformats.org/presentationml/2006/main" xmlns:c="http://schemas.openxmlformats.org/drawingml/2006/chart" xmlns:dgm="http://schemas.openxmlformats.org/drawingml/2006/diagram" xmlns:o="urn:schemas-microsoft-com:office:office" xmlns:v="urn:schemas-microsoft-com:vml" xmlns:pvml="urn:schemas-microsoft-com:office:powerpoint" xmlns:com="http://schemas.openxmlformats.org/drawingml/2006/compatibility" xmlns:p14="http://schemas.microsoft.com/office/powerpoint/2010/main" xmlns:p15="http://schemas.microsoft.com/office/powerpoint/2012/main" xmlns:ahyp="http://schemas.microsoft.com/office/drawing/2018/hyperlinkcolor">
   <p:cSld>
-    <p:bg>
-      <p:bgPr>
-        <a:solidFill>
-          <a:srgbClr val="F6B26B"/>
-        </a:solidFill>
-      </p:bgPr>
-    </p:bg>
     <p:spTree>
       <p:nvGrpSpPr>
-        <p:cNvPr id="101" name="Shape 101"/>
-        <p:cNvGrpSpPr/>
-        <p:nvPr/>
-      </p:nvGrpSpPr>
-      <p:grpSpPr>
-        <a:xfrm>
-          <a:off x="0" y="0"/>
-          <a:ext cx="0" cy="0"/>
-          <a:chOff x="0" y="0"/>
-          <a:chExt cx="0" cy="0"/>
-        </a:xfrm>
-      </p:grpSpPr>
-      <p:sp>
-        <p:nvSpPr>
-          <p:cNvPr id="102" name="Google Shape;102;p20"/>
-          <p:cNvSpPr txBox="1"/>
-          <p:nvPr/>
-        </p:nvSpPr>
-        <p:spPr>
-          <a:xfrm>
-            <a:off x="66200" y="-21475"/>
-            <a:ext cx="7369200" cy="615600"/>
-          </a:xfrm>
-          <a:prstGeom prst="rect">
-            <a:avLst/>
-          </a:prstGeom>
-          <a:noFill/>
-          <a:ln>
-            <a:noFill/>
-          </a:ln>
-        </p:spPr>
-        <p:txBody>
-          <a:bodyPr anchorCtr="0" anchor="t" bIns="91425" lIns="91425" spcFirstLastPara="1" rIns="91425" wrap="square" tIns="91425">
-            <a:spAutoFit/>
-          </a:bodyPr>
-          <a:lstStyle/>
-          <a:p>
-            <a:pPr indent="0" lvl="0" marL="0" rtl="0" algn="l">
-              <a:spcBef>
-                <a:spcPts val="0"/>
-              </a:spcBef>
-              <a:spcAft>
-                <a:spcPts val="0"/>
-              </a:spcAft>
-              <a:buClr>
-                <a:schemeClr val="dk1"/>
-              </a:buClr>
-              <a:buSzPts val="1100"/>
-              <a:buFont typeface="Arial"/>
-              <a:buNone/>
-            </a:pPr>
-            <a:r>
-              <a:t/>
-            </a:r>
-            <a:endParaRPr sz="2800">
-              <a:solidFill>
-                <a:schemeClr val="lt2"/>
-              </a:solidFill>
-            </a:endParaRPr>
-          </a:p>
-        </p:txBody>
-      </p:sp>
-      <p:sp>
-        <p:nvSpPr>
-          <p:cNvPr id="103" name="Google Shape;103;p20"/>
-          <p:cNvSpPr txBox="1"/>
-          <p:nvPr>
-            <p:ph type="ctrTitle"/>
-          </p:nvPr>
-        </p:nvSpPr>
-        <p:spPr>
-          <a:xfrm>
-            <a:off x="358300" y="2026200"/>
-            <a:ext cx="7954500" cy="1091100"/>
-          </a:xfrm>
-          <a:prstGeom prst="rect">
-            <a:avLst/>
-          </a:prstGeom>
-        </p:spPr>
-        <p:txBody>
-          <a:bodyPr anchorCtr="0" anchor="ctr" bIns="91425" lIns="91425" spcFirstLastPara="1" rIns="91425" wrap="square" tIns="91425">
-            <a:noAutofit/>
-          </a:bodyPr>
-          <a:lstStyle/>
-          <a:p>
-            <a:pPr indent="0" lvl="0" marL="0" rtl="0" algn="l">
-              <a:spcBef>
-                <a:spcPts val="0"/>
-              </a:spcBef>
-              <a:spcAft>
-                <a:spcPts val="0"/>
-              </a:spcAft>
-              <a:buNone/>
-            </a:pPr>
-            <a:r>
-              <a:rPr b="1" lang="zh-CN" sz="4800"/>
-              <a:t>Data Exploration</a:t>
-            </a:r>
-            <a:endParaRPr b="1" sz="4800"/>
-          </a:p>
-        </p:txBody>
-      </p:sp>
-    </p:spTree>
-  </p:cSld>
-  <p:clrMapOvr>
-    <a:masterClrMapping/>
-  </p:clrMapOvr>
-</p:sld>
-</file>
-
-<file path=ppt/slides/slide9.xml><?xml version="1.0" encoding="utf-8"?>
-<p:sld xmlns:a="http://schemas.openxmlformats.org/drawingml/2006/main" xmlns:r="http://schemas.openxmlformats.org/officeDocument/2006/relationships" xmlns:mc="http://schemas.openxmlformats.org/markup-compatibility/2006" xmlns:mv="urn:schemas-microsoft-com:mac:vml" xmlns:p="http://schemas.openxmlformats.org/presentationml/2006/main" xmlns:c="http://schemas.openxmlformats.org/drawingml/2006/chart" xmlns:dgm="http://schemas.openxmlformats.org/drawingml/2006/diagram" xmlns:o="urn:schemas-microsoft-com:office:office" xmlns:v="urn:schemas-microsoft-com:vml" xmlns:pvml="urn:schemas-microsoft-com:office:powerpoint" xmlns:com="http://schemas.openxmlformats.org/drawingml/2006/compatibility" xmlns:p14="http://schemas.microsoft.com/office/powerpoint/2010/main" xmlns:p15="http://schemas.microsoft.com/office/powerpoint/2012/main" xmlns:ahyp="http://schemas.microsoft.com/office/drawing/2018/hyperlinkcolor">
-  <p:cSld>
-    <p:spTree>
-      <p:nvGrpSpPr>
-        <p:cNvPr id="107" name="Shape 107"/>
+        <p:cNvPr id="100" name="Shape 100"/>
         <p:cNvGrpSpPr/>
         <p:nvPr/>
       </p:nvGrpSpPr>
@@ -11793,7 +10720,7 @@
       </p:grpSpPr>
       <p:pic>
         <p:nvPicPr>
-          <p:cNvPr id="108" name="Google Shape;108;p21"/>
+          <p:cNvPr id="101" name="Google Shape;101;p20"/>
           <p:cNvPicPr preferRelativeResize="0"/>
           <p:nvPr/>
         </p:nvPicPr>
@@ -11820,7 +10747,7 @@
       </p:pic>
       <p:sp>
         <p:nvSpPr>
-          <p:cNvPr id="109" name="Google Shape;109;p21"/>
+          <p:cNvPr id="102" name="Google Shape;102;p20"/>
           <p:cNvSpPr txBox="1"/>
           <p:nvPr/>
         </p:nvSpPr>
@@ -11875,7 +10802,7 @@
       </p:sp>
       <p:sp>
         <p:nvSpPr>
-          <p:cNvPr id="110" name="Google Shape;110;p21"/>
+          <p:cNvPr id="103" name="Google Shape;103;p20"/>
           <p:cNvSpPr/>
           <p:nvPr/>
         </p:nvSpPr>
@@ -11931,7 +10858,7 @@
       </p:sp>
       <p:sp>
         <p:nvSpPr>
-          <p:cNvPr id="111" name="Google Shape;111;p21"/>
+          <p:cNvPr id="104" name="Google Shape;104;p20"/>
           <p:cNvSpPr/>
           <p:nvPr/>
         </p:nvSpPr>
@@ -11987,7 +10914,7 @@
       </p:sp>
       <p:sp>
         <p:nvSpPr>
-          <p:cNvPr id="112" name="Google Shape;112;p21"/>
+          <p:cNvPr id="105" name="Google Shape;105;p20"/>
           <p:cNvSpPr/>
           <p:nvPr/>
         </p:nvSpPr>
@@ -12035,7 +10962,7 @@
             </a:r>
             <a:r>
               <a:rPr i="1" lang="zh-CN"/>
-              <a:t>7</a:t>
+              <a:t>6</a:t>
             </a:r>
             <a:r>
               <a:rPr i="1" lang="zh-CN"/>
@@ -12047,7 +10974,7 @@
       </p:sp>
       <p:sp>
         <p:nvSpPr>
-          <p:cNvPr id="113" name="Google Shape;113;p21"/>
+          <p:cNvPr id="106" name="Google Shape;106;p20"/>
           <p:cNvSpPr/>
           <p:nvPr/>
         </p:nvSpPr>
@@ -12107,7 +11034,7 @@
       </p:sp>
       <p:sp>
         <p:nvSpPr>
-          <p:cNvPr id="114" name="Google Shape;114;p21"/>
+          <p:cNvPr id="107" name="Google Shape;107;p20"/>
           <p:cNvSpPr/>
           <p:nvPr/>
         </p:nvSpPr>
@@ -12155,7 +11082,7 @@
             </a:r>
             <a:r>
               <a:rPr lang="zh-CN"/>
-              <a:t> - </a:t>
+              <a:t> </a:t>
             </a:r>
             <a:endParaRPr/>
           </a:p>
@@ -12170,8 +11097,12 @@
               <a:buNone/>
             </a:pPr>
             <a:r>
+              <a:rPr lang="zh-CN"/>
+              <a:t>- </a:t>
+            </a:r>
+            <a:r>
               <a:rPr i="1" lang="zh-CN"/>
-              <a:t>13</a:t>
+              <a:t>10</a:t>
             </a:r>
             <a:r>
               <a:rPr i="1" lang="zh-CN"/>
@@ -12183,10 +11114,10 @@
       </p:sp>
       <p:cxnSp>
         <p:nvCxnSpPr>
-          <p:cNvPr id="115" name="Google Shape;115;p21"/>
+          <p:cNvPr id="108" name="Google Shape;108;p20"/>
           <p:cNvCxnSpPr>
-            <a:stCxn id="110" idx="3"/>
-            <a:endCxn id="112" idx="1"/>
+            <a:stCxn id="103" idx="3"/>
+            <a:endCxn id="105" idx="1"/>
           </p:cNvCxnSpPr>
           <p:nvPr/>
         </p:nvCxnSpPr>
@@ -12212,10 +11143,10 @@
       </p:cxnSp>
       <p:cxnSp>
         <p:nvCxnSpPr>
-          <p:cNvPr id="116" name="Google Shape;116;p21"/>
+          <p:cNvPr id="109" name="Google Shape;109;p20"/>
           <p:cNvCxnSpPr>
-            <a:stCxn id="111" idx="3"/>
-            <a:endCxn id="113" idx="1"/>
+            <a:stCxn id="104" idx="3"/>
+            <a:endCxn id="106" idx="1"/>
           </p:cNvCxnSpPr>
           <p:nvPr/>
         </p:nvCxnSpPr>
@@ -12241,10 +11172,10 @@
       </p:cxnSp>
       <p:cxnSp>
         <p:nvCxnSpPr>
-          <p:cNvPr id="117" name="Google Shape;117;p21"/>
+          <p:cNvPr id="110" name="Google Shape;110;p20"/>
           <p:cNvCxnSpPr>
-            <a:stCxn id="112" idx="3"/>
-            <a:endCxn id="114" idx="1"/>
+            <a:stCxn id="105" idx="3"/>
+            <a:endCxn id="107" idx="1"/>
           </p:cNvCxnSpPr>
           <p:nvPr/>
         </p:nvCxnSpPr>
@@ -12272,10 +11203,10 @@
       </p:cxnSp>
       <p:cxnSp>
         <p:nvCxnSpPr>
-          <p:cNvPr id="118" name="Google Shape;118;p21"/>
+          <p:cNvPr id="111" name="Google Shape;111;p20"/>
           <p:cNvCxnSpPr>
-            <a:stCxn id="113" idx="3"/>
-            <a:endCxn id="114" idx="1"/>
+            <a:stCxn id="106" idx="3"/>
+            <a:endCxn id="107" idx="1"/>
           </p:cNvCxnSpPr>
           <p:nvPr/>
         </p:nvCxnSpPr>
@@ -12309,7 +11240,1166 @@
 </p:sld>
 </file>
 
+<file path=ppt/slides/slide9.xml><?xml version="1.0" encoding="utf-8"?>
+<p:sld xmlns:a="http://schemas.openxmlformats.org/drawingml/2006/main" xmlns:r="http://schemas.openxmlformats.org/officeDocument/2006/relationships" xmlns:mc="http://schemas.openxmlformats.org/markup-compatibility/2006" xmlns:mv="urn:schemas-microsoft-com:mac:vml" xmlns:p="http://schemas.openxmlformats.org/presentationml/2006/main" xmlns:c="http://schemas.openxmlformats.org/drawingml/2006/chart" xmlns:dgm="http://schemas.openxmlformats.org/drawingml/2006/diagram" xmlns:o="urn:schemas-microsoft-com:office:office" xmlns:v="urn:schemas-microsoft-com:vml" xmlns:pvml="urn:schemas-microsoft-com:office:powerpoint" xmlns:com="http://schemas.openxmlformats.org/drawingml/2006/compatibility" xmlns:p14="http://schemas.microsoft.com/office/powerpoint/2010/main" xmlns:p15="http://schemas.microsoft.com/office/powerpoint/2012/main" xmlns:ahyp="http://schemas.microsoft.com/office/drawing/2018/hyperlinkcolor">
+  <p:cSld>
+    <p:spTree>
+      <p:nvGrpSpPr>
+        <p:cNvPr id="115" name="Shape 115"/>
+        <p:cNvGrpSpPr/>
+        <p:nvPr/>
+      </p:nvGrpSpPr>
+      <p:grpSpPr>
+        <a:xfrm>
+          <a:off x="0" y="0"/>
+          <a:ext cx="0" cy="0"/>
+          <a:chOff x="0" y="0"/>
+          <a:chExt cx="0" cy="0"/>
+        </a:xfrm>
+      </p:grpSpPr>
+      <p:pic>
+        <p:nvPicPr>
+          <p:cNvPr id="116" name="Google Shape;116;p21"/>
+          <p:cNvPicPr preferRelativeResize="0"/>
+          <p:nvPr/>
+        </p:nvPicPr>
+        <p:blipFill rotWithShape="1">
+          <a:blip r:embed="rId3">
+            <a:alphaModFix/>
+          </a:blip>
+          <a:srcRect b="80000" l="0" r="0" t="0"/>
+          <a:stretch/>
+        </p:blipFill>
+        <p:spPr>
+          <a:xfrm>
+            <a:off x="0" y="1"/>
+            <a:ext cx="9147551" cy="1028699"/>
+          </a:xfrm>
+          <a:prstGeom prst="rect">
+            <a:avLst/>
+          </a:prstGeom>
+          <a:noFill/>
+          <a:ln>
+            <a:noFill/>
+          </a:ln>
+        </p:spPr>
+      </p:pic>
+      <p:sp>
+        <p:nvSpPr>
+          <p:cNvPr id="117" name="Google Shape;117;p21"/>
+          <p:cNvSpPr/>
+          <p:nvPr/>
+        </p:nvSpPr>
+        <p:spPr>
+          <a:xfrm>
+            <a:off x="411100" y="1515600"/>
+            <a:ext cx="2407800" cy="1963800"/>
+          </a:xfrm>
+          <a:prstGeom prst="roundRect">
+            <a:avLst>
+              <a:gd fmla="val 16667" name="adj"/>
+            </a:avLst>
+          </a:prstGeom>
+          <a:solidFill>
+            <a:schemeClr val="lt2"/>
+          </a:solidFill>
+          <a:ln cap="flat" cmpd="sng" w="9525">
+            <a:solidFill>
+              <a:schemeClr val="dk2"/>
+            </a:solidFill>
+            <a:prstDash val="solid"/>
+            <a:round/>
+            <a:headEnd len="sm" w="sm" type="none"/>
+            <a:tailEnd len="sm" w="sm" type="none"/>
+          </a:ln>
+        </p:spPr>
+        <p:txBody>
+          <a:bodyPr anchorCtr="0" anchor="t" bIns="91425" lIns="91425" spcFirstLastPara="1" rIns="91425" wrap="square" tIns="91425">
+            <a:noAutofit/>
+          </a:bodyPr>
+          <a:lstStyle/>
+          <a:p>
+            <a:pPr indent="0" lvl="0" marL="0" rtl="0" algn="l">
+              <a:spcBef>
+                <a:spcPts val="0"/>
+              </a:spcBef>
+              <a:spcAft>
+                <a:spcPts val="0"/>
+              </a:spcAft>
+              <a:buNone/>
+            </a:pPr>
+            <a:r>
+              <a:rPr b="1" lang="zh-CN"/>
+              <a:t>California Wildfires (2013-2020) </a:t>
+            </a:r>
+            <a:r>
+              <a:rPr b="1" lang="zh-CN"/>
+              <a:t>dataset</a:t>
+            </a:r>
+            <a:endParaRPr b="1"/>
+          </a:p>
+          <a:p>
+            <a:pPr indent="-317500" lvl="0" marL="457200" rtl="0" algn="l">
+              <a:spcBef>
+                <a:spcPts val="0"/>
+              </a:spcBef>
+              <a:spcAft>
+                <a:spcPts val="0"/>
+              </a:spcAft>
+              <a:buSzPts val="1400"/>
+              <a:buChar char="-"/>
+            </a:pPr>
+            <a:r>
+              <a:rPr lang="zh-CN"/>
+              <a:t>AcresBurned</a:t>
+            </a:r>
+            <a:endParaRPr/>
+          </a:p>
+          <a:p>
+            <a:pPr indent="-317500" lvl="0" marL="457200" rtl="0" algn="l">
+              <a:spcBef>
+                <a:spcPts val="0"/>
+              </a:spcBef>
+              <a:spcAft>
+                <a:spcPts val="0"/>
+              </a:spcAft>
+              <a:buSzPts val="1400"/>
+              <a:buChar char="-"/>
+            </a:pPr>
+            <a:r>
+              <a:rPr lang="zh-CN"/>
+              <a:t>Counties</a:t>
+            </a:r>
+            <a:endParaRPr/>
+          </a:p>
+          <a:p>
+            <a:pPr indent="-317500" lvl="0" marL="457200" rtl="0" algn="l">
+              <a:spcBef>
+                <a:spcPts val="0"/>
+              </a:spcBef>
+              <a:spcAft>
+                <a:spcPts val="0"/>
+              </a:spcAft>
+              <a:buSzPts val="1400"/>
+              <a:buChar char="-"/>
+            </a:pPr>
+            <a:r>
+              <a:rPr lang="zh-CN"/>
+              <a:t>Latitude</a:t>
+            </a:r>
+            <a:endParaRPr/>
+          </a:p>
+          <a:p>
+            <a:pPr indent="-317500" lvl="0" marL="457200" rtl="0" algn="l">
+              <a:spcBef>
+                <a:spcPts val="0"/>
+              </a:spcBef>
+              <a:spcAft>
+                <a:spcPts val="0"/>
+              </a:spcAft>
+              <a:buSzPts val="1400"/>
+              <a:buChar char="-"/>
+            </a:pPr>
+            <a:r>
+              <a:rPr lang="zh-CN"/>
+              <a:t>Longitude</a:t>
+            </a:r>
+            <a:endParaRPr/>
+          </a:p>
+          <a:p>
+            <a:pPr indent="-317500" lvl="0" marL="457200" rtl="0" algn="l">
+              <a:spcBef>
+                <a:spcPts val="0"/>
+              </a:spcBef>
+              <a:spcAft>
+                <a:spcPts val="0"/>
+              </a:spcAft>
+              <a:buSzPts val="1400"/>
+              <a:buChar char="-"/>
+            </a:pPr>
+            <a:r>
+              <a:rPr lang="zh-CN"/>
+              <a:t>Month</a:t>
+            </a:r>
+            <a:endParaRPr/>
+          </a:p>
+          <a:p>
+            <a:pPr indent="-317500" lvl="0" marL="457200" rtl="0" algn="l">
+              <a:spcBef>
+                <a:spcPts val="0"/>
+              </a:spcBef>
+              <a:spcAft>
+                <a:spcPts val="0"/>
+              </a:spcAft>
+              <a:buSzPts val="1400"/>
+              <a:buChar char="-"/>
+            </a:pPr>
+            <a:r>
+              <a:rPr lang="zh-CN"/>
+              <a:t>Year</a:t>
+            </a:r>
+            <a:endParaRPr/>
+          </a:p>
+          <a:p>
+            <a:pPr indent="0" lvl="0" marL="0" rtl="0" algn="l">
+              <a:spcBef>
+                <a:spcPts val="0"/>
+              </a:spcBef>
+              <a:spcAft>
+                <a:spcPts val="0"/>
+              </a:spcAft>
+              <a:buNone/>
+            </a:pPr>
+            <a:r>
+              <a:t/>
+            </a:r>
+            <a:endParaRPr b="1"/>
+          </a:p>
+        </p:txBody>
+      </p:sp>
+      <p:sp>
+        <p:nvSpPr>
+          <p:cNvPr id="118" name="Google Shape;118;p21"/>
+          <p:cNvSpPr/>
+          <p:nvPr/>
+        </p:nvSpPr>
+        <p:spPr>
+          <a:xfrm>
+            <a:off x="3319400" y="1515600"/>
+            <a:ext cx="2407800" cy="1963800"/>
+          </a:xfrm>
+          <a:prstGeom prst="roundRect">
+            <a:avLst>
+              <a:gd fmla="val 16667" name="adj"/>
+            </a:avLst>
+          </a:prstGeom>
+          <a:solidFill>
+            <a:schemeClr val="lt2"/>
+          </a:solidFill>
+          <a:ln cap="flat" cmpd="sng" w="9525">
+            <a:solidFill>
+              <a:schemeClr val="dk2"/>
+            </a:solidFill>
+            <a:prstDash val="solid"/>
+            <a:round/>
+            <a:headEnd len="sm" w="sm" type="none"/>
+            <a:tailEnd len="sm" w="sm" type="none"/>
+          </a:ln>
+        </p:spPr>
+        <p:txBody>
+          <a:bodyPr anchorCtr="0" anchor="t" bIns="91425" lIns="91425" spcFirstLastPara="1" rIns="91425" wrap="square" tIns="91425">
+            <a:noAutofit/>
+          </a:bodyPr>
+          <a:lstStyle/>
+          <a:p>
+            <a:pPr indent="0" lvl="0" marL="0" rtl="0" algn="l">
+              <a:spcBef>
+                <a:spcPts val="0"/>
+              </a:spcBef>
+              <a:spcAft>
+                <a:spcPts val="0"/>
+              </a:spcAft>
+              <a:buNone/>
+            </a:pPr>
+            <a:r>
+              <a:rPr b="1" lang="zh-CN"/>
+              <a:t>California Rainfall dataset</a:t>
+            </a:r>
+            <a:endParaRPr b="1"/>
+          </a:p>
+          <a:p>
+            <a:pPr indent="-317500" lvl="0" marL="457200" rtl="0" algn="l">
+              <a:spcBef>
+                <a:spcPts val="0"/>
+              </a:spcBef>
+              <a:spcAft>
+                <a:spcPts val="0"/>
+              </a:spcAft>
+              <a:buSzPts val="1400"/>
+              <a:buChar char="-"/>
+            </a:pPr>
+            <a:r>
+              <a:rPr lang="zh-CN"/>
+              <a:t>Precipitation</a:t>
+            </a:r>
+            <a:endParaRPr/>
+          </a:p>
+          <a:p>
+            <a:pPr indent="-317500" lvl="0" marL="457200" rtl="0" algn="l">
+              <a:spcBef>
+                <a:spcPts val="0"/>
+              </a:spcBef>
+              <a:spcAft>
+                <a:spcPts val="0"/>
+              </a:spcAft>
+              <a:buSzPts val="1400"/>
+              <a:buChar char="-"/>
+            </a:pPr>
+            <a:r>
+              <a:rPr lang="zh-CN"/>
+              <a:t>Mean Temperature</a:t>
+            </a:r>
+            <a:endParaRPr/>
+          </a:p>
+          <a:p>
+            <a:pPr indent="-317500" lvl="0" marL="457200" rtl="0" algn="l">
+              <a:spcBef>
+                <a:spcPts val="0"/>
+              </a:spcBef>
+              <a:spcAft>
+                <a:spcPts val="0"/>
+              </a:spcAft>
+              <a:buSzPts val="1400"/>
+              <a:buChar char="-"/>
+            </a:pPr>
+            <a:r>
+              <a:rPr lang="zh-CN"/>
+              <a:t>Min Temperature</a:t>
+            </a:r>
+            <a:endParaRPr/>
+          </a:p>
+          <a:p>
+            <a:pPr indent="-317500" lvl="0" marL="457200" rtl="0" algn="l">
+              <a:spcBef>
+                <a:spcPts val="0"/>
+              </a:spcBef>
+              <a:spcAft>
+                <a:spcPts val="0"/>
+              </a:spcAft>
+              <a:buSzPts val="1400"/>
+              <a:buChar char="-"/>
+            </a:pPr>
+            <a:r>
+              <a:rPr lang="zh-CN"/>
+              <a:t>Max Temperature</a:t>
+            </a:r>
+            <a:endParaRPr/>
+          </a:p>
+        </p:txBody>
+      </p:sp>
+      <p:sp>
+        <p:nvSpPr>
+          <p:cNvPr id="119" name="Google Shape;119;p21"/>
+          <p:cNvSpPr txBox="1"/>
+          <p:nvPr/>
+        </p:nvSpPr>
+        <p:spPr>
+          <a:xfrm>
+            <a:off x="369625" y="206550"/>
+            <a:ext cx="6869100" cy="615600"/>
+          </a:xfrm>
+          <a:prstGeom prst="rect">
+            <a:avLst/>
+          </a:prstGeom>
+          <a:noFill/>
+          <a:ln>
+            <a:noFill/>
+          </a:ln>
+        </p:spPr>
+        <p:txBody>
+          <a:bodyPr anchorCtr="0" anchor="t" bIns="91425" lIns="91425" spcFirstLastPara="1" rIns="91425" wrap="square" tIns="91425">
+            <a:spAutoFit/>
+          </a:bodyPr>
+          <a:lstStyle/>
+          <a:p>
+            <a:pPr indent="0" lvl="0" marL="0" rtl="0" algn="l">
+              <a:spcBef>
+                <a:spcPts val="0"/>
+              </a:spcBef>
+              <a:spcAft>
+                <a:spcPts val="0"/>
+              </a:spcAft>
+              <a:buClr>
+                <a:schemeClr val="dk1"/>
+              </a:buClr>
+              <a:buSzPts val="1100"/>
+              <a:buFont typeface="Arial"/>
+              <a:buNone/>
+            </a:pPr>
+            <a:r>
+              <a:rPr b="1" lang="zh-CN" sz="2800">
+                <a:solidFill>
+                  <a:srgbClr val="F8F8F8"/>
+                </a:solidFill>
+              </a:rPr>
+              <a:t>Database Outline</a:t>
+            </a:r>
+            <a:endParaRPr b="1">
+              <a:solidFill>
+                <a:srgbClr val="F8F8F8"/>
+              </a:solidFill>
+            </a:endParaRPr>
+          </a:p>
+        </p:txBody>
+      </p:sp>
+      <p:sp>
+        <p:nvSpPr>
+          <p:cNvPr id="120" name="Google Shape;120;p21"/>
+          <p:cNvSpPr/>
+          <p:nvPr/>
+        </p:nvSpPr>
+        <p:spPr>
+          <a:xfrm>
+            <a:off x="6328650" y="1515600"/>
+            <a:ext cx="2407800" cy="2622000"/>
+          </a:xfrm>
+          <a:prstGeom prst="roundRect">
+            <a:avLst>
+              <a:gd fmla="val 16667" name="adj"/>
+            </a:avLst>
+          </a:prstGeom>
+          <a:solidFill>
+            <a:srgbClr val="A83604"/>
+          </a:solidFill>
+          <a:ln cap="flat" cmpd="sng" w="9525">
+            <a:solidFill>
+              <a:schemeClr val="dk2"/>
+            </a:solidFill>
+            <a:prstDash val="solid"/>
+            <a:round/>
+            <a:headEnd len="sm" w="sm" type="none"/>
+            <a:tailEnd len="sm" w="sm" type="none"/>
+          </a:ln>
+        </p:spPr>
+        <p:txBody>
+          <a:bodyPr anchorCtr="0" anchor="t" bIns="91425" lIns="91425" spcFirstLastPara="1" rIns="91425" wrap="square" tIns="91425">
+            <a:noAutofit/>
+          </a:bodyPr>
+          <a:lstStyle/>
+          <a:p>
+            <a:pPr indent="0" lvl="0" marL="0" rtl="0" algn="l">
+              <a:spcBef>
+                <a:spcPts val="0"/>
+              </a:spcBef>
+              <a:spcAft>
+                <a:spcPts val="0"/>
+              </a:spcAft>
+              <a:buNone/>
+            </a:pPr>
+            <a:r>
+              <a:rPr b="1" lang="zh-CN">
+                <a:solidFill>
+                  <a:srgbClr val="F8F8F8"/>
+                </a:solidFill>
+              </a:rPr>
+              <a:t>Combined </a:t>
+            </a:r>
+            <a:r>
+              <a:rPr b="1" lang="zh-CN">
+                <a:solidFill>
+                  <a:srgbClr val="F8F8F8"/>
+                </a:solidFill>
+              </a:rPr>
+              <a:t>dataset</a:t>
+            </a:r>
+            <a:endParaRPr b="1">
+              <a:solidFill>
+                <a:srgbClr val="F8F8F8"/>
+              </a:solidFill>
+            </a:endParaRPr>
+          </a:p>
+          <a:p>
+            <a:pPr indent="-317500" lvl="0" marL="457200" rtl="0" algn="l">
+              <a:spcBef>
+                <a:spcPts val="0"/>
+              </a:spcBef>
+              <a:spcAft>
+                <a:spcPts val="0"/>
+              </a:spcAft>
+              <a:buClr>
+                <a:srgbClr val="F8F8F8"/>
+              </a:buClr>
+              <a:buSzPts val="1400"/>
+              <a:buChar char="-"/>
+            </a:pPr>
+            <a:r>
+              <a:rPr lang="zh-CN">
+                <a:solidFill>
+                  <a:srgbClr val="F8F8F8"/>
+                </a:solidFill>
+              </a:rPr>
+              <a:t>AcresBurned</a:t>
+            </a:r>
+            <a:endParaRPr>
+              <a:solidFill>
+                <a:srgbClr val="F8F8F8"/>
+              </a:solidFill>
+            </a:endParaRPr>
+          </a:p>
+          <a:p>
+            <a:pPr indent="-317500" lvl="0" marL="457200" rtl="0" algn="l">
+              <a:spcBef>
+                <a:spcPts val="0"/>
+              </a:spcBef>
+              <a:spcAft>
+                <a:spcPts val="0"/>
+              </a:spcAft>
+              <a:buClr>
+                <a:srgbClr val="F8F8F8"/>
+              </a:buClr>
+              <a:buSzPts val="1400"/>
+              <a:buChar char="-"/>
+            </a:pPr>
+            <a:r>
+              <a:rPr lang="zh-CN">
+                <a:solidFill>
+                  <a:srgbClr val="F8F8F8"/>
+                </a:solidFill>
+              </a:rPr>
+              <a:t>Counties</a:t>
+            </a:r>
+            <a:endParaRPr>
+              <a:solidFill>
+                <a:srgbClr val="F8F8F8"/>
+              </a:solidFill>
+            </a:endParaRPr>
+          </a:p>
+          <a:p>
+            <a:pPr indent="-317500" lvl="0" marL="457200" rtl="0" algn="l">
+              <a:spcBef>
+                <a:spcPts val="0"/>
+              </a:spcBef>
+              <a:spcAft>
+                <a:spcPts val="0"/>
+              </a:spcAft>
+              <a:buClr>
+                <a:srgbClr val="F8F8F8"/>
+              </a:buClr>
+              <a:buSzPts val="1400"/>
+              <a:buChar char="-"/>
+            </a:pPr>
+            <a:r>
+              <a:rPr lang="zh-CN">
+                <a:solidFill>
+                  <a:srgbClr val="F8F8F8"/>
+                </a:solidFill>
+              </a:rPr>
+              <a:t>Latitude</a:t>
+            </a:r>
+            <a:endParaRPr>
+              <a:solidFill>
+                <a:srgbClr val="F8F8F8"/>
+              </a:solidFill>
+            </a:endParaRPr>
+          </a:p>
+          <a:p>
+            <a:pPr indent="-317500" lvl="0" marL="457200" rtl="0" algn="l">
+              <a:spcBef>
+                <a:spcPts val="0"/>
+              </a:spcBef>
+              <a:spcAft>
+                <a:spcPts val="0"/>
+              </a:spcAft>
+              <a:buClr>
+                <a:srgbClr val="F8F8F8"/>
+              </a:buClr>
+              <a:buSzPts val="1400"/>
+              <a:buChar char="-"/>
+            </a:pPr>
+            <a:r>
+              <a:rPr lang="zh-CN">
+                <a:solidFill>
+                  <a:srgbClr val="F8F8F8"/>
+                </a:solidFill>
+              </a:rPr>
+              <a:t>Longitude</a:t>
+            </a:r>
+            <a:endParaRPr>
+              <a:solidFill>
+                <a:srgbClr val="F8F8F8"/>
+              </a:solidFill>
+            </a:endParaRPr>
+          </a:p>
+          <a:p>
+            <a:pPr indent="-317500" lvl="0" marL="457200" rtl="0" algn="l">
+              <a:spcBef>
+                <a:spcPts val="0"/>
+              </a:spcBef>
+              <a:spcAft>
+                <a:spcPts val="0"/>
+              </a:spcAft>
+              <a:buClr>
+                <a:srgbClr val="F8F8F8"/>
+              </a:buClr>
+              <a:buSzPts val="1400"/>
+              <a:buChar char="-"/>
+            </a:pPr>
+            <a:r>
+              <a:rPr lang="zh-CN">
+                <a:solidFill>
+                  <a:srgbClr val="F8F8F8"/>
+                </a:solidFill>
+              </a:rPr>
+              <a:t>Month</a:t>
+            </a:r>
+            <a:endParaRPr>
+              <a:solidFill>
+                <a:srgbClr val="F8F8F8"/>
+              </a:solidFill>
+            </a:endParaRPr>
+          </a:p>
+          <a:p>
+            <a:pPr indent="-317500" lvl="0" marL="457200" rtl="0" algn="l">
+              <a:spcBef>
+                <a:spcPts val="0"/>
+              </a:spcBef>
+              <a:spcAft>
+                <a:spcPts val="0"/>
+              </a:spcAft>
+              <a:buClr>
+                <a:srgbClr val="F8F8F8"/>
+              </a:buClr>
+              <a:buSzPts val="1400"/>
+              <a:buChar char="-"/>
+            </a:pPr>
+            <a:r>
+              <a:rPr lang="zh-CN">
+                <a:solidFill>
+                  <a:srgbClr val="F8F8F8"/>
+                </a:solidFill>
+              </a:rPr>
+              <a:t>Year</a:t>
+            </a:r>
+            <a:endParaRPr>
+              <a:solidFill>
+                <a:srgbClr val="F8F8F8"/>
+              </a:solidFill>
+            </a:endParaRPr>
+          </a:p>
+          <a:p>
+            <a:pPr indent="-317500" lvl="0" marL="457200" rtl="0" algn="l">
+              <a:spcBef>
+                <a:spcPts val="0"/>
+              </a:spcBef>
+              <a:spcAft>
+                <a:spcPts val="0"/>
+              </a:spcAft>
+              <a:buClr>
+                <a:srgbClr val="F8F8F8"/>
+              </a:buClr>
+              <a:buSzPts val="1400"/>
+              <a:buChar char="-"/>
+            </a:pPr>
+            <a:r>
+              <a:rPr lang="zh-CN">
+                <a:solidFill>
+                  <a:srgbClr val="F8F8F8"/>
+                </a:solidFill>
+              </a:rPr>
+              <a:t>Precipitation</a:t>
+            </a:r>
+            <a:endParaRPr>
+              <a:solidFill>
+                <a:srgbClr val="F8F8F8"/>
+              </a:solidFill>
+            </a:endParaRPr>
+          </a:p>
+          <a:p>
+            <a:pPr indent="-317500" lvl="0" marL="457200" rtl="0" algn="l">
+              <a:spcBef>
+                <a:spcPts val="0"/>
+              </a:spcBef>
+              <a:spcAft>
+                <a:spcPts val="0"/>
+              </a:spcAft>
+              <a:buClr>
+                <a:srgbClr val="F8F8F8"/>
+              </a:buClr>
+              <a:buSzPts val="1400"/>
+              <a:buChar char="-"/>
+            </a:pPr>
+            <a:r>
+              <a:rPr lang="zh-CN">
+                <a:solidFill>
+                  <a:srgbClr val="F8F8F8"/>
+                </a:solidFill>
+              </a:rPr>
+              <a:t>Mean Temperature</a:t>
+            </a:r>
+            <a:endParaRPr>
+              <a:solidFill>
+                <a:srgbClr val="F8F8F8"/>
+              </a:solidFill>
+            </a:endParaRPr>
+          </a:p>
+          <a:p>
+            <a:pPr indent="-317500" lvl="0" marL="457200" rtl="0" algn="l">
+              <a:spcBef>
+                <a:spcPts val="0"/>
+              </a:spcBef>
+              <a:spcAft>
+                <a:spcPts val="0"/>
+              </a:spcAft>
+              <a:buClr>
+                <a:srgbClr val="F8F8F8"/>
+              </a:buClr>
+              <a:buSzPts val="1400"/>
+              <a:buChar char="-"/>
+            </a:pPr>
+            <a:r>
+              <a:rPr lang="zh-CN">
+                <a:solidFill>
+                  <a:srgbClr val="F8F8F8"/>
+                </a:solidFill>
+              </a:rPr>
+              <a:t>Min Temperature</a:t>
+            </a:r>
+            <a:endParaRPr>
+              <a:solidFill>
+                <a:srgbClr val="F8F8F8"/>
+              </a:solidFill>
+            </a:endParaRPr>
+          </a:p>
+          <a:p>
+            <a:pPr indent="-317500" lvl="0" marL="457200" rtl="0" algn="l">
+              <a:spcBef>
+                <a:spcPts val="0"/>
+              </a:spcBef>
+              <a:spcAft>
+                <a:spcPts val="0"/>
+              </a:spcAft>
+              <a:buClr>
+                <a:srgbClr val="F8F8F8"/>
+              </a:buClr>
+              <a:buSzPts val="1400"/>
+              <a:buChar char="-"/>
+            </a:pPr>
+            <a:r>
+              <a:rPr lang="zh-CN">
+                <a:solidFill>
+                  <a:srgbClr val="F8F8F8"/>
+                </a:solidFill>
+              </a:rPr>
+              <a:t>Max Temperature</a:t>
+            </a:r>
+            <a:endParaRPr b="1">
+              <a:solidFill>
+                <a:srgbClr val="F8F8F8"/>
+              </a:solidFill>
+            </a:endParaRPr>
+          </a:p>
+        </p:txBody>
+      </p:sp>
+      <p:sp>
+        <p:nvSpPr>
+          <p:cNvPr id="121" name="Google Shape;121;p21"/>
+          <p:cNvSpPr txBox="1"/>
+          <p:nvPr/>
+        </p:nvSpPr>
+        <p:spPr>
+          <a:xfrm>
+            <a:off x="2844138" y="2205000"/>
+            <a:ext cx="450000" cy="585000"/>
+          </a:xfrm>
+          <a:prstGeom prst="rect">
+            <a:avLst/>
+          </a:prstGeom>
+          <a:noFill/>
+          <a:ln>
+            <a:noFill/>
+          </a:ln>
+        </p:spPr>
+        <p:txBody>
+          <a:bodyPr anchorCtr="0" anchor="ctr" bIns="91425" lIns="91425" spcFirstLastPara="1" rIns="91425" wrap="square" tIns="91425">
+            <a:noAutofit/>
+          </a:bodyPr>
+          <a:lstStyle/>
+          <a:p>
+            <a:pPr indent="0" lvl="0" marL="0" rtl="0" algn="ctr">
+              <a:spcBef>
+                <a:spcPts val="0"/>
+              </a:spcBef>
+              <a:spcAft>
+                <a:spcPts val="0"/>
+              </a:spcAft>
+              <a:buNone/>
+            </a:pPr>
+            <a:r>
+              <a:rPr lang="zh-CN" sz="2600"/>
+              <a:t>+</a:t>
+            </a:r>
+            <a:endParaRPr sz="2600"/>
+          </a:p>
+        </p:txBody>
+      </p:sp>
+      <p:sp>
+        <p:nvSpPr>
+          <p:cNvPr id="122" name="Google Shape;122;p21"/>
+          <p:cNvSpPr txBox="1"/>
+          <p:nvPr/>
+        </p:nvSpPr>
+        <p:spPr>
+          <a:xfrm>
+            <a:off x="5802913" y="2205000"/>
+            <a:ext cx="450000" cy="585000"/>
+          </a:xfrm>
+          <a:prstGeom prst="rect">
+            <a:avLst/>
+          </a:prstGeom>
+          <a:noFill/>
+          <a:ln>
+            <a:noFill/>
+          </a:ln>
+        </p:spPr>
+        <p:txBody>
+          <a:bodyPr anchorCtr="0" anchor="ctr" bIns="91425" lIns="91425" spcFirstLastPara="1" rIns="91425" wrap="square" tIns="91425">
+            <a:noAutofit/>
+          </a:bodyPr>
+          <a:lstStyle/>
+          <a:p>
+            <a:pPr indent="0" lvl="0" marL="0" rtl="0" algn="ctr">
+              <a:spcBef>
+                <a:spcPts val="0"/>
+              </a:spcBef>
+              <a:spcAft>
+                <a:spcPts val="0"/>
+              </a:spcAft>
+              <a:buNone/>
+            </a:pPr>
+            <a:r>
+              <a:rPr lang="zh-CN" sz="2600"/>
+              <a:t>=</a:t>
+            </a:r>
+            <a:endParaRPr sz="2600"/>
+          </a:p>
+        </p:txBody>
+      </p:sp>
+      <p:sp>
+        <p:nvSpPr>
+          <p:cNvPr id="123" name="Google Shape;123;p21"/>
+          <p:cNvSpPr txBox="1"/>
+          <p:nvPr>
+            <p:ph idx="4294967295" type="subTitle"/>
+          </p:nvPr>
+        </p:nvSpPr>
+        <p:spPr>
+          <a:xfrm>
+            <a:off x="833725" y="3784750"/>
+            <a:ext cx="4657500" cy="585000"/>
+          </a:xfrm>
+          <a:prstGeom prst="rect">
+            <a:avLst/>
+          </a:prstGeom>
+        </p:spPr>
+        <p:txBody>
+          <a:bodyPr anchorCtr="0" anchor="ctr" bIns="91425" lIns="91425" spcFirstLastPara="1" rIns="91425" wrap="square" tIns="91425">
+            <a:noAutofit/>
+          </a:bodyPr>
+          <a:lstStyle/>
+          <a:p>
+            <a:pPr indent="0" lvl="0" marL="0" rtl="0" algn="ctr">
+              <a:spcBef>
+                <a:spcPts val="0"/>
+              </a:spcBef>
+              <a:spcAft>
+                <a:spcPts val="1200"/>
+              </a:spcAft>
+              <a:buNone/>
+            </a:pPr>
+            <a:r>
+              <a:rPr b="1" lang="zh-CN" sz="2100">
+                <a:solidFill>
+                  <a:srgbClr val="A61C00"/>
+                </a:solidFill>
+              </a:rPr>
+              <a:t>Issue ⇒ No primary or foreign keys</a:t>
+            </a:r>
+            <a:endParaRPr b="1" sz="2100">
+              <a:solidFill>
+                <a:srgbClr val="A61C00"/>
+              </a:solidFill>
+            </a:endParaRPr>
+          </a:p>
+        </p:txBody>
+      </p:sp>
+    </p:spTree>
+  </p:cSld>
+  <p:clrMapOvr>
+    <a:masterClrMapping/>
+  </p:clrMapOvr>
+</p:sld>
+</file>
+
 <file path=ppt/theme/theme1.xml><?xml version="1.0" encoding="utf-8"?>
+<a:theme xmlns:a="http://schemas.openxmlformats.org/drawingml/2006/main" xmlns:r="http://schemas.openxmlformats.org/officeDocument/2006/relationships">
+  <a:themeElements>
+    <a:clrScheme name="Default">
+      <a:dk1>
+        <a:srgbClr val="000000"/>
+      </a:dk1>
+      <a:lt1>
+        <a:srgbClr val="FFFFFF"/>
+      </a:lt1>
+      <a:dk2>
+        <a:srgbClr val="158158"/>
+      </a:dk2>
+      <a:lt2>
+        <a:srgbClr val="F3F3F3"/>
+      </a:lt2>
+      <a:accent1>
+        <a:srgbClr val="058DC7"/>
+      </a:accent1>
+      <a:accent2>
+        <a:srgbClr val="50B432"/>
+      </a:accent2>
+      <a:accent3>
+        <a:srgbClr val="ED561B"/>
+      </a:accent3>
+      <a:accent4>
+        <a:srgbClr val="EDEF00"/>
+      </a:accent4>
+      <a:accent5>
+        <a:srgbClr val="24CBE5"/>
+      </a:accent5>
+      <a:accent6>
+        <a:srgbClr val="64E572"/>
+      </a:accent6>
+      <a:hlink>
+        <a:srgbClr val="2200CC"/>
+      </a:hlink>
+      <a:folHlink>
+        <a:srgbClr val="551A8B"/>
+      </a:folHlink>
+    </a:clrScheme>
+    <a:fontScheme name="Office">
+      <a:majorFont>
+        <a:latin typeface="Arial"/>
+        <a:ea typeface=""/>
+        <a:cs typeface=""/>
+        <a:font script="Jpan" typeface="ＭＳ Ｐゴシック"/>
+        <a:font script="Hang" typeface="맑은 고딕"/>
+        <a:font script="Hans" typeface="宋体"/>
+        <a:font script="Hant" typeface="新細明體"/>
+        <a:font script="Arab" typeface="Times New Roman"/>
+        <a:font script="Hebr" typeface="Times New Roman"/>
+        <a:font script="Thai" typeface="Angsana New"/>
+        <a:font script="Ethi" typeface="Nyala"/>
+        <a:font script="Beng" typeface="Vrinda"/>
+        <a:font script="Gujr" typeface="Shruti"/>
+        <a:font script="Khmr" typeface="MoolBoran"/>
+        <a:font script="Knda" typeface="Tunga"/>
+        <a:font script="Guru" typeface="Raavi"/>
+        <a:font script="Cans" typeface="Euphemia"/>
+        <a:font script="Cher" typeface="Plantagenet Cherokee"/>
+        <a:font script="Yiii" typeface="Microsoft Yi Baiti"/>
+        <a:font script="Tibt" typeface="Microsoft Himalaya"/>
+        <a:font script="Thaa" typeface="MV Boli"/>
+        <a:font script="Deva" typeface="Mangal"/>
+        <a:font script="Telu" typeface="Gautami"/>
+        <a:font script="Taml" typeface="Latha"/>
+        <a:font script="Syrc" typeface="Estrangelo Edessa"/>
+        <a:font script="Orya" typeface="Kalinga"/>
+        <a:font script="Mlym" typeface="Kartika"/>
+        <a:font script="Laoo" typeface="DokChampa"/>
+        <a:font script="Sinh" typeface="Iskoola Pota"/>
+        <a:font script="Mong" typeface="Mongolian Baiti"/>
+        <a:font script="Viet" typeface="Times New Roman"/>
+        <a:font script="Uigh" typeface="Microsoft Uighur"/>
+        <a:font script="Geor" typeface="Sylfaen"/>
+      </a:majorFont>
+      <a:minorFont>
+        <a:latin typeface="Arial"/>
+        <a:ea typeface=""/>
+        <a:cs typeface=""/>
+        <a:font script="Jpan" typeface="ＭＳ Ｐゴシック"/>
+        <a:font script="Hang" typeface="맑은 고딕"/>
+        <a:font script="Hans" typeface="宋体"/>
+        <a:font script="Hant" typeface="新細明體"/>
+        <a:font script="Arab" typeface="Arial"/>
+        <a:font script="Hebr" typeface="Arial"/>
+        <a:font script="Thai" typeface="Cordia New"/>
+        <a:font script="Ethi" typeface="Nyala"/>
+        <a:font script="Beng" typeface="Vrinda"/>
+        <a:font script="Gujr" typeface="Shruti"/>
+        <a:font script="Khmr" typeface="DaunPenh"/>
+        <a:font script="Knda" typeface="Tunga"/>
+        <a:font script="Guru" typeface="Raavi"/>
+        <a:font script="Cans" typeface="Euphemia"/>
+        <a:font script="Cher" typeface="Plantagenet Cherokee"/>
+        <a:font script="Yiii" typeface="Microsoft Yi Baiti"/>
+        <a:font script="Tibt" typeface="Microsoft Himalaya"/>
+        <a:font script="Thaa" typeface="MV Boli"/>
+        <a:font script="Deva" typeface="Mangal"/>
+        <a:font script="Telu" typeface="Gautami"/>
+        <a:font script="Taml" typeface="Latha"/>
+        <a:font script="Syrc" typeface="Estrangelo Edessa"/>
+        <a:font script="Orya" typeface="Kalinga"/>
+        <a:font script="Mlym" typeface="Kartika"/>
+        <a:font script="Laoo" typeface="DokChampa"/>
+        <a:font script="Sinh" typeface="Iskoola Pota"/>
+        <a:font script="Mong" typeface="Mongolian Baiti"/>
+        <a:font script="Viet" typeface="Arial"/>
+        <a:font script="Uigh" typeface="Microsoft Uighur"/>
+        <a:font script="Geor" typeface="Sylfaen"/>
+      </a:minorFont>
+    </a:fontScheme>
+    <a:fmtScheme name="Office">
+      <a:fillStyleLst>
+        <a:solidFill>
+          <a:schemeClr val="phClr"/>
+        </a:solidFill>
+        <a:gradFill rotWithShape="1">
+          <a:gsLst>
+            <a:gs pos="0">
+              <a:schemeClr val="phClr">
+                <a:tint val="50000"/>
+                <a:satMod val="300000"/>
+              </a:schemeClr>
+            </a:gs>
+            <a:gs pos="35000">
+              <a:schemeClr val="phClr">
+                <a:tint val="37000"/>
+                <a:satMod val="300000"/>
+              </a:schemeClr>
+            </a:gs>
+            <a:gs pos="100000">
+              <a:schemeClr val="phClr">
+                <a:tint val="15000"/>
+                <a:satMod val="350000"/>
+              </a:schemeClr>
+            </a:gs>
+          </a:gsLst>
+          <a:lin ang="16200000" scaled="1"/>
+        </a:gradFill>
+        <a:gradFill rotWithShape="1">
+          <a:gsLst>
+            <a:gs pos="0">
+              <a:schemeClr val="phClr">
+                <a:tint val="100000"/>
+                <a:shade val="100000"/>
+                <a:satMod val="130000"/>
+              </a:schemeClr>
+            </a:gs>
+            <a:gs pos="100000">
+              <a:schemeClr val="phClr">
+                <a:tint val="50000"/>
+                <a:shade val="100000"/>
+                <a:satMod val="350000"/>
+              </a:schemeClr>
+            </a:gs>
+          </a:gsLst>
+          <a:lin ang="16200000" scaled="0"/>
+        </a:gradFill>
+      </a:fillStyleLst>
+      <a:lnStyleLst>
+        <a:ln w="9525" cap="flat" cmpd="sng" algn="ctr">
+          <a:solidFill>
+            <a:schemeClr val="phClr">
+              <a:shade val="95000"/>
+              <a:satMod val="105000"/>
+            </a:schemeClr>
+          </a:solidFill>
+          <a:prstDash val="solid"/>
+        </a:ln>
+        <a:ln w="25400" cap="flat" cmpd="sng" algn="ctr">
+          <a:solidFill>
+            <a:schemeClr val="phClr"/>
+          </a:solidFill>
+          <a:prstDash val="solid"/>
+        </a:ln>
+        <a:ln w="38100" cap="flat" cmpd="sng" algn="ctr">
+          <a:solidFill>
+            <a:schemeClr val="phClr"/>
+          </a:solidFill>
+          <a:prstDash val="solid"/>
+        </a:ln>
+      </a:lnStyleLst>
+      <a:effectStyleLst>
+        <a:effectStyle>
+          <a:effectLst>
+            <a:outerShdw blurRad="40000" dist="20000" dir="5400000" rotWithShape="0">
+              <a:srgbClr val="000000">
+                <a:alpha val="38000"/>
+              </a:srgbClr>
+            </a:outerShdw>
+          </a:effectLst>
+        </a:effectStyle>
+        <a:effectStyle>
+          <a:effectLst>
+            <a:outerShdw blurRad="40000" dist="23000" dir="5400000" rotWithShape="0">
+              <a:srgbClr val="000000">
+                <a:alpha val="35000"/>
+              </a:srgbClr>
+            </a:outerShdw>
+          </a:effectLst>
+        </a:effectStyle>
+        <a:effectStyle>
+          <a:effectLst>
+            <a:outerShdw blurRad="40000" dist="23000" dir="5400000" rotWithShape="0">
+              <a:srgbClr val="000000">
+                <a:alpha val="35000"/>
+              </a:srgbClr>
+            </a:outerShdw>
+          </a:effectLst>
+          <a:scene3d>
+            <a:camera prst="orthographicFront">
+              <a:rot lat="0" lon="0" rev="0"/>
+            </a:camera>
+            <a:lightRig rig="threePt" dir="t">
+              <a:rot lat="0" lon="0" rev="1200000"/>
+            </a:lightRig>
+          </a:scene3d>
+          <a:sp3d>
+            <a:bevelT w="63500" h="25400"/>
+          </a:sp3d>
+        </a:effectStyle>
+      </a:effectStyleLst>
+      <a:bgFillStyleLst>
+        <a:solidFill>
+          <a:schemeClr val="phClr"/>
+        </a:solidFill>
+        <a:gradFill rotWithShape="1">
+          <a:gsLst>
+            <a:gs pos="0">
+              <a:schemeClr val="phClr">
+                <a:tint val="40000"/>
+                <a:satMod val="350000"/>
+              </a:schemeClr>
+            </a:gs>
+            <a:gs pos="40000">
+              <a:schemeClr val="phClr">
+                <a:tint val="45000"/>
+                <a:shade val="99000"/>
+                <a:satMod val="350000"/>
+              </a:schemeClr>
+            </a:gs>
+            <a:gs pos="100000">
+              <a:schemeClr val="phClr">
+                <a:shade val="20000"/>
+                <a:satMod val="255000"/>
+              </a:schemeClr>
+            </a:gs>
+          </a:gsLst>
+          <a:path path="circle">
+            <a:fillToRect l="50000" t="-80000" r="50000" b="180000"/>
+          </a:path>
+        </a:gradFill>
+        <a:gradFill rotWithShape="1">
+          <a:gsLst>
+            <a:gs pos="0">
+              <a:schemeClr val="phClr">
+                <a:tint val="80000"/>
+                <a:satMod val="300000"/>
+              </a:schemeClr>
+            </a:gs>
+            <a:gs pos="100000">
+              <a:schemeClr val="phClr">
+                <a:shade val="30000"/>
+                <a:satMod val="200000"/>
+              </a:schemeClr>
+            </a:gs>
+          </a:gsLst>
+          <a:path path="circle">
+            <a:fillToRect l="50000" t="50000" r="50000" b="50000"/>
+          </a:path>
+        </a:gradFill>
+      </a:bgFillStyleLst>
+    </a:fmtScheme>
+  </a:themeElements>
+</a:theme>
+</file>
+
+<file path=ppt/theme/theme2.xml><?xml version="1.0" encoding="utf-8"?>
 <a:theme xmlns:a="http://schemas.openxmlformats.org/drawingml/2006/main" xmlns:r="http://schemas.openxmlformats.org/officeDocument/2006/relationships" name="Simple Light">
   <a:themeElements>
     <a:clrScheme name="Simple Light">
@@ -12586,283 +12676,4 @@
     </a:fmtScheme>
   </a:themeElements>
 </a:theme>
-</file>
-
-<file path=ppt/theme/theme2.xml><?xml version="1.0" encoding="utf-8"?>
-<a:theme xmlns:a="http://schemas.openxmlformats.org/drawingml/2006/main" xmlns:r="http://schemas.openxmlformats.org/officeDocument/2006/relationships">
-  <a:themeElements>
-    <a:clrScheme name="Default">
-      <a:dk1>
-        <a:srgbClr val="000000"/>
-      </a:dk1>
-      <a:lt1>
-        <a:srgbClr val="FFFFFF"/>
-      </a:lt1>
-      <a:dk2>
-        <a:srgbClr val="158158"/>
-      </a:dk2>
-      <a:lt2>
-        <a:srgbClr val="F3F3F3"/>
-      </a:lt2>
-      <a:accent1>
-        <a:srgbClr val="058DC7"/>
-      </a:accent1>
-      <a:accent2>
-        <a:srgbClr val="50B432"/>
-      </a:accent2>
-      <a:accent3>
-        <a:srgbClr val="ED561B"/>
-      </a:accent3>
-      <a:accent4>
-        <a:srgbClr val="EDEF00"/>
-      </a:accent4>
-      <a:accent5>
-        <a:srgbClr val="24CBE5"/>
-      </a:accent5>
-      <a:accent6>
-        <a:srgbClr val="64E572"/>
-      </a:accent6>
-      <a:hlink>
-        <a:srgbClr val="2200CC"/>
-      </a:hlink>
-      <a:folHlink>
-        <a:srgbClr val="551A8B"/>
-      </a:folHlink>
-    </a:clrScheme>
-    <a:fontScheme name="Office">
-      <a:majorFont>
-        <a:latin typeface="Arial"/>
-        <a:ea typeface=""/>
-        <a:cs typeface=""/>
-        <a:font script="Jpan" typeface="ＭＳ Ｐゴシック"/>
-        <a:font script="Hang" typeface="맑은 고딕"/>
-        <a:font script="Hans" typeface="宋体"/>
-        <a:font script="Hant" typeface="新細明體"/>
-        <a:font script="Arab" typeface="Times New Roman"/>
-        <a:font script="Hebr" typeface="Times New Roman"/>
-        <a:font script="Thai" typeface="Angsana New"/>
-        <a:font script="Ethi" typeface="Nyala"/>
-        <a:font script="Beng" typeface="Vrinda"/>
-        <a:font script="Gujr" typeface="Shruti"/>
-        <a:font script="Khmr" typeface="MoolBoran"/>
-        <a:font script="Knda" typeface="Tunga"/>
-        <a:font script="Guru" typeface="Raavi"/>
-        <a:font script="Cans" typeface="Euphemia"/>
-        <a:font script="Cher" typeface="Plantagenet Cherokee"/>
-        <a:font script="Yiii" typeface="Microsoft Yi Baiti"/>
-        <a:font script="Tibt" typeface="Microsoft Himalaya"/>
-        <a:font script="Thaa" typeface="MV Boli"/>
-        <a:font script="Deva" typeface="Mangal"/>
-        <a:font script="Telu" typeface="Gautami"/>
-        <a:font script="Taml" typeface="Latha"/>
-        <a:font script="Syrc" typeface="Estrangelo Edessa"/>
-        <a:font script="Orya" typeface="Kalinga"/>
-        <a:font script="Mlym" typeface="Kartika"/>
-        <a:font script="Laoo" typeface="DokChampa"/>
-        <a:font script="Sinh" typeface="Iskoola Pota"/>
-        <a:font script="Mong" typeface="Mongolian Baiti"/>
-        <a:font script="Viet" typeface="Times New Roman"/>
-        <a:font script="Uigh" typeface="Microsoft Uighur"/>
-        <a:font script="Geor" typeface="Sylfaen"/>
-      </a:majorFont>
-      <a:minorFont>
-        <a:latin typeface="Arial"/>
-        <a:ea typeface=""/>
-        <a:cs typeface=""/>
-        <a:font script="Jpan" typeface="ＭＳ Ｐゴシック"/>
-        <a:font script="Hang" typeface="맑은 고딕"/>
-        <a:font script="Hans" typeface="宋体"/>
-        <a:font script="Hant" typeface="新細明體"/>
-        <a:font script="Arab" typeface="Arial"/>
-        <a:font script="Hebr" typeface="Arial"/>
-        <a:font script="Thai" typeface="Cordia New"/>
-        <a:font script="Ethi" typeface="Nyala"/>
-        <a:font script="Beng" typeface="Vrinda"/>
-        <a:font script="Gujr" typeface="Shruti"/>
-        <a:font script="Khmr" typeface="DaunPenh"/>
-        <a:font script="Knda" typeface="Tunga"/>
-        <a:font script="Guru" typeface="Raavi"/>
-        <a:font script="Cans" typeface="Euphemia"/>
-        <a:font script="Cher" typeface="Plantagenet Cherokee"/>
-        <a:font script="Yiii" typeface="Microsoft Yi Baiti"/>
-        <a:font script="Tibt" typeface="Microsoft Himalaya"/>
-        <a:font script="Thaa" typeface="MV Boli"/>
-        <a:font script="Deva" typeface="Mangal"/>
-        <a:font script="Telu" typeface="Gautami"/>
-        <a:font script="Taml" typeface="Latha"/>
-        <a:font script="Syrc" typeface="Estrangelo Edessa"/>
-        <a:font script="Orya" typeface="Kalinga"/>
-        <a:font script="Mlym" typeface="Kartika"/>
-        <a:font script="Laoo" typeface="DokChampa"/>
-        <a:font script="Sinh" typeface="Iskoola Pota"/>
-        <a:font script="Mong" typeface="Mongolian Baiti"/>
-        <a:font script="Viet" typeface="Arial"/>
-        <a:font script="Uigh" typeface="Microsoft Uighur"/>
-        <a:font script="Geor" typeface="Sylfaen"/>
-      </a:minorFont>
-    </a:fontScheme>
-    <a:fmtScheme name="Office">
-      <a:fillStyleLst>
-        <a:solidFill>
-          <a:schemeClr val="phClr"/>
-        </a:solidFill>
-        <a:gradFill rotWithShape="1">
-          <a:gsLst>
-            <a:gs pos="0">
-              <a:schemeClr val="phClr">
-                <a:tint val="50000"/>
-                <a:satMod val="300000"/>
-              </a:schemeClr>
-            </a:gs>
-            <a:gs pos="35000">
-              <a:schemeClr val="phClr">
-                <a:tint val="37000"/>
-                <a:satMod val="300000"/>
-              </a:schemeClr>
-            </a:gs>
-            <a:gs pos="100000">
-              <a:schemeClr val="phClr">
-                <a:tint val="15000"/>
-                <a:satMod val="350000"/>
-              </a:schemeClr>
-            </a:gs>
-          </a:gsLst>
-          <a:lin ang="16200000" scaled="1"/>
-        </a:gradFill>
-        <a:gradFill rotWithShape="1">
-          <a:gsLst>
-            <a:gs pos="0">
-              <a:schemeClr val="phClr">
-                <a:tint val="100000"/>
-                <a:shade val="100000"/>
-                <a:satMod val="130000"/>
-              </a:schemeClr>
-            </a:gs>
-            <a:gs pos="100000">
-              <a:schemeClr val="phClr">
-                <a:tint val="50000"/>
-                <a:shade val="100000"/>
-                <a:satMod val="350000"/>
-              </a:schemeClr>
-            </a:gs>
-          </a:gsLst>
-          <a:lin ang="16200000" scaled="0"/>
-        </a:gradFill>
-      </a:fillStyleLst>
-      <a:lnStyleLst>
-        <a:ln w="9525" cap="flat" cmpd="sng" algn="ctr">
-          <a:solidFill>
-            <a:schemeClr val="phClr">
-              <a:shade val="95000"/>
-              <a:satMod val="105000"/>
-            </a:schemeClr>
-          </a:solidFill>
-          <a:prstDash val="solid"/>
-        </a:ln>
-        <a:ln w="25400" cap="flat" cmpd="sng" algn="ctr">
-          <a:solidFill>
-            <a:schemeClr val="phClr"/>
-          </a:solidFill>
-          <a:prstDash val="solid"/>
-        </a:ln>
-        <a:ln w="38100" cap="flat" cmpd="sng" algn="ctr">
-          <a:solidFill>
-            <a:schemeClr val="phClr"/>
-          </a:solidFill>
-          <a:prstDash val="solid"/>
-        </a:ln>
-      </a:lnStyleLst>
-      <a:effectStyleLst>
-        <a:effectStyle>
-          <a:effectLst>
-            <a:outerShdw blurRad="40000" dist="20000" dir="5400000" rotWithShape="0">
-              <a:srgbClr val="000000">
-                <a:alpha val="38000"/>
-              </a:srgbClr>
-            </a:outerShdw>
-          </a:effectLst>
-        </a:effectStyle>
-        <a:effectStyle>
-          <a:effectLst>
-            <a:outerShdw blurRad="40000" dist="23000" dir="5400000" rotWithShape="0">
-              <a:srgbClr val="000000">
-                <a:alpha val="35000"/>
-              </a:srgbClr>
-            </a:outerShdw>
-          </a:effectLst>
-        </a:effectStyle>
-        <a:effectStyle>
-          <a:effectLst>
-            <a:outerShdw blurRad="40000" dist="23000" dir="5400000" rotWithShape="0">
-              <a:srgbClr val="000000">
-                <a:alpha val="35000"/>
-              </a:srgbClr>
-            </a:outerShdw>
-          </a:effectLst>
-          <a:scene3d>
-            <a:camera prst="orthographicFront">
-              <a:rot lat="0" lon="0" rev="0"/>
-            </a:camera>
-            <a:lightRig rig="threePt" dir="t">
-              <a:rot lat="0" lon="0" rev="1200000"/>
-            </a:lightRig>
-          </a:scene3d>
-          <a:sp3d>
-            <a:bevelT w="63500" h="25400"/>
-          </a:sp3d>
-        </a:effectStyle>
-      </a:effectStyleLst>
-      <a:bgFillStyleLst>
-        <a:solidFill>
-          <a:schemeClr val="phClr"/>
-        </a:solidFill>
-        <a:gradFill rotWithShape="1">
-          <a:gsLst>
-            <a:gs pos="0">
-              <a:schemeClr val="phClr">
-                <a:tint val="40000"/>
-                <a:satMod val="350000"/>
-              </a:schemeClr>
-            </a:gs>
-            <a:gs pos="40000">
-              <a:schemeClr val="phClr">
-                <a:tint val="45000"/>
-                <a:shade val="99000"/>
-                <a:satMod val="350000"/>
-              </a:schemeClr>
-            </a:gs>
-            <a:gs pos="100000">
-              <a:schemeClr val="phClr">
-                <a:shade val="20000"/>
-                <a:satMod val="255000"/>
-              </a:schemeClr>
-            </a:gs>
-          </a:gsLst>
-          <a:path path="circle">
-            <a:fillToRect l="50000" t="-80000" r="50000" b="180000"/>
-          </a:path>
-        </a:gradFill>
-        <a:gradFill rotWithShape="1">
-          <a:gsLst>
-            <a:gs pos="0">
-              <a:schemeClr val="phClr">
-                <a:tint val="80000"/>
-                <a:satMod val="300000"/>
-              </a:schemeClr>
-            </a:gs>
-            <a:gs pos="100000">
-              <a:schemeClr val="phClr">
-                <a:shade val="30000"/>
-                <a:satMod val="200000"/>
-              </a:schemeClr>
-            </a:gs>
-          </a:gsLst>
-          <a:path path="circle">
-            <a:fillToRect l="50000" t="50000" r="50000" b="50000"/>
-          </a:path>
-        </a:gradFill>
-      </a:bgFillStyleLst>
-    </a:fmtScheme>
-  </a:themeElements>
-</a:theme>
 </file>